--- a/추가자료/스토리보드/아이티어_스토리보드_김태강.pptx
+++ b/추가자료/스토리보드/아이티어_스토리보드_김태강.pptx
@@ -114,7 +114,7 @@
   </p:defaultTextStyle>
   <p:extLst>
     <p:ext uri="{EFAFB233-063F-42B5-8137-9DF3F51BA10A}">
-      <p15:sldGuideLst xmlns:p15="http://schemas.microsoft.com/office/powerpoint/2012/main" xmlns="">
+      <p15:sldGuideLst xmlns="" xmlns:p15="http://schemas.microsoft.com/office/powerpoint/2012/main">
         <p15:guide id="1" orient="horz" pos="2160">
           <p15:clr>
             <a:srgbClr val="A4A3A4"/>
@@ -261,7 +261,7 @@
             <a:fld id="{A365DAA9-14CF-4DC6-9D05-014345C5FC56}" type="datetimeFigureOut">
               <a:rPr lang="ko-KR" altLang="en-US" smtClean="0"/>
               <a:pPr/>
-              <a:t>2020-06-21</a:t>
+              <a:t>2020-06-22</a:t>
             </a:fld>
             <a:endParaRPr lang="ko-KR" altLang="en-US"/>
           </a:p>
@@ -313,7 +313,7 @@
     </p:spTree>
     <p:extLst>
       <p:ext uri="{BB962C8B-B14F-4D97-AF65-F5344CB8AC3E}">
-        <p14:creationId xmlns:p14="http://schemas.microsoft.com/office/powerpoint/2010/main" xmlns="" val="3137131438"/>
+        <p14:creationId xmlns="" xmlns:p14="http://schemas.microsoft.com/office/powerpoint/2010/main" val="3137131438"/>
       </p:ext>
     </p:extLst>
   </p:cSld>
@@ -431,7 +431,7 @@
             <a:fld id="{A365DAA9-14CF-4DC6-9D05-014345C5FC56}" type="datetimeFigureOut">
               <a:rPr lang="ko-KR" altLang="en-US" smtClean="0"/>
               <a:pPr/>
-              <a:t>2020-06-21</a:t>
+              <a:t>2020-06-22</a:t>
             </a:fld>
             <a:endParaRPr lang="ko-KR" altLang="en-US"/>
           </a:p>
@@ -483,7 +483,7 @@
     </p:spTree>
     <p:extLst>
       <p:ext uri="{BB962C8B-B14F-4D97-AF65-F5344CB8AC3E}">
-        <p14:creationId xmlns:p14="http://schemas.microsoft.com/office/powerpoint/2010/main" xmlns="" val="2009613086"/>
+        <p14:creationId xmlns="" xmlns:p14="http://schemas.microsoft.com/office/powerpoint/2010/main" val="2009613086"/>
       </p:ext>
     </p:extLst>
   </p:cSld>
@@ -611,7 +611,7 @@
             <a:fld id="{A365DAA9-14CF-4DC6-9D05-014345C5FC56}" type="datetimeFigureOut">
               <a:rPr lang="ko-KR" altLang="en-US" smtClean="0"/>
               <a:pPr/>
-              <a:t>2020-06-21</a:t>
+              <a:t>2020-06-22</a:t>
             </a:fld>
             <a:endParaRPr lang="ko-KR" altLang="en-US"/>
           </a:p>
@@ -663,7 +663,7 @@
     </p:spTree>
     <p:extLst>
       <p:ext uri="{BB962C8B-B14F-4D97-AF65-F5344CB8AC3E}">
-        <p14:creationId xmlns:p14="http://schemas.microsoft.com/office/powerpoint/2010/main" xmlns="" val="2597636882"/>
+        <p14:creationId xmlns="" xmlns:p14="http://schemas.microsoft.com/office/powerpoint/2010/main" val="2597636882"/>
       </p:ext>
     </p:extLst>
   </p:cSld>
@@ -781,7 +781,7 @@
             <a:fld id="{A365DAA9-14CF-4DC6-9D05-014345C5FC56}" type="datetimeFigureOut">
               <a:rPr lang="ko-KR" altLang="en-US" smtClean="0"/>
               <a:pPr/>
-              <a:t>2020-06-21</a:t>
+              <a:t>2020-06-22</a:t>
             </a:fld>
             <a:endParaRPr lang="ko-KR" altLang="en-US"/>
           </a:p>
@@ -833,7 +833,7 @@
     </p:spTree>
     <p:extLst>
       <p:ext uri="{BB962C8B-B14F-4D97-AF65-F5344CB8AC3E}">
-        <p14:creationId xmlns:p14="http://schemas.microsoft.com/office/powerpoint/2010/main" xmlns="" val="2723585880"/>
+        <p14:creationId xmlns="" xmlns:p14="http://schemas.microsoft.com/office/powerpoint/2010/main" val="2723585880"/>
       </p:ext>
     </p:extLst>
   </p:cSld>
@@ -1028,7 +1028,7 @@
             <a:fld id="{A365DAA9-14CF-4DC6-9D05-014345C5FC56}" type="datetimeFigureOut">
               <a:rPr lang="ko-KR" altLang="en-US" smtClean="0"/>
               <a:pPr/>
-              <a:t>2020-06-21</a:t>
+              <a:t>2020-06-22</a:t>
             </a:fld>
             <a:endParaRPr lang="ko-KR" altLang="en-US"/>
           </a:p>
@@ -1080,7 +1080,7 @@
     </p:spTree>
     <p:extLst>
       <p:ext uri="{BB962C8B-B14F-4D97-AF65-F5344CB8AC3E}">
-        <p14:creationId xmlns:p14="http://schemas.microsoft.com/office/powerpoint/2010/main" xmlns="" val="3951154163"/>
+        <p14:creationId xmlns="" xmlns:p14="http://schemas.microsoft.com/office/powerpoint/2010/main" val="3951154163"/>
       </p:ext>
     </p:extLst>
   </p:cSld>
@@ -1259,7 +1259,7 @@
             <a:fld id="{A365DAA9-14CF-4DC6-9D05-014345C5FC56}" type="datetimeFigureOut">
               <a:rPr lang="ko-KR" altLang="en-US" smtClean="0"/>
               <a:pPr/>
-              <a:t>2020-06-21</a:t>
+              <a:t>2020-06-22</a:t>
             </a:fld>
             <a:endParaRPr lang="ko-KR" altLang="en-US"/>
           </a:p>
@@ -1311,7 +1311,7 @@
     </p:spTree>
     <p:extLst>
       <p:ext uri="{BB962C8B-B14F-4D97-AF65-F5344CB8AC3E}">
-        <p14:creationId xmlns:p14="http://schemas.microsoft.com/office/powerpoint/2010/main" xmlns="" val="1010690246"/>
+        <p14:creationId xmlns="" xmlns:p14="http://schemas.microsoft.com/office/powerpoint/2010/main" val="1010690246"/>
       </p:ext>
     </p:extLst>
   </p:cSld>
@@ -1625,7 +1625,7 @@
             <a:fld id="{A365DAA9-14CF-4DC6-9D05-014345C5FC56}" type="datetimeFigureOut">
               <a:rPr lang="ko-KR" altLang="en-US" smtClean="0"/>
               <a:pPr/>
-              <a:t>2020-06-21</a:t>
+              <a:t>2020-06-22</a:t>
             </a:fld>
             <a:endParaRPr lang="ko-KR" altLang="en-US"/>
           </a:p>
@@ -1677,7 +1677,7 @@
     </p:spTree>
     <p:extLst>
       <p:ext uri="{BB962C8B-B14F-4D97-AF65-F5344CB8AC3E}">
-        <p14:creationId xmlns:p14="http://schemas.microsoft.com/office/powerpoint/2010/main" xmlns="" val="1992279787"/>
+        <p14:creationId xmlns="" xmlns:p14="http://schemas.microsoft.com/office/powerpoint/2010/main" val="1992279787"/>
       </p:ext>
     </p:extLst>
   </p:cSld>
@@ -1744,7 +1744,7 @@
             <a:fld id="{A365DAA9-14CF-4DC6-9D05-014345C5FC56}" type="datetimeFigureOut">
               <a:rPr lang="ko-KR" altLang="en-US" smtClean="0"/>
               <a:pPr/>
-              <a:t>2020-06-21</a:t>
+              <a:t>2020-06-22</a:t>
             </a:fld>
             <a:endParaRPr lang="ko-KR" altLang="en-US"/>
           </a:p>
@@ -1796,7 +1796,7 @@
     </p:spTree>
     <p:extLst>
       <p:ext uri="{BB962C8B-B14F-4D97-AF65-F5344CB8AC3E}">
-        <p14:creationId xmlns:p14="http://schemas.microsoft.com/office/powerpoint/2010/main" xmlns="" val="2734983826"/>
+        <p14:creationId xmlns="" xmlns:p14="http://schemas.microsoft.com/office/powerpoint/2010/main" val="2734983826"/>
       </p:ext>
     </p:extLst>
   </p:cSld>
@@ -1841,7 +1841,7 @@
             <a:fld id="{A365DAA9-14CF-4DC6-9D05-014345C5FC56}" type="datetimeFigureOut">
               <a:rPr lang="ko-KR" altLang="en-US" smtClean="0"/>
               <a:pPr/>
-              <a:t>2020-06-21</a:t>
+              <a:t>2020-06-22</a:t>
             </a:fld>
             <a:endParaRPr lang="ko-KR" altLang="en-US"/>
           </a:p>
@@ -1893,7 +1893,7 @@
     </p:spTree>
     <p:extLst>
       <p:ext uri="{BB962C8B-B14F-4D97-AF65-F5344CB8AC3E}">
-        <p14:creationId xmlns:p14="http://schemas.microsoft.com/office/powerpoint/2010/main" xmlns="" val="3568537413"/>
+        <p14:creationId xmlns="" xmlns:p14="http://schemas.microsoft.com/office/powerpoint/2010/main" val="3568537413"/>
       </p:ext>
     </p:extLst>
   </p:cSld>
@@ -2118,7 +2118,7 @@
             <a:fld id="{A365DAA9-14CF-4DC6-9D05-014345C5FC56}" type="datetimeFigureOut">
               <a:rPr lang="ko-KR" altLang="en-US" smtClean="0"/>
               <a:pPr/>
-              <a:t>2020-06-21</a:t>
+              <a:t>2020-06-22</a:t>
             </a:fld>
             <a:endParaRPr lang="ko-KR" altLang="en-US"/>
           </a:p>
@@ -2170,7 +2170,7 @@
     </p:spTree>
     <p:extLst>
       <p:ext uri="{BB962C8B-B14F-4D97-AF65-F5344CB8AC3E}">
-        <p14:creationId xmlns:p14="http://schemas.microsoft.com/office/powerpoint/2010/main" xmlns="" val="3495782869"/>
+        <p14:creationId xmlns="" xmlns:p14="http://schemas.microsoft.com/office/powerpoint/2010/main" val="3495782869"/>
       </p:ext>
     </p:extLst>
   </p:cSld>
@@ -2372,7 +2372,7 @@
             <a:fld id="{A365DAA9-14CF-4DC6-9D05-014345C5FC56}" type="datetimeFigureOut">
               <a:rPr lang="ko-KR" altLang="en-US" smtClean="0"/>
               <a:pPr/>
-              <a:t>2020-06-21</a:t>
+              <a:t>2020-06-22</a:t>
             </a:fld>
             <a:endParaRPr lang="ko-KR" altLang="en-US"/>
           </a:p>
@@ -2424,7 +2424,7 @@
     </p:spTree>
     <p:extLst>
       <p:ext uri="{BB962C8B-B14F-4D97-AF65-F5344CB8AC3E}">
-        <p14:creationId xmlns:p14="http://schemas.microsoft.com/office/powerpoint/2010/main" xmlns="" val="3048878555"/>
+        <p14:creationId xmlns="" xmlns:p14="http://schemas.microsoft.com/office/powerpoint/2010/main" val="3048878555"/>
       </p:ext>
     </p:extLst>
   </p:cSld>
@@ -2585,7 +2585,7 @@
             <a:fld id="{A365DAA9-14CF-4DC6-9D05-014345C5FC56}" type="datetimeFigureOut">
               <a:rPr lang="ko-KR" altLang="en-US" smtClean="0"/>
               <a:pPr/>
-              <a:t>2020-06-21</a:t>
+              <a:t>2020-06-22</a:t>
             </a:fld>
             <a:endParaRPr lang="ko-KR" altLang="en-US"/>
           </a:p>
@@ -2673,7 +2673,7 @@
     </p:spTree>
     <p:extLst>
       <p:ext uri="{BB962C8B-B14F-4D97-AF65-F5344CB8AC3E}">
-        <p14:creationId xmlns:p14="http://schemas.microsoft.com/office/powerpoint/2010/main" xmlns="" val="3949528538"/>
+        <p14:creationId xmlns="" xmlns:p14="http://schemas.microsoft.com/office/powerpoint/2010/main" val="3949528538"/>
       </p:ext>
     </p:extLst>
   </p:cSld>
@@ -2996,7 +2996,7 @@
           <p:cNvPr id="4" name="TextBox 3">
             <a:extLst>
               <a:ext uri="{FF2B5EF4-FFF2-40B4-BE49-F238E27FC236}">
-                <a16:creationId xmlns:a16="http://schemas.microsoft.com/office/drawing/2014/main" xmlns="" id="{48ED4E7C-4355-40F7-8F11-F7CA206777A9}"/>
+                <a16:creationId xmlns="" xmlns:a16="http://schemas.microsoft.com/office/drawing/2014/main" id="{48ED4E7C-4355-40F7-8F11-F7CA206777A9}"/>
               </a:ext>
             </a:extLst>
           </p:cNvPr>
@@ -3051,7 +3051,7 @@
           <p:cNvPr id="5" name="TextBox 4">
             <a:extLst>
               <a:ext uri="{FF2B5EF4-FFF2-40B4-BE49-F238E27FC236}">
-                <a16:creationId xmlns:a16="http://schemas.microsoft.com/office/drawing/2014/main" xmlns="" id="{9374B7AA-189F-4285-A09F-5FEFDB0385E8}"/>
+                <a16:creationId xmlns="" xmlns:a16="http://schemas.microsoft.com/office/drawing/2014/main" id="{9374B7AA-189F-4285-A09F-5FEFDB0385E8}"/>
               </a:ext>
             </a:extLst>
           </p:cNvPr>
@@ -3093,7 +3093,7 @@
           <p:cNvPr id="6" name="TextBox 5">
             <a:extLst>
               <a:ext uri="{FF2B5EF4-FFF2-40B4-BE49-F238E27FC236}">
-                <a16:creationId xmlns:a16="http://schemas.microsoft.com/office/drawing/2014/main" xmlns="" id="{0160EFF4-D0E4-4B57-9ABE-9B59EC33FB95}"/>
+                <a16:creationId xmlns="" xmlns:a16="http://schemas.microsoft.com/office/drawing/2014/main" id="{0160EFF4-D0E4-4B57-9ABE-9B59EC33FB95}"/>
               </a:ext>
             </a:extLst>
           </p:cNvPr>
@@ -3273,7 +3273,7 @@
     </p:spTree>
     <p:extLst>
       <p:ext uri="{BB962C8B-B14F-4D97-AF65-F5344CB8AC3E}">
-        <p14:creationId xmlns:p14="http://schemas.microsoft.com/office/powerpoint/2010/main" xmlns="" val="2221904889"/>
+        <p14:creationId xmlns="" xmlns:p14="http://schemas.microsoft.com/office/powerpoint/2010/main" val="2221904889"/>
       </p:ext>
     </p:extLst>
   </p:cSld>
@@ -3305,7 +3305,7 @@
           <p:cNvPr id="2" name="TextBox 1">
             <a:extLst>
               <a:ext uri="{FF2B5EF4-FFF2-40B4-BE49-F238E27FC236}">
-                <a16:creationId xmlns:a16="http://schemas.microsoft.com/office/drawing/2014/main" xmlns="" id="{D064B8B6-D904-458D-AD49-1F72E97F5E9D}"/>
+                <a16:creationId xmlns="" xmlns:a16="http://schemas.microsoft.com/office/drawing/2014/main" id="{D064B8B6-D904-458D-AD49-1F72E97F5E9D}"/>
               </a:ext>
             </a:extLst>
           </p:cNvPr>
@@ -3347,7 +3347,7 @@
           <p:cNvPr id="3" name="직사각형 2">
             <a:extLst>
               <a:ext uri="{FF2B5EF4-FFF2-40B4-BE49-F238E27FC236}">
-                <a16:creationId xmlns:a16="http://schemas.microsoft.com/office/drawing/2014/main" xmlns="" id="{99FAF754-B4BC-432A-837F-432597B71729}"/>
+                <a16:creationId xmlns="" xmlns:a16="http://schemas.microsoft.com/office/drawing/2014/main" id="{99FAF754-B4BC-432A-837F-432597B71729}"/>
               </a:ext>
             </a:extLst>
           </p:cNvPr>
@@ -3418,7 +3418,7 @@
           <p:cNvPr id="8" name="직사각형 7">
             <a:extLst>
               <a:ext uri="{FF2B5EF4-FFF2-40B4-BE49-F238E27FC236}">
-                <a16:creationId xmlns:a16="http://schemas.microsoft.com/office/drawing/2014/main" xmlns="" id="{2D4FD220-A575-490D-91AD-62C8CF51B637}"/>
+                <a16:creationId xmlns="" xmlns:a16="http://schemas.microsoft.com/office/drawing/2014/main" id="{2D4FD220-A575-490D-91AD-62C8CF51B637}"/>
               </a:ext>
             </a:extLst>
           </p:cNvPr>
@@ -3489,7 +3489,7 @@
           <p:cNvPr id="9" name="직사각형 8">
             <a:extLst>
               <a:ext uri="{FF2B5EF4-FFF2-40B4-BE49-F238E27FC236}">
-                <a16:creationId xmlns:a16="http://schemas.microsoft.com/office/drawing/2014/main" xmlns="" id="{3DB692EA-E9FD-421F-B296-48DC0D5A8784}"/>
+                <a16:creationId xmlns="" xmlns:a16="http://schemas.microsoft.com/office/drawing/2014/main" id="{3DB692EA-E9FD-421F-B296-48DC0D5A8784}"/>
               </a:ext>
             </a:extLst>
           </p:cNvPr>
@@ -3567,7 +3567,7 @@
           <p:cNvPr id="10" name="직사각형 9">
             <a:extLst>
               <a:ext uri="{FF2B5EF4-FFF2-40B4-BE49-F238E27FC236}">
-                <a16:creationId xmlns:a16="http://schemas.microsoft.com/office/drawing/2014/main" xmlns="" id="{5265ABC7-3053-44F9-8C45-6A1A33067425}"/>
+                <a16:creationId xmlns="" xmlns:a16="http://schemas.microsoft.com/office/drawing/2014/main" id="{5265ABC7-3053-44F9-8C45-6A1A33067425}"/>
               </a:ext>
             </a:extLst>
           </p:cNvPr>
@@ -3658,7 +3658,7 @@
           <p:cNvPr id="12" name="직사각형 11">
             <a:extLst>
               <a:ext uri="{FF2B5EF4-FFF2-40B4-BE49-F238E27FC236}">
-                <a16:creationId xmlns:a16="http://schemas.microsoft.com/office/drawing/2014/main" xmlns="" id="{6C642EC5-5747-4A71-8AD7-84D98850FDDD}"/>
+                <a16:creationId xmlns="" xmlns:a16="http://schemas.microsoft.com/office/drawing/2014/main" id="{6C642EC5-5747-4A71-8AD7-84D98850FDDD}"/>
               </a:ext>
             </a:extLst>
           </p:cNvPr>
@@ -3726,7 +3726,7 @@
           <p:cNvPr id="13" name="직사각형 12">
             <a:extLst>
               <a:ext uri="{FF2B5EF4-FFF2-40B4-BE49-F238E27FC236}">
-                <a16:creationId xmlns:a16="http://schemas.microsoft.com/office/drawing/2014/main" xmlns="" id="{6701C698-CB94-4DCE-BE98-B40FD4126801}"/>
+                <a16:creationId xmlns="" xmlns:a16="http://schemas.microsoft.com/office/drawing/2014/main" id="{6701C698-CB94-4DCE-BE98-B40FD4126801}"/>
               </a:ext>
             </a:extLst>
           </p:cNvPr>
@@ -3797,7 +3797,7 @@
           <p:cNvPr id="14" name="직사각형 13">
             <a:extLst>
               <a:ext uri="{FF2B5EF4-FFF2-40B4-BE49-F238E27FC236}">
-                <a16:creationId xmlns:a16="http://schemas.microsoft.com/office/drawing/2014/main" xmlns="" id="{289FC84F-A1A9-4352-9986-B557DD857895}"/>
+                <a16:creationId xmlns="" xmlns:a16="http://schemas.microsoft.com/office/drawing/2014/main" id="{289FC84F-A1A9-4352-9986-B557DD857895}"/>
               </a:ext>
             </a:extLst>
           </p:cNvPr>
@@ -3869,7 +3869,7 @@
           <p:cNvPr id="21" name="직선 화살표 연결선 20">
             <a:extLst>
               <a:ext uri="{FF2B5EF4-FFF2-40B4-BE49-F238E27FC236}">
-                <a16:creationId xmlns:a16="http://schemas.microsoft.com/office/drawing/2014/main" xmlns="" id="{718589C5-D047-466E-89E6-290857963614}"/>
+                <a16:creationId xmlns="" xmlns:a16="http://schemas.microsoft.com/office/drawing/2014/main" id="{718589C5-D047-466E-89E6-290857963614}"/>
               </a:ext>
             </a:extLst>
           </p:cNvPr>
@@ -3915,7 +3915,7 @@
           <p:cNvPr id="25" name="직선 화살표 연결선 24">
             <a:extLst>
               <a:ext uri="{FF2B5EF4-FFF2-40B4-BE49-F238E27FC236}">
-                <a16:creationId xmlns:a16="http://schemas.microsoft.com/office/drawing/2014/main" xmlns="" id="{81173D20-A477-4372-8215-B161833BD3A6}"/>
+                <a16:creationId xmlns="" xmlns:a16="http://schemas.microsoft.com/office/drawing/2014/main" id="{81173D20-A477-4372-8215-B161833BD3A6}"/>
               </a:ext>
             </a:extLst>
           </p:cNvPr>
@@ -3962,7 +3962,7 @@
           <p:cNvPr id="28" name="직선 화살표 연결선 27">
             <a:extLst>
               <a:ext uri="{FF2B5EF4-FFF2-40B4-BE49-F238E27FC236}">
-                <a16:creationId xmlns:a16="http://schemas.microsoft.com/office/drawing/2014/main" xmlns="" id="{2FC1DCDB-B04F-4581-AB1A-3A3A823B9BE9}"/>
+                <a16:creationId xmlns="" xmlns:a16="http://schemas.microsoft.com/office/drawing/2014/main" id="{2FC1DCDB-B04F-4581-AB1A-3A3A823B9BE9}"/>
               </a:ext>
             </a:extLst>
           </p:cNvPr>
@@ -4009,7 +4009,7 @@
           <p:cNvPr id="31" name="직선 화살표 연결선 30">
             <a:extLst>
               <a:ext uri="{FF2B5EF4-FFF2-40B4-BE49-F238E27FC236}">
-                <a16:creationId xmlns:a16="http://schemas.microsoft.com/office/drawing/2014/main" xmlns="" id="{F7DBD45C-A386-4C4D-A94F-C56D145F09CB}"/>
+                <a16:creationId xmlns="" xmlns:a16="http://schemas.microsoft.com/office/drawing/2014/main" id="{F7DBD45C-A386-4C4D-A94F-C56D145F09CB}"/>
               </a:ext>
             </a:extLst>
           </p:cNvPr>
@@ -4056,7 +4056,7 @@
           <p:cNvPr id="37" name="직선 화살표 연결선 36">
             <a:extLst>
               <a:ext uri="{FF2B5EF4-FFF2-40B4-BE49-F238E27FC236}">
-                <a16:creationId xmlns:a16="http://schemas.microsoft.com/office/drawing/2014/main" xmlns="" id="{CB8D4502-2604-4D11-B6D8-424AE1D9F65D}"/>
+                <a16:creationId xmlns="" xmlns:a16="http://schemas.microsoft.com/office/drawing/2014/main" id="{CB8D4502-2604-4D11-B6D8-424AE1D9F65D}"/>
               </a:ext>
             </a:extLst>
           </p:cNvPr>
@@ -4103,7 +4103,7 @@
           <p:cNvPr id="39" name="직선 화살표 연결선 38">
             <a:extLst>
               <a:ext uri="{FF2B5EF4-FFF2-40B4-BE49-F238E27FC236}">
-                <a16:creationId xmlns:a16="http://schemas.microsoft.com/office/drawing/2014/main" xmlns="" id="{D20CE891-F094-43B7-99EC-FF92DE08F2E7}"/>
+                <a16:creationId xmlns="" xmlns:a16="http://schemas.microsoft.com/office/drawing/2014/main" id="{D20CE891-F094-43B7-99EC-FF92DE08F2E7}"/>
               </a:ext>
             </a:extLst>
           </p:cNvPr>
@@ -4150,7 +4150,7 @@
           <p:cNvPr id="56" name="직사각형 55">
             <a:extLst>
               <a:ext uri="{FF2B5EF4-FFF2-40B4-BE49-F238E27FC236}">
-                <a16:creationId xmlns:a16="http://schemas.microsoft.com/office/drawing/2014/main" xmlns="" id="{F89E671B-8BE7-4143-8225-2C0E515530DA}"/>
+                <a16:creationId xmlns="" xmlns:a16="http://schemas.microsoft.com/office/drawing/2014/main" id="{F89E671B-8BE7-4143-8225-2C0E515530DA}"/>
               </a:ext>
             </a:extLst>
           </p:cNvPr>
@@ -4222,7 +4222,7 @@
           <p:cNvPr id="57" name="직사각형 56">
             <a:extLst>
               <a:ext uri="{FF2B5EF4-FFF2-40B4-BE49-F238E27FC236}">
-                <a16:creationId xmlns:a16="http://schemas.microsoft.com/office/drawing/2014/main" xmlns="" id="{32A7F4AD-C634-4B0C-868A-EC703577CE09}"/>
+                <a16:creationId xmlns="" xmlns:a16="http://schemas.microsoft.com/office/drawing/2014/main" id="{32A7F4AD-C634-4B0C-868A-EC703577CE09}"/>
               </a:ext>
             </a:extLst>
           </p:cNvPr>
@@ -4294,7 +4294,7 @@
           <p:cNvPr id="58" name="직사각형 57">
             <a:extLst>
               <a:ext uri="{FF2B5EF4-FFF2-40B4-BE49-F238E27FC236}">
-                <a16:creationId xmlns:a16="http://schemas.microsoft.com/office/drawing/2014/main" xmlns="" id="{5F36A5FE-E217-449C-B093-21117195B99E}"/>
+                <a16:creationId xmlns="" xmlns:a16="http://schemas.microsoft.com/office/drawing/2014/main" id="{5F36A5FE-E217-449C-B093-21117195B99E}"/>
               </a:ext>
             </a:extLst>
           </p:cNvPr>
@@ -4373,7 +4373,7 @@
           <p:cNvPr id="59" name="직사각형 58">
             <a:extLst>
               <a:ext uri="{FF2B5EF4-FFF2-40B4-BE49-F238E27FC236}">
-                <a16:creationId xmlns:a16="http://schemas.microsoft.com/office/drawing/2014/main" xmlns="" id="{9E62AD77-2F65-430D-94B9-107AE6889B46}"/>
+                <a16:creationId xmlns="" xmlns:a16="http://schemas.microsoft.com/office/drawing/2014/main" id="{9E62AD77-2F65-430D-94B9-107AE6889B46}"/>
               </a:ext>
             </a:extLst>
           </p:cNvPr>
@@ -4462,7 +4462,7 @@
           <p:cNvPr id="60" name="직선 화살표 연결선 59">
             <a:extLst>
               <a:ext uri="{FF2B5EF4-FFF2-40B4-BE49-F238E27FC236}">
-                <a16:creationId xmlns:a16="http://schemas.microsoft.com/office/drawing/2014/main" xmlns="" id="{D80358EB-9E1E-4662-AF62-918453A10D18}"/>
+                <a16:creationId xmlns="" xmlns:a16="http://schemas.microsoft.com/office/drawing/2014/main" id="{D80358EB-9E1E-4662-AF62-918453A10D18}"/>
               </a:ext>
             </a:extLst>
           </p:cNvPr>
@@ -4509,7 +4509,7 @@
           <p:cNvPr id="63" name="직선 화살표 연결선 62">
             <a:extLst>
               <a:ext uri="{FF2B5EF4-FFF2-40B4-BE49-F238E27FC236}">
-                <a16:creationId xmlns:a16="http://schemas.microsoft.com/office/drawing/2014/main" xmlns="" id="{FBDE1DCB-DD30-4158-BC2B-331F9564C0EC}"/>
+                <a16:creationId xmlns="" xmlns:a16="http://schemas.microsoft.com/office/drawing/2014/main" id="{FBDE1DCB-DD30-4158-BC2B-331F9564C0EC}"/>
               </a:ext>
             </a:extLst>
           </p:cNvPr>
@@ -4556,7 +4556,7 @@
           <p:cNvPr id="66" name="직선 화살표 연결선 65">
             <a:extLst>
               <a:ext uri="{FF2B5EF4-FFF2-40B4-BE49-F238E27FC236}">
-                <a16:creationId xmlns:a16="http://schemas.microsoft.com/office/drawing/2014/main" xmlns="" id="{6F197978-41CC-4DDA-8D32-C272057E625A}"/>
+                <a16:creationId xmlns="" xmlns:a16="http://schemas.microsoft.com/office/drawing/2014/main" id="{6F197978-41CC-4DDA-8D32-C272057E625A}"/>
               </a:ext>
             </a:extLst>
           </p:cNvPr>
@@ -4603,7 +4603,7 @@
           <p:cNvPr id="69" name="직선 화살표 연결선 68">
             <a:extLst>
               <a:ext uri="{FF2B5EF4-FFF2-40B4-BE49-F238E27FC236}">
-                <a16:creationId xmlns:a16="http://schemas.microsoft.com/office/drawing/2014/main" xmlns="" id="{5633B058-DA9D-438C-B918-956351C1EC05}"/>
+                <a16:creationId xmlns="" xmlns:a16="http://schemas.microsoft.com/office/drawing/2014/main" id="{5633B058-DA9D-438C-B918-956351C1EC05}"/>
               </a:ext>
             </a:extLst>
           </p:cNvPr>
@@ -4650,7 +4650,7 @@
           <p:cNvPr id="72" name="직사각형 71">
             <a:extLst>
               <a:ext uri="{FF2B5EF4-FFF2-40B4-BE49-F238E27FC236}">
-                <a16:creationId xmlns:a16="http://schemas.microsoft.com/office/drawing/2014/main" xmlns="" id="{5054029D-5527-4E35-8C0B-00191575C9C2}"/>
+                <a16:creationId xmlns="" xmlns:a16="http://schemas.microsoft.com/office/drawing/2014/main" id="{5054029D-5527-4E35-8C0B-00191575C9C2}"/>
               </a:ext>
             </a:extLst>
           </p:cNvPr>
@@ -4722,7 +4722,7 @@
           <p:cNvPr id="73" name="직사각형 72">
             <a:extLst>
               <a:ext uri="{FF2B5EF4-FFF2-40B4-BE49-F238E27FC236}">
-                <a16:creationId xmlns:a16="http://schemas.microsoft.com/office/drawing/2014/main" xmlns="" id="{36BA1A80-115F-495F-92F6-122526F3160D}"/>
+                <a16:creationId xmlns="" xmlns:a16="http://schemas.microsoft.com/office/drawing/2014/main" id="{36BA1A80-115F-495F-92F6-122526F3160D}"/>
               </a:ext>
             </a:extLst>
           </p:cNvPr>
@@ -4794,7 +4794,7 @@
           <p:cNvPr id="74" name="직선 화살표 연결선 73">
             <a:extLst>
               <a:ext uri="{FF2B5EF4-FFF2-40B4-BE49-F238E27FC236}">
-                <a16:creationId xmlns:a16="http://schemas.microsoft.com/office/drawing/2014/main" xmlns="" id="{C9D71470-6397-4462-9CD7-3342A408F653}"/>
+                <a16:creationId xmlns="" xmlns:a16="http://schemas.microsoft.com/office/drawing/2014/main" id="{C9D71470-6397-4462-9CD7-3342A408F653}"/>
               </a:ext>
             </a:extLst>
           </p:cNvPr>
@@ -4841,7 +4841,7 @@
           <p:cNvPr id="77" name="직선 화살표 연결선 76">
             <a:extLst>
               <a:ext uri="{FF2B5EF4-FFF2-40B4-BE49-F238E27FC236}">
-                <a16:creationId xmlns:a16="http://schemas.microsoft.com/office/drawing/2014/main" xmlns="" id="{1AB1D632-40F9-4BE5-926A-9BAF602EFD27}"/>
+                <a16:creationId xmlns="" xmlns:a16="http://schemas.microsoft.com/office/drawing/2014/main" id="{1AB1D632-40F9-4BE5-926A-9BAF602EFD27}"/>
               </a:ext>
             </a:extLst>
           </p:cNvPr>
@@ -4886,7 +4886,7 @@
     </p:spTree>
     <p:extLst>
       <p:ext uri="{BB962C8B-B14F-4D97-AF65-F5344CB8AC3E}">
-        <p14:creationId xmlns:p14="http://schemas.microsoft.com/office/powerpoint/2010/main" xmlns="" val="2062751274"/>
+        <p14:creationId xmlns="" xmlns:p14="http://schemas.microsoft.com/office/powerpoint/2010/main" val="2062751274"/>
       </p:ext>
     </p:extLst>
   </p:cSld>
@@ -4922,7 +4922,7 @@
           <p:nvPr>
             <p:extLst>
               <p:ext uri="{D42A27DB-BD31-4B8C-83A1-F6EECF244321}">
-                <p14:modId xmlns:p14="http://schemas.microsoft.com/office/powerpoint/2010/main" xmlns="" val="800116294"/>
+                <p14:modId xmlns="" xmlns:p14="http://schemas.microsoft.com/office/powerpoint/2010/main" val="800116294"/>
               </p:ext>
             </p:extLst>
           </p:nvPr>
@@ -4941,14 +4941,14 @@
                 <a:gridCol w="1277451">
                   <a:extLst>
                     <a:ext uri="{9D8B030D-6E8A-4147-A177-3AD203B41FA5}">
-                      <a16:colId xmlns:a16="http://schemas.microsoft.com/office/drawing/2014/main" xmlns="" val="3755282693"/>
+                      <a16:colId xmlns="" xmlns:a16="http://schemas.microsoft.com/office/drawing/2014/main" val="3755282693"/>
                     </a:ext>
                   </a:extLst>
                 </a:gridCol>
                 <a:gridCol w="2414016">
                   <a:extLst>
                     <a:ext uri="{9D8B030D-6E8A-4147-A177-3AD203B41FA5}">
-                      <a16:colId xmlns:a16="http://schemas.microsoft.com/office/drawing/2014/main" xmlns="" val="276504630"/>
+                      <a16:colId xmlns="" xmlns:a16="http://schemas.microsoft.com/office/drawing/2014/main" val="276504630"/>
                     </a:ext>
                   </a:extLst>
                 </a:gridCol>
@@ -5083,7 +5083,7 @@
                 </a:tc>
                 <a:extLst>
                   <a:ext uri="{0D108BD9-81ED-4DB2-BD59-A6C34878D82A}">
-                    <a16:rowId xmlns:a16="http://schemas.microsoft.com/office/drawing/2014/main" xmlns="" val="2659151920"/>
+                    <a16:rowId xmlns="" xmlns:a16="http://schemas.microsoft.com/office/drawing/2014/main" val="2659151920"/>
                   </a:ext>
                 </a:extLst>
               </a:tr>
@@ -5209,7 +5209,7 @@
                 </a:tc>
                 <a:extLst>
                   <a:ext uri="{0D108BD9-81ED-4DB2-BD59-A6C34878D82A}">
-                    <a16:rowId xmlns:a16="http://schemas.microsoft.com/office/drawing/2014/main" xmlns="" val="2965605005"/>
+                    <a16:rowId xmlns="" xmlns:a16="http://schemas.microsoft.com/office/drawing/2014/main" val="2965605005"/>
                   </a:ext>
                 </a:extLst>
               </a:tr>
@@ -5335,7 +5335,7 @@
                 </a:tc>
                 <a:extLst>
                   <a:ext uri="{0D108BD9-81ED-4DB2-BD59-A6C34878D82A}">
-                    <a16:rowId xmlns:a16="http://schemas.microsoft.com/office/drawing/2014/main" xmlns="" val="1423130289"/>
+                    <a16:rowId xmlns="" xmlns:a16="http://schemas.microsoft.com/office/drawing/2014/main" val="1423130289"/>
                   </a:ext>
                 </a:extLst>
               </a:tr>
@@ -5461,7 +5461,7 @@
                 </a:tc>
                 <a:extLst>
                   <a:ext uri="{0D108BD9-81ED-4DB2-BD59-A6C34878D82A}">
-                    <a16:rowId xmlns:a16="http://schemas.microsoft.com/office/drawing/2014/main" xmlns="" val="2266055896"/>
+                    <a16:rowId xmlns="" xmlns:a16="http://schemas.microsoft.com/office/drawing/2014/main" val="2266055896"/>
                   </a:ext>
                 </a:extLst>
               </a:tr>
@@ -5478,7 +5478,7 @@
           <p:nvPr>
             <p:extLst>
               <p:ext uri="{D42A27DB-BD31-4B8C-83A1-F6EECF244321}">
-                <p14:modId xmlns:p14="http://schemas.microsoft.com/office/powerpoint/2010/main" xmlns="" val="1289806452"/>
+                <p14:modId xmlns="" xmlns:p14="http://schemas.microsoft.com/office/powerpoint/2010/main" val="1289806452"/>
               </p:ext>
             </p:extLst>
           </p:nvPr>
@@ -5497,14 +5497,14 @@
                 <a:gridCol w="409006">
                   <a:extLst>
                     <a:ext uri="{9D8B030D-6E8A-4147-A177-3AD203B41FA5}">
-                      <a16:colId xmlns:a16="http://schemas.microsoft.com/office/drawing/2014/main" xmlns="" val="3755282693"/>
+                      <a16:colId xmlns="" xmlns:a16="http://schemas.microsoft.com/office/drawing/2014/main" val="3755282693"/>
                     </a:ext>
                   </a:extLst>
                 </a:gridCol>
                 <a:gridCol w="3282461">
                   <a:extLst>
                     <a:ext uri="{9D8B030D-6E8A-4147-A177-3AD203B41FA5}">
-                      <a16:colId xmlns:a16="http://schemas.microsoft.com/office/drawing/2014/main" xmlns="" val="276504630"/>
+                      <a16:colId xmlns="" xmlns:a16="http://schemas.microsoft.com/office/drawing/2014/main" val="276504630"/>
                     </a:ext>
                   </a:extLst>
                 </a:gridCol>
@@ -5619,7 +5619,7 @@
                 </a:tc>
                 <a:extLst>
                   <a:ext uri="{0D108BD9-81ED-4DB2-BD59-A6C34878D82A}">
-                    <a16:rowId xmlns:a16="http://schemas.microsoft.com/office/drawing/2014/main" xmlns="" val="2659151920"/>
+                    <a16:rowId xmlns="" xmlns:a16="http://schemas.microsoft.com/office/drawing/2014/main" val="2659151920"/>
                   </a:ext>
                 </a:extLst>
               </a:tr>
@@ -5774,7 +5774,7 @@
                 </a:tc>
                 <a:extLst>
                   <a:ext uri="{0D108BD9-81ED-4DB2-BD59-A6C34878D82A}">
-                    <a16:rowId xmlns:a16="http://schemas.microsoft.com/office/drawing/2014/main" xmlns="" val="2965605005"/>
+                    <a16:rowId xmlns="" xmlns:a16="http://schemas.microsoft.com/office/drawing/2014/main" val="2965605005"/>
                   </a:ext>
                 </a:extLst>
               </a:tr>
@@ -5929,7 +5929,7 @@
                 </a:tc>
                 <a:extLst>
                   <a:ext uri="{0D108BD9-81ED-4DB2-BD59-A6C34878D82A}">
-                    <a16:rowId xmlns:a16="http://schemas.microsoft.com/office/drawing/2014/main" xmlns="" val="1423130289"/>
+                    <a16:rowId xmlns="" xmlns:a16="http://schemas.microsoft.com/office/drawing/2014/main" val="1423130289"/>
                   </a:ext>
                 </a:extLst>
               </a:tr>
@@ -6084,7 +6084,7 @@
                 </a:tc>
                 <a:extLst>
                   <a:ext uri="{0D108BD9-81ED-4DB2-BD59-A6C34878D82A}">
-                    <a16:rowId xmlns:a16="http://schemas.microsoft.com/office/drawing/2014/main" xmlns="" val="2266055896"/>
+                    <a16:rowId xmlns="" xmlns:a16="http://schemas.microsoft.com/office/drawing/2014/main" val="2266055896"/>
                   </a:ext>
                 </a:extLst>
               </a:tr>
@@ -6255,7 +6255,7 @@
                 </a:tc>
                 <a:extLst>
                   <a:ext uri="{0D108BD9-81ED-4DB2-BD59-A6C34878D82A}">
-                    <a16:rowId xmlns:a16="http://schemas.microsoft.com/office/drawing/2014/main" xmlns="" val="3843794568"/>
+                    <a16:rowId xmlns="" xmlns:a16="http://schemas.microsoft.com/office/drawing/2014/main" val="3843794568"/>
                   </a:ext>
                 </a:extLst>
               </a:tr>
@@ -6418,7 +6418,7 @@
                 </a:tc>
                 <a:extLst>
                   <a:ext uri="{0D108BD9-81ED-4DB2-BD59-A6C34878D82A}">
-                    <a16:rowId xmlns:a16="http://schemas.microsoft.com/office/drawing/2014/main" xmlns="" val="2414411094"/>
+                    <a16:rowId xmlns="" xmlns:a16="http://schemas.microsoft.com/office/drawing/2014/main" val="2414411094"/>
                   </a:ext>
                 </a:extLst>
               </a:tr>
@@ -6573,7 +6573,7 @@
                 </a:tc>
                 <a:extLst>
                   <a:ext uri="{0D108BD9-81ED-4DB2-BD59-A6C34878D82A}">
-                    <a16:rowId xmlns:a16="http://schemas.microsoft.com/office/drawing/2014/main" xmlns="" val="2875470382"/>
+                    <a16:rowId xmlns="" xmlns:a16="http://schemas.microsoft.com/office/drawing/2014/main" val="2875470382"/>
                   </a:ext>
                 </a:extLst>
               </a:tr>
@@ -6744,7 +6744,7 @@
                 </a:tc>
                 <a:extLst>
                   <a:ext uri="{0D108BD9-81ED-4DB2-BD59-A6C34878D82A}">
-                    <a16:rowId xmlns:a16="http://schemas.microsoft.com/office/drawing/2014/main" xmlns="" val="1898222468"/>
+                    <a16:rowId xmlns="" xmlns:a16="http://schemas.microsoft.com/office/drawing/2014/main" val="1898222468"/>
                   </a:ext>
                 </a:extLst>
               </a:tr>
@@ -6907,7 +6907,7 @@
                 </a:tc>
                 <a:extLst>
                   <a:ext uri="{0D108BD9-81ED-4DB2-BD59-A6C34878D82A}">
-                    <a16:rowId xmlns:a16="http://schemas.microsoft.com/office/drawing/2014/main" xmlns="" val="2850959680"/>
+                    <a16:rowId xmlns="" xmlns:a16="http://schemas.microsoft.com/office/drawing/2014/main" val="2850959680"/>
                   </a:ext>
                 </a:extLst>
               </a:tr>
@@ -7070,7 +7070,7 @@
                 </a:tc>
                 <a:extLst>
                   <a:ext uri="{0D108BD9-81ED-4DB2-BD59-A6C34878D82A}">
-                    <a16:rowId xmlns:a16="http://schemas.microsoft.com/office/drawing/2014/main" xmlns="" val="1928537006"/>
+                    <a16:rowId xmlns="" xmlns:a16="http://schemas.microsoft.com/office/drawing/2014/main" val="1928537006"/>
                   </a:ext>
                 </a:extLst>
               </a:tr>
@@ -7225,7 +7225,7 @@
                 </a:tc>
                 <a:extLst>
                   <a:ext uri="{0D108BD9-81ED-4DB2-BD59-A6C34878D82A}">
-                    <a16:rowId xmlns:a16="http://schemas.microsoft.com/office/drawing/2014/main" xmlns="" val="869553709"/>
+                    <a16:rowId xmlns="" xmlns:a16="http://schemas.microsoft.com/office/drawing/2014/main" val="869553709"/>
                   </a:ext>
                 </a:extLst>
               </a:tr>
@@ -7340,7 +7340,7 @@
                 </a:tc>
                 <a:extLst>
                   <a:ext uri="{0D108BD9-81ED-4DB2-BD59-A6C34878D82A}">
-                    <a16:rowId xmlns:a16="http://schemas.microsoft.com/office/drawing/2014/main" xmlns="" val="613171441"/>
+                    <a16:rowId xmlns="" xmlns:a16="http://schemas.microsoft.com/office/drawing/2014/main" val="613171441"/>
                   </a:ext>
                 </a:extLst>
               </a:tr>
@@ -7455,7 +7455,7 @@
                 </a:tc>
                 <a:extLst>
                   <a:ext uri="{0D108BD9-81ED-4DB2-BD59-A6C34878D82A}">
-                    <a16:rowId xmlns:a16="http://schemas.microsoft.com/office/drawing/2014/main" xmlns="" val="1084277171"/>
+                    <a16:rowId xmlns="" xmlns:a16="http://schemas.microsoft.com/office/drawing/2014/main" val="1084277171"/>
                   </a:ext>
                 </a:extLst>
               </a:tr>
@@ -7617,7 +7617,7 @@
     </p:spTree>
     <p:extLst>
       <p:ext uri="{BB962C8B-B14F-4D97-AF65-F5344CB8AC3E}">
-        <p14:creationId xmlns:p14="http://schemas.microsoft.com/office/powerpoint/2010/main" xmlns="" val="519251022"/>
+        <p14:creationId xmlns="" xmlns:p14="http://schemas.microsoft.com/office/powerpoint/2010/main" val="519251022"/>
       </p:ext>
     </p:extLst>
   </p:cSld>
@@ -7653,7 +7653,7 @@
           <p:nvPr>
             <p:extLst>
               <p:ext uri="{D42A27DB-BD31-4B8C-83A1-F6EECF244321}">
-                <p14:modId xmlns:p14="http://schemas.microsoft.com/office/powerpoint/2010/main" xmlns="" val="1986721440"/>
+                <p14:modId xmlns="" xmlns:p14="http://schemas.microsoft.com/office/powerpoint/2010/main" val="1986721440"/>
               </p:ext>
             </p:extLst>
           </p:nvPr>
@@ -7672,14 +7672,14 @@
                 <a:gridCol w="1277451">
                   <a:extLst>
                     <a:ext uri="{9D8B030D-6E8A-4147-A177-3AD203B41FA5}">
-                      <a16:colId xmlns:a16="http://schemas.microsoft.com/office/drawing/2014/main" xmlns="" val="3755282693"/>
+                      <a16:colId xmlns="" xmlns:a16="http://schemas.microsoft.com/office/drawing/2014/main" val="3755282693"/>
                     </a:ext>
                   </a:extLst>
                 </a:gridCol>
                 <a:gridCol w="2414016">
                   <a:extLst>
                     <a:ext uri="{9D8B030D-6E8A-4147-A177-3AD203B41FA5}">
-                      <a16:colId xmlns:a16="http://schemas.microsoft.com/office/drawing/2014/main" xmlns="" val="276504630"/>
+                      <a16:colId xmlns="" xmlns:a16="http://schemas.microsoft.com/office/drawing/2014/main" val="276504630"/>
                     </a:ext>
                   </a:extLst>
                 </a:gridCol>
@@ -7814,7 +7814,7 @@
                 </a:tc>
                 <a:extLst>
                   <a:ext uri="{0D108BD9-81ED-4DB2-BD59-A6C34878D82A}">
-                    <a16:rowId xmlns:a16="http://schemas.microsoft.com/office/drawing/2014/main" xmlns="" val="2659151920"/>
+                    <a16:rowId xmlns="" xmlns:a16="http://schemas.microsoft.com/office/drawing/2014/main" val="2659151920"/>
                   </a:ext>
                 </a:extLst>
               </a:tr>
@@ -7940,7 +7940,7 @@
                 </a:tc>
                 <a:extLst>
                   <a:ext uri="{0D108BD9-81ED-4DB2-BD59-A6C34878D82A}">
-                    <a16:rowId xmlns:a16="http://schemas.microsoft.com/office/drawing/2014/main" xmlns="" val="2965605005"/>
+                    <a16:rowId xmlns="" xmlns:a16="http://schemas.microsoft.com/office/drawing/2014/main" val="2965605005"/>
                   </a:ext>
                 </a:extLst>
               </a:tr>
@@ -8066,7 +8066,7 @@
                 </a:tc>
                 <a:extLst>
                   <a:ext uri="{0D108BD9-81ED-4DB2-BD59-A6C34878D82A}">
-                    <a16:rowId xmlns:a16="http://schemas.microsoft.com/office/drawing/2014/main" xmlns="" val="1423130289"/>
+                    <a16:rowId xmlns="" xmlns:a16="http://schemas.microsoft.com/office/drawing/2014/main" val="1423130289"/>
                   </a:ext>
                 </a:extLst>
               </a:tr>
@@ -8187,7 +8187,7 @@
                 </a:tc>
                 <a:extLst>
                   <a:ext uri="{0D108BD9-81ED-4DB2-BD59-A6C34878D82A}">
-                    <a16:rowId xmlns:a16="http://schemas.microsoft.com/office/drawing/2014/main" xmlns="" val="2266055896"/>
+                    <a16:rowId xmlns="" xmlns:a16="http://schemas.microsoft.com/office/drawing/2014/main" val="2266055896"/>
                   </a:ext>
                 </a:extLst>
               </a:tr>
@@ -8204,7 +8204,7 @@
           <p:nvPr>
             <p:extLst>
               <p:ext uri="{D42A27DB-BD31-4B8C-83A1-F6EECF244321}">
-                <p14:modId xmlns:p14="http://schemas.microsoft.com/office/powerpoint/2010/main" xmlns="" val="3546774472"/>
+                <p14:modId xmlns="" xmlns:p14="http://schemas.microsoft.com/office/powerpoint/2010/main" val="3546774472"/>
               </p:ext>
             </p:extLst>
           </p:nvPr>
@@ -8223,21 +8223,21 @@
                 <a:gridCol w="409006">
                   <a:extLst>
                     <a:ext uri="{9D8B030D-6E8A-4147-A177-3AD203B41FA5}">
-                      <a16:colId xmlns:a16="http://schemas.microsoft.com/office/drawing/2014/main" xmlns="" val="3755282693"/>
+                      <a16:colId xmlns="" xmlns:a16="http://schemas.microsoft.com/office/drawing/2014/main" val="3755282693"/>
                     </a:ext>
                   </a:extLst>
                 </a:gridCol>
                 <a:gridCol w="475762">
                   <a:extLst>
                     <a:ext uri="{9D8B030D-6E8A-4147-A177-3AD203B41FA5}">
-                      <a16:colId xmlns:a16="http://schemas.microsoft.com/office/drawing/2014/main" xmlns="" val="276504630"/>
+                      <a16:colId xmlns="" xmlns:a16="http://schemas.microsoft.com/office/drawing/2014/main" val="276504630"/>
                     </a:ext>
                   </a:extLst>
                 </a:gridCol>
                 <a:gridCol w="2806699">
                   <a:extLst>
                     <a:ext uri="{9D8B030D-6E8A-4147-A177-3AD203B41FA5}">
-                      <a16:colId xmlns:a16="http://schemas.microsoft.com/office/drawing/2014/main" xmlns="" val="1644896112"/>
+                      <a16:colId xmlns="" xmlns:a16="http://schemas.microsoft.com/office/drawing/2014/main" val="1644896112"/>
                     </a:ext>
                   </a:extLst>
                 </a:gridCol>
@@ -8407,7 +8407,7 @@
                 </a:tc>
                 <a:extLst>
                   <a:ext uri="{0D108BD9-81ED-4DB2-BD59-A6C34878D82A}">
-                    <a16:rowId xmlns:a16="http://schemas.microsoft.com/office/drawing/2014/main" xmlns="" val="2659151920"/>
+                    <a16:rowId xmlns="" xmlns:a16="http://schemas.microsoft.com/office/drawing/2014/main" val="2659151920"/>
                   </a:ext>
                 </a:extLst>
               </a:tr>
@@ -8594,7 +8594,7 @@
                 </a:tc>
                 <a:extLst>
                   <a:ext uri="{0D108BD9-81ED-4DB2-BD59-A6C34878D82A}">
-                    <a16:rowId xmlns:a16="http://schemas.microsoft.com/office/drawing/2014/main" xmlns="" val="2965605005"/>
+                    <a16:rowId xmlns="" xmlns:a16="http://schemas.microsoft.com/office/drawing/2014/main" val="2965605005"/>
                   </a:ext>
                 </a:extLst>
               </a:tr>
@@ -8794,7 +8794,7 @@
                 </a:tc>
                 <a:extLst>
                   <a:ext uri="{0D108BD9-81ED-4DB2-BD59-A6C34878D82A}">
-                    <a16:rowId xmlns:a16="http://schemas.microsoft.com/office/drawing/2014/main" xmlns="" val="1423130289"/>
+                    <a16:rowId xmlns="" xmlns:a16="http://schemas.microsoft.com/office/drawing/2014/main" val="1423130289"/>
                   </a:ext>
                 </a:extLst>
               </a:tr>
@@ -9010,7 +9010,7 @@
                 </a:tc>
                 <a:extLst>
                   <a:ext uri="{0D108BD9-81ED-4DB2-BD59-A6C34878D82A}">
-                    <a16:rowId xmlns:a16="http://schemas.microsoft.com/office/drawing/2014/main" xmlns="" val="2266055896"/>
+                    <a16:rowId xmlns="" xmlns:a16="http://schemas.microsoft.com/office/drawing/2014/main" val="2266055896"/>
                   </a:ext>
                 </a:extLst>
               </a:tr>
@@ -9210,7 +9210,7 @@
                 </a:tc>
                 <a:extLst>
                   <a:ext uri="{0D108BD9-81ED-4DB2-BD59-A6C34878D82A}">
-                    <a16:rowId xmlns:a16="http://schemas.microsoft.com/office/drawing/2014/main" xmlns="" val="3843794568"/>
+                    <a16:rowId xmlns="" xmlns:a16="http://schemas.microsoft.com/office/drawing/2014/main" val="3843794568"/>
                   </a:ext>
                 </a:extLst>
               </a:tr>
@@ -9418,7 +9418,7 @@
                 </a:tc>
                 <a:extLst>
                   <a:ext uri="{0D108BD9-81ED-4DB2-BD59-A6C34878D82A}">
-                    <a16:rowId xmlns:a16="http://schemas.microsoft.com/office/drawing/2014/main" xmlns="" val="2414411094"/>
+                    <a16:rowId xmlns="" xmlns:a16="http://schemas.microsoft.com/office/drawing/2014/main" val="2414411094"/>
                   </a:ext>
                 </a:extLst>
               </a:tr>
@@ -9626,7 +9626,7 @@
                 </a:tc>
                 <a:extLst>
                   <a:ext uri="{0D108BD9-81ED-4DB2-BD59-A6C34878D82A}">
-                    <a16:rowId xmlns:a16="http://schemas.microsoft.com/office/drawing/2014/main" xmlns="" val="2875470382"/>
+                    <a16:rowId xmlns="" xmlns:a16="http://schemas.microsoft.com/office/drawing/2014/main" val="2875470382"/>
                   </a:ext>
                 </a:extLst>
               </a:tr>
@@ -9842,7 +9842,7 @@
                 </a:tc>
                 <a:extLst>
                   <a:ext uri="{0D108BD9-81ED-4DB2-BD59-A6C34878D82A}">
-                    <a16:rowId xmlns:a16="http://schemas.microsoft.com/office/drawing/2014/main" xmlns="" val="1898222468"/>
+                    <a16:rowId xmlns="" xmlns:a16="http://schemas.microsoft.com/office/drawing/2014/main" val="1898222468"/>
                   </a:ext>
                 </a:extLst>
               </a:tr>
@@ -10010,7 +10010,7 @@
                 </a:tc>
                 <a:extLst>
                   <a:ext uri="{0D108BD9-81ED-4DB2-BD59-A6C34878D82A}">
-                    <a16:rowId xmlns:a16="http://schemas.microsoft.com/office/drawing/2014/main" xmlns="" val="2850959680"/>
+                    <a16:rowId xmlns="" xmlns:a16="http://schemas.microsoft.com/office/drawing/2014/main" val="2850959680"/>
                   </a:ext>
                 </a:extLst>
               </a:tr>
@@ -10183,7 +10183,7 @@
                 </a:tc>
                 <a:extLst>
                   <a:ext uri="{0D108BD9-81ED-4DB2-BD59-A6C34878D82A}">
-                    <a16:rowId xmlns:a16="http://schemas.microsoft.com/office/drawing/2014/main" xmlns="" val="1533416230"/>
+                    <a16:rowId xmlns="" xmlns:a16="http://schemas.microsoft.com/office/drawing/2014/main" val="1533416230"/>
                   </a:ext>
                 </a:extLst>
               </a:tr>
@@ -10352,7 +10352,7 @@
                 </a:tc>
                 <a:extLst>
                   <a:ext uri="{0D108BD9-81ED-4DB2-BD59-A6C34878D82A}">
-                    <a16:rowId xmlns:a16="http://schemas.microsoft.com/office/drawing/2014/main" xmlns="" val="1776258069"/>
+                    <a16:rowId xmlns="" xmlns:a16="http://schemas.microsoft.com/office/drawing/2014/main" val="1776258069"/>
                   </a:ext>
                 </a:extLst>
               </a:tr>
@@ -10521,7 +10521,7 @@
                 </a:tc>
                 <a:extLst>
                   <a:ext uri="{0D108BD9-81ED-4DB2-BD59-A6C34878D82A}">
-                    <a16:rowId xmlns:a16="http://schemas.microsoft.com/office/drawing/2014/main" xmlns="" val="2054699763"/>
+                    <a16:rowId xmlns="" xmlns:a16="http://schemas.microsoft.com/office/drawing/2014/main" val="2054699763"/>
                   </a:ext>
                 </a:extLst>
               </a:tr>
@@ -10690,7 +10690,7 @@
                 </a:tc>
                 <a:extLst>
                   <a:ext uri="{0D108BD9-81ED-4DB2-BD59-A6C34878D82A}">
-                    <a16:rowId xmlns:a16="http://schemas.microsoft.com/office/drawing/2014/main" xmlns="" val="792755357"/>
+                    <a16:rowId xmlns="" xmlns:a16="http://schemas.microsoft.com/office/drawing/2014/main" val="792755357"/>
                   </a:ext>
                 </a:extLst>
               </a:tr>
@@ -10786,7 +10786,7 @@
     </p:spTree>
     <p:extLst>
       <p:ext uri="{BB962C8B-B14F-4D97-AF65-F5344CB8AC3E}">
-        <p14:creationId xmlns:p14="http://schemas.microsoft.com/office/powerpoint/2010/main" xmlns="" val="2682718429"/>
+        <p14:creationId xmlns="" xmlns:p14="http://schemas.microsoft.com/office/powerpoint/2010/main" val="2682718429"/>
       </p:ext>
     </p:extLst>
   </p:cSld>
@@ -10822,7 +10822,7 @@
           <p:nvPr>
             <p:extLst>
               <p:ext uri="{D42A27DB-BD31-4B8C-83A1-F6EECF244321}">
-                <p14:modId xmlns:p14="http://schemas.microsoft.com/office/powerpoint/2010/main" xmlns="" val="788526585"/>
+                <p14:modId xmlns="" xmlns:p14="http://schemas.microsoft.com/office/powerpoint/2010/main" val="788526585"/>
               </p:ext>
             </p:extLst>
           </p:nvPr>
@@ -10841,14 +10841,14 @@
                 <a:gridCol w="1277451">
                   <a:extLst>
                     <a:ext uri="{9D8B030D-6E8A-4147-A177-3AD203B41FA5}">
-                      <a16:colId xmlns:a16="http://schemas.microsoft.com/office/drawing/2014/main" xmlns="" val="3755282693"/>
+                      <a16:colId xmlns="" xmlns:a16="http://schemas.microsoft.com/office/drawing/2014/main" val="3755282693"/>
                     </a:ext>
                   </a:extLst>
                 </a:gridCol>
                 <a:gridCol w="2414016">
                   <a:extLst>
                     <a:ext uri="{9D8B030D-6E8A-4147-A177-3AD203B41FA5}">
-                      <a16:colId xmlns:a16="http://schemas.microsoft.com/office/drawing/2014/main" xmlns="" val="276504630"/>
+                      <a16:colId xmlns="" xmlns:a16="http://schemas.microsoft.com/office/drawing/2014/main" val="276504630"/>
                     </a:ext>
                   </a:extLst>
                 </a:gridCol>
@@ -10983,7 +10983,7 @@
                 </a:tc>
                 <a:extLst>
                   <a:ext uri="{0D108BD9-81ED-4DB2-BD59-A6C34878D82A}">
-                    <a16:rowId xmlns:a16="http://schemas.microsoft.com/office/drawing/2014/main" xmlns="" val="2659151920"/>
+                    <a16:rowId xmlns="" xmlns:a16="http://schemas.microsoft.com/office/drawing/2014/main" val="2659151920"/>
                   </a:ext>
                 </a:extLst>
               </a:tr>
@@ -11109,7 +11109,7 @@
                 </a:tc>
                 <a:extLst>
                   <a:ext uri="{0D108BD9-81ED-4DB2-BD59-A6C34878D82A}">
-                    <a16:rowId xmlns:a16="http://schemas.microsoft.com/office/drawing/2014/main" xmlns="" val="2965605005"/>
+                    <a16:rowId xmlns="" xmlns:a16="http://schemas.microsoft.com/office/drawing/2014/main" val="2965605005"/>
                   </a:ext>
                 </a:extLst>
               </a:tr>
@@ -11235,7 +11235,7 @@
                 </a:tc>
                 <a:extLst>
                   <a:ext uri="{0D108BD9-81ED-4DB2-BD59-A6C34878D82A}">
-                    <a16:rowId xmlns:a16="http://schemas.microsoft.com/office/drawing/2014/main" xmlns="" val="1423130289"/>
+                    <a16:rowId xmlns="" xmlns:a16="http://schemas.microsoft.com/office/drawing/2014/main" val="1423130289"/>
                   </a:ext>
                 </a:extLst>
               </a:tr>
@@ -11361,7 +11361,7 @@
                 </a:tc>
                 <a:extLst>
                   <a:ext uri="{0D108BD9-81ED-4DB2-BD59-A6C34878D82A}">
-                    <a16:rowId xmlns:a16="http://schemas.microsoft.com/office/drawing/2014/main" xmlns="" val="2266055896"/>
+                    <a16:rowId xmlns="" xmlns:a16="http://schemas.microsoft.com/office/drawing/2014/main" val="2266055896"/>
                   </a:ext>
                 </a:extLst>
               </a:tr>
@@ -11378,7 +11378,7 @@
           <p:nvPr>
             <p:extLst>
               <p:ext uri="{D42A27DB-BD31-4B8C-83A1-F6EECF244321}">
-                <p14:modId xmlns:p14="http://schemas.microsoft.com/office/powerpoint/2010/main" xmlns="" val="1047247137"/>
+                <p14:modId xmlns="" xmlns:p14="http://schemas.microsoft.com/office/powerpoint/2010/main" val="1047247137"/>
               </p:ext>
             </p:extLst>
           </p:nvPr>
@@ -11397,21 +11397,21 @@
                 <a:gridCol w="409006">
                   <a:extLst>
                     <a:ext uri="{9D8B030D-6E8A-4147-A177-3AD203B41FA5}">
-                      <a16:colId xmlns:a16="http://schemas.microsoft.com/office/drawing/2014/main" xmlns="" val="3755282693"/>
+                      <a16:colId xmlns="" xmlns:a16="http://schemas.microsoft.com/office/drawing/2014/main" val="3755282693"/>
                     </a:ext>
                   </a:extLst>
                 </a:gridCol>
                 <a:gridCol w="475762">
                   <a:extLst>
                     <a:ext uri="{9D8B030D-6E8A-4147-A177-3AD203B41FA5}">
-                      <a16:colId xmlns:a16="http://schemas.microsoft.com/office/drawing/2014/main" xmlns="" val="276504630"/>
+                      <a16:colId xmlns="" xmlns:a16="http://schemas.microsoft.com/office/drawing/2014/main" val="276504630"/>
                     </a:ext>
                   </a:extLst>
                 </a:gridCol>
                 <a:gridCol w="2806699">
                   <a:extLst>
                     <a:ext uri="{9D8B030D-6E8A-4147-A177-3AD203B41FA5}">
-                      <a16:colId xmlns:a16="http://schemas.microsoft.com/office/drawing/2014/main" xmlns="" val="1644896112"/>
+                      <a16:colId xmlns="" xmlns:a16="http://schemas.microsoft.com/office/drawing/2014/main" val="1644896112"/>
                     </a:ext>
                   </a:extLst>
                 </a:gridCol>
@@ -11581,7 +11581,7 @@
                 </a:tc>
                 <a:extLst>
                   <a:ext uri="{0D108BD9-81ED-4DB2-BD59-A6C34878D82A}">
-                    <a16:rowId xmlns:a16="http://schemas.microsoft.com/office/drawing/2014/main" xmlns="" val="2659151920"/>
+                    <a16:rowId xmlns="" xmlns:a16="http://schemas.microsoft.com/office/drawing/2014/main" val="2659151920"/>
                   </a:ext>
                 </a:extLst>
               </a:tr>
@@ -11773,7 +11773,7 @@
                 </a:tc>
                 <a:extLst>
                   <a:ext uri="{0D108BD9-81ED-4DB2-BD59-A6C34878D82A}">
-                    <a16:rowId xmlns:a16="http://schemas.microsoft.com/office/drawing/2014/main" xmlns="" val="2965605005"/>
+                    <a16:rowId xmlns="" xmlns:a16="http://schemas.microsoft.com/office/drawing/2014/main" val="2965605005"/>
                   </a:ext>
                 </a:extLst>
               </a:tr>
@@ -11957,7 +11957,7 @@
                 </a:tc>
                 <a:extLst>
                   <a:ext uri="{0D108BD9-81ED-4DB2-BD59-A6C34878D82A}">
-                    <a16:rowId xmlns:a16="http://schemas.microsoft.com/office/drawing/2014/main" xmlns="" val="1423130289"/>
+                    <a16:rowId xmlns="" xmlns:a16="http://schemas.microsoft.com/office/drawing/2014/main" val="1423130289"/>
                   </a:ext>
                 </a:extLst>
               </a:tr>
@@ -12109,6 +12109,22 @@
                             <a:schemeClr val="tx1"/>
                           </a:solidFill>
                         </a:rPr>
+                        <a:t>전화번호</a:t>
+                      </a:r>
+                      <a:r>
+                        <a:rPr lang="en-US" altLang="ko-KR" sz="1200" baseline="0" dirty="0" smtClean="0">
+                          <a:solidFill>
+                            <a:schemeClr val="tx1"/>
+                          </a:solidFill>
+                        </a:rPr>
+                        <a:t>, </a:t>
+                      </a:r>
+                      <a:r>
+                        <a:rPr lang="ko-KR" altLang="en-US" sz="1200" baseline="0" dirty="0" smtClean="0">
+                          <a:solidFill>
+                            <a:schemeClr val="tx1"/>
+                          </a:solidFill>
+                        </a:rPr>
                         <a:t>생년월일</a:t>
                       </a:r>
                       <a:r>
@@ -12229,7 +12245,7 @@
                 </a:tc>
                 <a:extLst>
                   <a:ext uri="{0D108BD9-81ED-4DB2-BD59-A6C34878D82A}">
-                    <a16:rowId xmlns:a16="http://schemas.microsoft.com/office/drawing/2014/main" xmlns="" val="2266055896"/>
+                    <a16:rowId xmlns="" xmlns:a16="http://schemas.microsoft.com/office/drawing/2014/main" val="2266055896"/>
                   </a:ext>
                 </a:extLst>
               </a:tr>
@@ -12448,7 +12464,7 @@
                 </a:tc>
                 <a:extLst>
                   <a:ext uri="{0D108BD9-81ED-4DB2-BD59-A6C34878D82A}">
-                    <a16:rowId xmlns:a16="http://schemas.microsoft.com/office/drawing/2014/main" xmlns="" val="3843794568"/>
+                    <a16:rowId xmlns="" xmlns:a16="http://schemas.microsoft.com/office/drawing/2014/main" val="3843794568"/>
                   </a:ext>
                 </a:extLst>
               </a:tr>
@@ -12667,7 +12683,7 @@
                 </a:tc>
                 <a:extLst>
                   <a:ext uri="{0D108BD9-81ED-4DB2-BD59-A6C34878D82A}">
-                    <a16:rowId xmlns:a16="http://schemas.microsoft.com/office/drawing/2014/main" xmlns="" val="2414411094"/>
+                    <a16:rowId xmlns="" xmlns:a16="http://schemas.microsoft.com/office/drawing/2014/main" val="2414411094"/>
                   </a:ext>
                 </a:extLst>
               </a:tr>
@@ -12851,7 +12867,7 @@
                 </a:tc>
                 <a:extLst>
                   <a:ext uri="{0D108BD9-81ED-4DB2-BD59-A6C34878D82A}">
-                    <a16:rowId xmlns:a16="http://schemas.microsoft.com/office/drawing/2014/main" xmlns="" val="2875470382"/>
+                    <a16:rowId xmlns="" xmlns:a16="http://schemas.microsoft.com/office/drawing/2014/main" val="2875470382"/>
                   </a:ext>
                 </a:extLst>
               </a:tr>
@@ -13035,7 +13051,7 @@
                 </a:tc>
                 <a:extLst>
                   <a:ext uri="{0D108BD9-81ED-4DB2-BD59-A6C34878D82A}">
-                    <a16:rowId xmlns:a16="http://schemas.microsoft.com/office/drawing/2014/main" xmlns="" val="1898222468"/>
+                    <a16:rowId xmlns="" xmlns:a16="http://schemas.microsoft.com/office/drawing/2014/main" val="1898222468"/>
                   </a:ext>
                 </a:extLst>
               </a:tr>
@@ -13219,7 +13235,7 @@
                 </a:tc>
                 <a:extLst>
                   <a:ext uri="{0D108BD9-81ED-4DB2-BD59-A6C34878D82A}">
-                    <a16:rowId xmlns:a16="http://schemas.microsoft.com/office/drawing/2014/main" xmlns="" val="2850959680"/>
+                    <a16:rowId xmlns="" xmlns:a16="http://schemas.microsoft.com/office/drawing/2014/main" val="2850959680"/>
                   </a:ext>
                 </a:extLst>
               </a:tr>
@@ -13392,7 +13408,7 @@
                 </a:tc>
                 <a:extLst>
                   <a:ext uri="{0D108BD9-81ED-4DB2-BD59-A6C34878D82A}">
-                    <a16:rowId xmlns:a16="http://schemas.microsoft.com/office/drawing/2014/main" xmlns="" val="1533416230"/>
+                    <a16:rowId xmlns="" xmlns:a16="http://schemas.microsoft.com/office/drawing/2014/main" val="1533416230"/>
                   </a:ext>
                 </a:extLst>
               </a:tr>
@@ -13561,7 +13577,7 @@
                 </a:tc>
                 <a:extLst>
                   <a:ext uri="{0D108BD9-81ED-4DB2-BD59-A6C34878D82A}">
-                    <a16:rowId xmlns:a16="http://schemas.microsoft.com/office/drawing/2014/main" xmlns="" val="1776258069"/>
+                    <a16:rowId xmlns="" xmlns:a16="http://schemas.microsoft.com/office/drawing/2014/main" val="1776258069"/>
                   </a:ext>
                 </a:extLst>
               </a:tr>
@@ -13730,7 +13746,7 @@
                 </a:tc>
                 <a:extLst>
                   <a:ext uri="{0D108BD9-81ED-4DB2-BD59-A6C34878D82A}">
-                    <a16:rowId xmlns:a16="http://schemas.microsoft.com/office/drawing/2014/main" xmlns="" val="2054699763"/>
+                    <a16:rowId xmlns="" xmlns:a16="http://schemas.microsoft.com/office/drawing/2014/main" val="2054699763"/>
                   </a:ext>
                 </a:extLst>
               </a:tr>
@@ -13899,7 +13915,7 @@
                 </a:tc>
                 <a:extLst>
                   <a:ext uri="{0D108BD9-81ED-4DB2-BD59-A6C34878D82A}">
-                    <a16:rowId xmlns:a16="http://schemas.microsoft.com/office/drawing/2014/main" xmlns="" val="792755357"/>
+                    <a16:rowId xmlns="" xmlns:a16="http://schemas.microsoft.com/office/drawing/2014/main" val="792755357"/>
                   </a:ext>
                 </a:extLst>
               </a:tr>
@@ -13909,105 +13925,42 @@
       </p:graphicFrame>
       <p:grpSp>
         <p:nvGrpSpPr>
-          <p:cNvPr id="18" name="그룹 17"/>
+          <p:cNvPr id="9" name="그룹 8"/>
           <p:cNvGrpSpPr/>
           <p:nvPr/>
         </p:nvGrpSpPr>
         <p:grpSpPr>
           <a:xfrm>
-            <a:off x="0" y="367748"/>
-            <a:ext cx="8428382" cy="6096000"/>
-            <a:chOff x="0" y="367748"/>
-            <a:chExt cx="8428382" cy="6096000"/>
+            <a:off x="0" y="381000"/>
+            <a:ext cx="8496300" cy="6096000"/>
+            <a:chOff x="0" y="381000"/>
+            <a:chExt cx="8496300" cy="6096000"/>
           </a:xfrm>
         </p:grpSpPr>
-        <p:grpSp>
-          <p:nvGrpSpPr>
-            <p:cNvPr id="16" name="그룹 15"/>
-            <p:cNvGrpSpPr/>
+        <p:pic>
+          <p:nvPicPr>
+            <p:cNvPr id="8" name="그림 7" descr="[아이티어] 회원가입.png"/>
+            <p:cNvPicPr>
+              <a:picLocks noChangeAspect="1"/>
+            </p:cNvPicPr>
             <p:nvPr/>
-          </p:nvGrpSpPr>
-          <p:grpSpPr>
+          </p:nvPicPr>
+          <p:blipFill>
+            <a:blip r:embed="rId2"/>
+            <a:stretch>
+              <a:fillRect/>
+            </a:stretch>
+          </p:blipFill>
+          <p:spPr>
             <a:xfrm>
-              <a:off x="0" y="367748"/>
-              <a:ext cx="8428382" cy="6096000"/>
-              <a:chOff x="0" y="367748"/>
-              <a:chExt cx="8428382" cy="6096000"/>
+              <a:off x="0" y="381000"/>
+              <a:ext cx="8496300" cy="6096000"/>
             </a:xfrm>
-          </p:grpSpPr>
-          <p:pic>
-            <p:nvPicPr>
-              <p:cNvPr id="9" name="그림 8" descr="[아이티어] 회원가입.png"/>
-              <p:cNvPicPr>
-                <a:picLocks noChangeAspect="1"/>
-              </p:cNvPicPr>
-              <p:nvPr/>
-            </p:nvPicPr>
-            <p:blipFill>
-              <a:blip r:embed="rId2"/>
-              <a:stretch>
-                <a:fillRect/>
-              </a:stretch>
-            </p:blipFill>
-            <p:spPr>
-              <a:xfrm>
-                <a:off x="0" y="367748"/>
-                <a:ext cx="8428382" cy="6096000"/>
-              </a:xfrm>
-              <a:prstGeom prst="rect">
-                <a:avLst/>
-              </a:prstGeom>
-            </p:spPr>
-          </p:pic>
-          <p:sp>
-            <p:nvSpPr>
-              <p:cNvPr id="15" name="타원 14"/>
-              <p:cNvSpPr/>
-              <p:nvPr/>
-            </p:nvSpPr>
-            <p:spPr>
-              <a:xfrm>
-                <a:off x="4399721" y="4558750"/>
-                <a:ext cx="92764" cy="159026"/>
-              </a:xfrm>
-              <a:prstGeom prst="ellipse">
-                <a:avLst/>
-              </a:prstGeom>
-              <a:solidFill>
-                <a:schemeClr val="bg1"/>
-              </a:solidFill>
-              <a:ln>
-                <a:solidFill>
-                  <a:schemeClr val="bg1"/>
-                </a:solidFill>
-              </a:ln>
-            </p:spPr>
-            <p:style>
-              <a:lnRef idx="2">
-                <a:schemeClr val="accent1">
-                  <a:shade val="50000"/>
-                </a:schemeClr>
-              </a:lnRef>
-              <a:fillRef idx="1">
-                <a:schemeClr val="accent1"/>
-              </a:fillRef>
-              <a:effectRef idx="0">
-                <a:schemeClr val="accent1"/>
-              </a:effectRef>
-              <a:fontRef idx="minor">
-                <a:schemeClr val="lt1"/>
-              </a:fontRef>
-            </p:style>
-            <p:txBody>
-              <a:bodyPr rtlCol="0" anchor="ctr"/>
-              <a:lstStyle/>
-              <a:p>
-                <a:pPr algn="ctr"/>
-                <a:endParaRPr lang="ko-KR" altLang="en-US"/>
-              </a:p>
-            </p:txBody>
-          </p:sp>
-        </p:grpSp>
+            <a:prstGeom prst="rect">
+              <a:avLst/>
+            </a:prstGeom>
+          </p:spPr>
+        </p:pic>
         <p:sp>
           <p:nvSpPr>
             <p:cNvPr id="11" name="타원 10"/>
@@ -14016,7 +13969,7 @@
           </p:nvSpPr>
           <p:spPr>
             <a:xfrm>
-              <a:off x="2703445" y="1033670"/>
+              <a:off x="2728845" y="754270"/>
               <a:ext cx="238538" cy="251794"/>
             </a:xfrm>
             <a:prstGeom prst="ellipse">
@@ -14153,7 +14106,7 @@
     </p:spTree>
     <p:extLst>
       <p:ext uri="{BB962C8B-B14F-4D97-AF65-F5344CB8AC3E}">
-        <p14:creationId xmlns:p14="http://schemas.microsoft.com/office/powerpoint/2010/main" xmlns="" val="1747788887"/>
+        <p14:creationId xmlns="" xmlns:p14="http://schemas.microsoft.com/office/powerpoint/2010/main" val="1747788887"/>
       </p:ext>
     </p:extLst>
   </p:cSld>
@@ -14189,7 +14142,7 @@
           <p:nvPr>
             <p:extLst>
               <p:ext uri="{D42A27DB-BD31-4B8C-83A1-F6EECF244321}">
-                <p14:modId xmlns:p14="http://schemas.microsoft.com/office/powerpoint/2010/main" xmlns="" val="788526585"/>
+                <p14:modId xmlns="" xmlns:p14="http://schemas.microsoft.com/office/powerpoint/2010/main" val="788526585"/>
               </p:ext>
             </p:extLst>
           </p:nvPr>
@@ -14208,14 +14161,14 @@
                 <a:gridCol w="1277451">
                   <a:extLst>
                     <a:ext uri="{9D8B030D-6E8A-4147-A177-3AD203B41FA5}">
-                      <a16:colId xmlns:a16="http://schemas.microsoft.com/office/drawing/2014/main" xmlns="" val="3755282693"/>
+                      <a16:colId xmlns="" xmlns:a16="http://schemas.microsoft.com/office/drawing/2014/main" val="3755282693"/>
                     </a:ext>
                   </a:extLst>
                 </a:gridCol>
                 <a:gridCol w="2414016">
                   <a:extLst>
                     <a:ext uri="{9D8B030D-6E8A-4147-A177-3AD203B41FA5}">
-                      <a16:colId xmlns:a16="http://schemas.microsoft.com/office/drawing/2014/main" xmlns="" val="276504630"/>
+                      <a16:colId xmlns="" xmlns:a16="http://schemas.microsoft.com/office/drawing/2014/main" val="276504630"/>
                     </a:ext>
                   </a:extLst>
                 </a:gridCol>
@@ -14350,7 +14303,7 @@
                 </a:tc>
                 <a:extLst>
                   <a:ext uri="{0D108BD9-81ED-4DB2-BD59-A6C34878D82A}">
-                    <a16:rowId xmlns:a16="http://schemas.microsoft.com/office/drawing/2014/main" xmlns="" val="2659151920"/>
+                    <a16:rowId xmlns="" xmlns:a16="http://schemas.microsoft.com/office/drawing/2014/main" val="2659151920"/>
                   </a:ext>
                 </a:extLst>
               </a:tr>
@@ -14476,7 +14429,7 @@
                 </a:tc>
                 <a:extLst>
                   <a:ext uri="{0D108BD9-81ED-4DB2-BD59-A6C34878D82A}">
-                    <a16:rowId xmlns:a16="http://schemas.microsoft.com/office/drawing/2014/main" xmlns="" val="2965605005"/>
+                    <a16:rowId xmlns="" xmlns:a16="http://schemas.microsoft.com/office/drawing/2014/main" val="2965605005"/>
                   </a:ext>
                 </a:extLst>
               </a:tr>
@@ -14618,7 +14571,7 @@
                 </a:tc>
                 <a:extLst>
                   <a:ext uri="{0D108BD9-81ED-4DB2-BD59-A6C34878D82A}">
-                    <a16:rowId xmlns:a16="http://schemas.microsoft.com/office/drawing/2014/main" xmlns="" val="1423130289"/>
+                    <a16:rowId xmlns="" xmlns:a16="http://schemas.microsoft.com/office/drawing/2014/main" val="1423130289"/>
                   </a:ext>
                 </a:extLst>
               </a:tr>
@@ -14744,7 +14697,7 @@
                 </a:tc>
                 <a:extLst>
                   <a:ext uri="{0D108BD9-81ED-4DB2-BD59-A6C34878D82A}">
-                    <a16:rowId xmlns:a16="http://schemas.microsoft.com/office/drawing/2014/main" xmlns="" val="2266055896"/>
+                    <a16:rowId xmlns="" xmlns:a16="http://schemas.microsoft.com/office/drawing/2014/main" val="2266055896"/>
                   </a:ext>
                 </a:extLst>
               </a:tr>
@@ -14761,7 +14714,7 @@
           <p:nvPr>
             <p:extLst>
               <p:ext uri="{D42A27DB-BD31-4B8C-83A1-F6EECF244321}">
-                <p14:modId xmlns:p14="http://schemas.microsoft.com/office/powerpoint/2010/main" xmlns="" val="1047247137"/>
+                <p14:modId xmlns="" xmlns:p14="http://schemas.microsoft.com/office/powerpoint/2010/main" val="1047247137"/>
               </p:ext>
             </p:extLst>
           </p:nvPr>
@@ -14780,21 +14733,21 @@
                 <a:gridCol w="409006">
                   <a:extLst>
                     <a:ext uri="{9D8B030D-6E8A-4147-A177-3AD203B41FA5}">
-                      <a16:colId xmlns:a16="http://schemas.microsoft.com/office/drawing/2014/main" xmlns="" val="3755282693"/>
+                      <a16:colId xmlns="" xmlns:a16="http://schemas.microsoft.com/office/drawing/2014/main" val="3755282693"/>
                     </a:ext>
                   </a:extLst>
                 </a:gridCol>
                 <a:gridCol w="475762">
                   <a:extLst>
                     <a:ext uri="{9D8B030D-6E8A-4147-A177-3AD203B41FA5}">
-                      <a16:colId xmlns:a16="http://schemas.microsoft.com/office/drawing/2014/main" xmlns="" val="276504630"/>
+                      <a16:colId xmlns="" xmlns:a16="http://schemas.microsoft.com/office/drawing/2014/main" val="276504630"/>
                     </a:ext>
                   </a:extLst>
                 </a:gridCol>
                 <a:gridCol w="2806699">
                   <a:extLst>
                     <a:ext uri="{9D8B030D-6E8A-4147-A177-3AD203B41FA5}">
-                      <a16:colId xmlns:a16="http://schemas.microsoft.com/office/drawing/2014/main" xmlns="" val="1644896112"/>
+                      <a16:colId xmlns="" xmlns:a16="http://schemas.microsoft.com/office/drawing/2014/main" val="1644896112"/>
                     </a:ext>
                   </a:extLst>
                 </a:gridCol>
@@ -14964,7 +14917,7 @@
                 </a:tc>
                 <a:extLst>
                   <a:ext uri="{0D108BD9-81ED-4DB2-BD59-A6C34878D82A}">
-                    <a16:rowId xmlns:a16="http://schemas.microsoft.com/office/drawing/2014/main" xmlns="" val="2659151920"/>
+                    <a16:rowId xmlns="" xmlns:a16="http://schemas.microsoft.com/office/drawing/2014/main" val="2659151920"/>
                   </a:ext>
                 </a:extLst>
               </a:tr>
@@ -15148,7 +15101,7 @@
                 </a:tc>
                 <a:extLst>
                   <a:ext uri="{0D108BD9-81ED-4DB2-BD59-A6C34878D82A}">
-                    <a16:rowId xmlns:a16="http://schemas.microsoft.com/office/drawing/2014/main" xmlns="" val="2965605005"/>
+                    <a16:rowId xmlns="" xmlns:a16="http://schemas.microsoft.com/office/drawing/2014/main" val="2965605005"/>
                   </a:ext>
                 </a:extLst>
               </a:tr>
@@ -15372,7 +15325,7 @@
                 </a:tc>
                 <a:extLst>
                   <a:ext uri="{0D108BD9-81ED-4DB2-BD59-A6C34878D82A}">
-                    <a16:rowId xmlns:a16="http://schemas.microsoft.com/office/drawing/2014/main" xmlns="" val="1423130289"/>
+                    <a16:rowId xmlns="" xmlns:a16="http://schemas.microsoft.com/office/drawing/2014/main" val="1423130289"/>
                   </a:ext>
                 </a:extLst>
               </a:tr>
@@ -15580,7 +15533,7 @@
                 </a:tc>
                 <a:extLst>
                   <a:ext uri="{0D108BD9-81ED-4DB2-BD59-A6C34878D82A}">
-                    <a16:rowId xmlns:a16="http://schemas.microsoft.com/office/drawing/2014/main" xmlns="" val="2266055896"/>
+                    <a16:rowId xmlns="" xmlns:a16="http://schemas.microsoft.com/office/drawing/2014/main" val="2266055896"/>
                   </a:ext>
                 </a:extLst>
               </a:tr>
@@ -15796,7 +15749,7 @@
                 </a:tc>
                 <a:extLst>
                   <a:ext uri="{0D108BD9-81ED-4DB2-BD59-A6C34878D82A}">
-                    <a16:rowId xmlns:a16="http://schemas.microsoft.com/office/drawing/2014/main" xmlns="" val="3843794568"/>
+                    <a16:rowId xmlns="" xmlns:a16="http://schemas.microsoft.com/office/drawing/2014/main" val="3843794568"/>
                   </a:ext>
                 </a:extLst>
               </a:tr>
@@ -15964,7 +15917,7 @@
                 </a:tc>
                 <a:extLst>
                   <a:ext uri="{0D108BD9-81ED-4DB2-BD59-A6C34878D82A}">
-                    <a16:rowId xmlns:a16="http://schemas.microsoft.com/office/drawing/2014/main" xmlns="" val="2414411094"/>
+                    <a16:rowId xmlns="" xmlns:a16="http://schemas.microsoft.com/office/drawing/2014/main" val="2414411094"/>
                   </a:ext>
                 </a:extLst>
               </a:tr>
@@ -16132,7 +16085,7 @@
                 </a:tc>
                 <a:extLst>
                   <a:ext uri="{0D108BD9-81ED-4DB2-BD59-A6C34878D82A}">
-                    <a16:rowId xmlns:a16="http://schemas.microsoft.com/office/drawing/2014/main" xmlns="" val="2875470382"/>
+                    <a16:rowId xmlns="" xmlns:a16="http://schemas.microsoft.com/office/drawing/2014/main" val="2875470382"/>
                   </a:ext>
                 </a:extLst>
               </a:tr>
@@ -16300,7 +16253,7 @@
                 </a:tc>
                 <a:extLst>
                   <a:ext uri="{0D108BD9-81ED-4DB2-BD59-A6C34878D82A}">
-                    <a16:rowId xmlns:a16="http://schemas.microsoft.com/office/drawing/2014/main" xmlns="" val="1898222468"/>
+                    <a16:rowId xmlns="" xmlns:a16="http://schemas.microsoft.com/office/drawing/2014/main" val="1898222468"/>
                   </a:ext>
                 </a:extLst>
               </a:tr>
@@ -16468,7 +16421,7 @@
                 </a:tc>
                 <a:extLst>
                   <a:ext uri="{0D108BD9-81ED-4DB2-BD59-A6C34878D82A}">
-                    <a16:rowId xmlns:a16="http://schemas.microsoft.com/office/drawing/2014/main" xmlns="" val="2850959680"/>
+                    <a16:rowId xmlns="" xmlns:a16="http://schemas.microsoft.com/office/drawing/2014/main" val="2850959680"/>
                   </a:ext>
                 </a:extLst>
               </a:tr>
@@ -16641,7 +16594,7 @@
                 </a:tc>
                 <a:extLst>
                   <a:ext uri="{0D108BD9-81ED-4DB2-BD59-A6C34878D82A}">
-                    <a16:rowId xmlns:a16="http://schemas.microsoft.com/office/drawing/2014/main" xmlns="" val="1533416230"/>
+                    <a16:rowId xmlns="" xmlns:a16="http://schemas.microsoft.com/office/drawing/2014/main" val="1533416230"/>
                   </a:ext>
                 </a:extLst>
               </a:tr>
@@ -16810,7 +16763,7 @@
                 </a:tc>
                 <a:extLst>
                   <a:ext uri="{0D108BD9-81ED-4DB2-BD59-A6C34878D82A}">
-                    <a16:rowId xmlns:a16="http://schemas.microsoft.com/office/drawing/2014/main" xmlns="" val="1776258069"/>
+                    <a16:rowId xmlns="" xmlns:a16="http://schemas.microsoft.com/office/drawing/2014/main" val="1776258069"/>
                   </a:ext>
                 </a:extLst>
               </a:tr>
@@ -16979,7 +16932,7 @@
                 </a:tc>
                 <a:extLst>
                   <a:ext uri="{0D108BD9-81ED-4DB2-BD59-A6C34878D82A}">
-                    <a16:rowId xmlns:a16="http://schemas.microsoft.com/office/drawing/2014/main" xmlns="" val="2054699763"/>
+                    <a16:rowId xmlns="" xmlns:a16="http://schemas.microsoft.com/office/drawing/2014/main" val="2054699763"/>
                   </a:ext>
                 </a:extLst>
               </a:tr>
@@ -17148,7 +17101,7 @@
                 </a:tc>
                 <a:extLst>
                   <a:ext uri="{0D108BD9-81ED-4DB2-BD59-A6C34878D82A}">
-                    <a16:rowId xmlns:a16="http://schemas.microsoft.com/office/drawing/2014/main" xmlns="" val="792755357"/>
+                    <a16:rowId xmlns="" xmlns:a16="http://schemas.microsoft.com/office/drawing/2014/main" val="792755357"/>
                   </a:ext>
                 </a:extLst>
               </a:tr>
@@ -17386,7 +17339,7 @@
     </p:spTree>
     <p:extLst>
       <p:ext uri="{BB962C8B-B14F-4D97-AF65-F5344CB8AC3E}">
-        <p14:creationId xmlns:p14="http://schemas.microsoft.com/office/powerpoint/2010/main" xmlns="" val="1747788887"/>
+        <p14:creationId xmlns="" xmlns:p14="http://schemas.microsoft.com/office/powerpoint/2010/main" val="1747788887"/>
       </p:ext>
     </p:extLst>
   </p:cSld>
@@ -17422,7 +17375,7 @@
           <p:nvPr>
             <p:extLst>
               <p:ext uri="{D42A27DB-BD31-4B8C-83A1-F6EECF244321}">
-                <p14:modId xmlns:p14="http://schemas.microsoft.com/office/powerpoint/2010/main" xmlns="" val="788526585"/>
+                <p14:modId xmlns="" xmlns:p14="http://schemas.microsoft.com/office/powerpoint/2010/main" val="788526585"/>
               </p:ext>
             </p:extLst>
           </p:nvPr>
@@ -17441,14 +17394,14 @@
                 <a:gridCol w="1277451">
                   <a:extLst>
                     <a:ext uri="{9D8B030D-6E8A-4147-A177-3AD203B41FA5}">
-                      <a16:colId xmlns:a16="http://schemas.microsoft.com/office/drawing/2014/main" xmlns="" val="3755282693"/>
+                      <a16:colId xmlns="" xmlns:a16="http://schemas.microsoft.com/office/drawing/2014/main" val="3755282693"/>
                     </a:ext>
                   </a:extLst>
                 </a:gridCol>
                 <a:gridCol w="2414016">
                   <a:extLst>
                     <a:ext uri="{9D8B030D-6E8A-4147-A177-3AD203B41FA5}">
-                      <a16:colId xmlns:a16="http://schemas.microsoft.com/office/drawing/2014/main" xmlns="" val="276504630"/>
+                      <a16:colId xmlns="" xmlns:a16="http://schemas.microsoft.com/office/drawing/2014/main" val="276504630"/>
                     </a:ext>
                   </a:extLst>
                 </a:gridCol>
@@ -17583,7 +17536,7 @@
                 </a:tc>
                 <a:extLst>
                   <a:ext uri="{0D108BD9-81ED-4DB2-BD59-A6C34878D82A}">
-                    <a16:rowId xmlns:a16="http://schemas.microsoft.com/office/drawing/2014/main" xmlns="" val="2659151920"/>
+                    <a16:rowId xmlns="" xmlns:a16="http://schemas.microsoft.com/office/drawing/2014/main" val="2659151920"/>
                   </a:ext>
                 </a:extLst>
               </a:tr>
@@ -17709,7 +17662,7 @@
                 </a:tc>
                 <a:extLst>
                   <a:ext uri="{0D108BD9-81ED-4DB2-BD59-A6C34878D82A}">
-                    <a16:rowId xmlns:a16="http://schemas.microsoft.com/office/drawing/2014/main" xmlns="" val="2965605005"/>
+                    <a16:rowId xmlns="" xmlns:a16="http://schemas.microsoft.com/office/drawing/2014/main" val="2965605005"/>
                   </a:ext>
                 </a:extLst>
               </a:tr>
@@ -17835,7 +17788,7 @@
                 </a:tc>
                 <a:extLst>
                   <a:ext uri="{0D108BD9-81ED-4DB2-BD59-A6C34878D82A}">
-                    <a16:rowId xmlns:a16="http://schemas.microsoft.com/office/drawing/2014/main" xmlns="" val="1423130289"/>
+                    <a16:rowId xmlns="" xmlns:a16="http://schemas.microsoft.com/office/drawing/2014/main" val="1423130289"/>
                   </a:ext>
                 </a:extLst>
               </a:tr>
@@ -17961,7 +17914,7 @@
                 </a:tc>
                 <a:extLst>
                   <a:ext uri="{0D108BD9-81ED-4DB2-BD59-A6C34878D82A}">
-                    <a16:rowId xmlns:a16="http://schemas.microsoft.com/office/drawing/2014/main" xmlns="" val="2266055896"/>
+                    <a16:rowId xmlns="" xmlns:a16="http://schemas.microsoft.com/office/drawing/2014/main" val="2266055896"/>
                   </a:ext>
                 </a:extLst>
               </a:tr>
@@ -17978,7 +17931,7 @@
           <p:nvPr>
             <p:extLst>
               <p:ext uri="{D42A27DB-BD31-4B8C-83A1-F6EECF244321}">
-                <p14:modId xmlns:p14="http://schemas.microsoft.com/office/powerpoint/2010/main" xmlns="" val="1047247137"/>
+                <p14:modId xmlns="" xmlns:p14="http://schemas.microsoft.com/office/powerpoint/2010/main" val="1047247137"/>
               </p:ext>
             </p:extLst>
           </p:nvPr>
@@ -17997,21 +17950,21 @@
                 <a:gridCol w="409006">
                   <a:extLst>
                     <a:ext uri="{9D8B030D-6E8A-4147-A177-3AD203B41FA5}">
-                      <a16:colId xmlns:a16="http://schemas.microsoft.com/office/drawing/2014/main" xmlns="" val="3755282693"/>
+                      <a16:colId xmlns="" xmlns:a16="http://schemas.microsoft.com/office/drawing/2014/main" val="3755282693"/>
                     </a:ext>
                   </a:extLst>
                 </a:gridCol>
                 <a:gridCol w="475762">
                   <a:extLst>
                     <a:ext uri="{9D8B030D-6E8A-4147-A177-3AD203B41FA5}">
-                      <a16:colId xmlns:a16="http://schemas.microsoft.com/office/drawing/2014/main" xmlns="" val="276504630"/>
+                      <a16:colId xmlns="" xmlns:a16="http://schemas.microsoft.com/office/drawing/2014/main" val="276504630"/>
                     </a:ext>
                   </a:extLst>
                 </a:gridCol>
                 <a:gridCol w="2806699">
                   <a:extLst>
                     <a:ext uri="{9D8B030D-6E8A-4147-A177-3AD203B41FA5}">
-                      <a16:colId xmlns:a16="http://schemas.microsoft.com/office/drawing/2014/main" xmlns="" val="1644896112"/>
+                      <a16:colId xmlns="" xmlns:a16="http://schemas.microsoft.com/office/drawing/2014/main" val="1644896112"/>
                     </a:ext>
                   </a:extLst>
                 </a:gridCol>
@@ -18181,7 +18134,7 @@
                 </a:tc>
                 <a:extLst>
                   <a:ext uri="{0D108BD9-81ED-4DB2-BD59-A6C34878D82A}">
-                    <a16:rowId xmlns:a16="http://schemas.microsoft.com/office/drawing/2014/main" xmlns="" val="2659151920"/>
+                    <a16:rowId xmlns="" xmlns:a16="http://schemas.microsoft.com/office/drawing/2014/main" val="2659151920"/>
                   </a:ext>
                 </a:extLst>
               </a:tr>
@@ -18319,11 +18272,6 @@
                         </a:rPr>
                         <a:t>.</a:t>
                       </a:r>
-                      <a:endParaRPr lang="en-US" altLang="ko-KR" sz="1200" dirty="0" smtClean="0">
-                        <a:solidFill>
-                          <a:schemeClr val="tx1"/>
-                        </a:solidFill>
-                      </a:endParaRPr>
                     </a:p>
                   </a:txBody>
                   <a:tcPr>
@@ -18421,7 +18369,7 @@
                 </a:tc>
                 <a:extLst>
                   <a:ext uri="{0D108BD9-81ED-4DB2-BD59-A6C34878D82A}">
-                    <a16:rowId xmlns:a16="http://schemas.microsoft.com/office/drawing/2014/main" xmlns="" val="2965605005"/>
+                    <a16:rowId xmlns="" xmlns:a16="http://schemas.microsoft.com/office/drawing/2014/main" val="2965605005"/>
                   </a:ext>
                 </a:extLst>
               </a:tr>
@@ -18605,7 +18553,7 @@
                 </a:tc>
                 <a:extLst>
                   <a:ext uri="{0D108BD9-81ED-4DB2-BD59-A6C34878D82A}">
-                    <a16:rowId xmlns:a16="http://schemas.microsoft.com/office/drawing/2014/main" xmlns="" val="1423130289"/>
+                    <a16:rowId xmlns="" xmlns:a16="http://schemas.microsoft.com/office/drawing/2014/main" val="1423130289"/>
                   </a:ext>
                 </a:extLst>
               </a:tr>
@@ -18805,7 +18753,7 @@
                 </a:tc>
                 <a:extLst>
                   <a:ext uri="{0D108BD9-81ED-4DB2-BD59-A6C34878D82A}">
-                    <a16:rowId xmlns:a16="http://schemas.microsoft.com/office/drawing/2014/main" xmlns="" val="2266055896"/>
+                    <a16:rowId xmlns="" xmlns:a16="http://schemas.microsoft.com/office/drawing/2014/main" val="2266055896"/>
                   </a:ext>
                 </a:extLst>
               </a:tr>
@@ -19021,7 +18969,7 @@
                 </a:tc>
                 <a:extLst>
                   <a:ext uri="{0D108BD9-81ED-4DB2-BD59-A6C34878D82A}">
-                    <a16:rowId xmlns:a16="http://schemas.microsoft.com/office/drawing/2014/main" xmlns="" val="3843794568"/>
+                    <a16:rowId xmlns="" xmlns:a16="http://schemas.microsoft.com/office/drawing/2014/main" val="3843794568"/>
                   </a:ext>
                 </a:extLst>
               </a:tr>
@@ -19189,7 +19137,7 @@
                 </a:tc>
                 <a:extLst>
                   <a:ext uri="{0D108BD9-81ED-4DB2-BD59-A6C34878D82A}">
-                    <a16:rowId xmlns:a16="http://schemas.microsoft.com/office/drawing/2014/main" xmlns="" val="2414411094"/>
+                    <a16:rowId xmlns="" xmlns:a16="http://schemas.microsoft.com/office/drawing/2014/main" val="2414411094"/>
                   </a:ext>
                 </a:extLst>
               </a:tr>
@@ -19357,7 +19305,7 @@
                 </a:tc>
                 <a:extLst>
                   <a:ext uri="{0D108BD9-81ED-4DB2-BD59-A6C34878D82A}">
-                    <a16:rowId xmlns:a16="http://schemas.microsoft.com/office/drawing/2014/main" xmlns="" val="2875470382"/>
+                    <a16:rowId xmlns="" xmlns:a16="http://schemas.microsoft.com/office/drawing/2014/main" val="2875470382"/>
                   </a:ext>
                 </a:extLst>
               </a:tr>
@@ -19525,7 +19473,7 @@
                 </a:tc>
                 <a:extLst>
                   <a:ext uri="{0D108BD9-81ED-4DB2-BD59-A6C34878D82A}">
-                    <a16:rowId xmlns:a16="http://schemas.microsoft.com/office/drawing/2014/main" xmlns="" val="1898222468"/>
+                    <a16:rowId xmlns="" xmlns:a16="http://schemas.microsoft.com/office/drawing/2014/main" val="1898222468"/>
                   </a:ext>
                 </a:extLst>
               </a:tr>
@@ -19693,7 +19641,7 @@
                 </a:tc>
                 <a:extLst>
                   <a:ext uri="{0D108BD9-81ED-4DB2-BD59-A6C34878D82A}">
-                    <a16:rowId xmlns:a16="http://schemas.microsoft.com/office/drawing/2014/main" xmlns="" val="2850959680"/>
+                    <a16:rowId xmlns="" xmlns:a16="http://schemas.microsoft.com/office/drawing/2014/main" val="2850959680"/>
                   </a:ext>
                 </a:extLst>
               </a:tr>
@@ -19866,7 +19814,7 @@
                 </a:tc>
                 <a:extLst>
                   <a:ext uri="{0D108BD9-81ED-4DB2-BD59-A6C34878D82A}">
-                    <a16:rowId xmlns:a16="http://schemas.microsoft.com/office/drawing/2014/main" xmlns="" val="1533416230"/>
+                    <a16:rowId xmlns="" xmlns:a16="http://schemas.microsoft.com/office/drawing/2014/main" val="1533416230"/>
                   </a:ext>
                 </a:extLst>
               </a:tr>
@@ -20035,7 +19983,7 @@
                 </a:tc>
                 <a:extLst>
                   <a:ext uri="{0D108BD9-81ED-4DB2-BD59-A6C34878D82A}">
-                    <a16:rowId xmlns:a16="http://schemas.microsoft.com/office/drawing/2014/main" xmlns="" val="1776258069"/>
+                    <a16:rowId xmlns="" xmlns:a16="http://schemas.microsoft.com/office/drawing/2014/main" val="1776258069"/>
                   </a:ext>
                 </a:extLst>
               </a:tr>
@@ -20204,7 +20152,7 @@
                 </a:tc>
                 <a:extLst>
                   <a:ext uri="{0D108BD9-81ED-4DB2-BD59-A6C34878D82A}">
-                    <a16:rowId xmlns:a16="http://schemas.microsoft.com/office/drawing/2014/main" xmlns="" val="2054699763"/>
+                    <a16:rowId xmlns="" xmlns:a16="http://schemas.microsoft.com/office/drawing/2014/main" val="2054699763"/>
                   </a:ext>
                 </a:extLst>
               </a:tr>
@@ -20373,7 +20321,7 @@
                 </a:tc>
                 <a:extLst>
                   <a:ext uri="{0D108BD9-81ED-4DB2-BD59-A6C34878D82A}">
-                    <a16:rowId xmlns:a16="http://schemas.microsoft.com/office/drawing/2014/main" xmlns="" val="792755357"/>
+                    <a16:rowId xmlns="" xmlns:a16="http://schemas.microsoft.com/office/drawing/2014/main" val="792755357"/>
                   </a:ext>
                 </a:extLst>
               </a:tr>
@@ -20611,7 +20559,7 @@
     </p:spTree>
     <p:extLst>
       <p:ext uri="{BB962C8B-B14F-4D97-AF65-F5344CB8AC3E}">
-        <p14:creationId xmlns:p14="http://schemas.microsoft.com/office/powerpoint/2010/main" xmlns="" val="1747788887"/>
+        <p14:creationId xmlns="" xmlns:p14="http://schemas.microsoft.com/office/powerpoint/2010/main" val="1747788887"/>
       </p:ext>
     </p:extLst>
   </p:cSld>
@@ -20647,7 +20595,7 @@
           <p:nvPr>
             <p:extLst>
               <p:ext uri="{D42A27DB-BD31-4B8C-83A1-F6EECF244321}">
-                <p14:modId xmlns:p14="http://schemas.microsoft.com/office/powerpoint/2010/main" xmlns="" val="788526585"/>
+                <p14:modId xmlns="" xmlns:p14="http://schemas.microsoft.com/office/powerpoint/2010/main" val="788526585"/>
               </p:ext>
             </p:extLst>
           </p:nvPr>
@@ -20666,14 +20614,14 @@
                 <a:gridCol w="1277451">
                   <a:extLst>
                     <a:ext uri="{9D8B030D-6E8A-4147-A177-3AD203B41FA5}">
-                      <a16:colId xmlns:a16="http://schemas.microsoft.com/office/drawing/2014/main" xmlns="" val="3755282693"/>
+                      <a16:colId xmlns="" xmlns:a16="http://schemas.microsoft.com/office/drawing/2014/main" val="3755282693"/>
                     </a:ext>
                   </a:extLst>
                 </a:gridCol>
                 <a:gridCol w="2414016">
                   <a:extLst>
                     <a:ext uri="{9D8B030D-6E8A-4147-A177-3AD203B41FA5}">
-                      <a16:colId xmlns:a16="http://schemas.microsoft.com/office/drawing/2014/main" xmlns="" val="276504630"/>
+                      <a16:colId xmlns="" xmlns:a16="http://schemas.microsoft.com/office/drawing/2014/main" val="276504630"/>
                     </a:ext>
                   </a:extLst>
                 </a:gridCol>
@@ -20808,7 +20756,7 @@
                 </a:tc>
                 <a:extLst>
                   <a:ext uri="{0D108BD9-81ED-4DB2-BD59-A6C34878D82A}">
-                    <a16:rowId xmlns:a16="http://schemas.microsoft.com/office/drawing/2014/main" xmlns="" val="2659151920"/>
+                    <a16:rowId xmlns="" xmlns:a16="http://schemas.microsoft.com/office/drawing/2014/main" val="2659151920"/>
                   </a:ext>
                 </a:extLst>
               </a:tr>
@@ -20934,7 +20882,7 @@
                 </a:tc>
                 <a:extLst>
                   <a:ext uri="{0D108BD9-81ED-4DB2-BD59-A6C34878D82A}">
-                    <a16:rowId xmlns:a16="http://schemas.microsoft.com/office/drawing/2014/main" xmlns="" val="2965605005"/>
+                    <a16:rowId xmlns="" xmlns:a16="http://schemas.microsoft.com/office/drawing/2014/main" val="2965605005"/>
                   </a:ext>
                 </a:extLst>
               </a:tr>
@@ -21076,7 +21024,7 @@
                 </a:tc>
                 <a:extLst>
                   <a:ext uri="{0D108BD9-81ED-4DB2-BD59-A6C34878D82A}">
-                    <a16:rowId xmlns:a16="http://schemas.microsoft.com/office/drawing/2014/main" xmlns="" val="1423130289"/>
+                    <a16:rowId xmlns="" xmlns:a16="http://schemas.microsoft.com/office/drawing/2014/main" val="1423130289"/>
                   </a:ext>
                 </a:extLst>
               </a:tr>
@@ -21202,7 +21150,7 @@
                 </a:tc>
                 <a:extLst>
                   <a:ext uri="{0D108BD9-81ED-4DB2-BD59-A6C34878D82A}">
-                    <a16:rowId xmlns:a16="http://schemas.microsoft.com/office/drawing/2014/main" xmlns="" val="2266055896"/>
+                    <a16:rowId xmlns="" xmlns:a16="http://schemas.microsoft.com/office/drawing/2014/main" val="2266055896"/>
                   </a:ext>
                 </a:extLst>
               </a:tr>
@@ -21219,14 +21167,14 @@
           <p:nvPr>
             <p:extLst>
               <p:ext uri="{D42A27DB-BD31-4B8C-83A1-F6EECF244321}">
-                <p14:modId xmlns:p14="http://schemas.microsoft.com/office/powerpoint/2010/main" xmlns="" val="1047247137"/>
+                <p14:modId xmlns="" xmlns:p14="http://schemas.microsoft.com/office/powerpoint/2010/main" val="1047247137"/>
               </p:ext>
             </p:extLst>
           </p:nvPr>
         </p:nvGraphicFramePr>
         <p:xfrm>
           <a:off x="8500532" y="1300478"/>
-          <a:ext cx="3691467" cy="5557522"/>
+          <a:ext cx="3691467" cy="5613902"/>
         </p:xfrm>
         <a:graphic>
           <a:graphicData uri="http://schemas.openxmlformats.org/drawingml/2006/table">
@@ -21238,21 +21186,21 @@
                 <a:gridCol w="409006">
                   <a:extLst>
                     <a:ext uri="{9D8B030D-6E8A-4147-A177-3AD203B41FA5}">
-                      <a16:colId xmlns:a16="http://schemas.microsoft.com/office/drawing/2014/main" xmlns="" val="3755282693"/>
+                      <a16:colId xmlns="" xmlns:a16="http://schemas.microsoft.com/office/drawing/2014/main" val="3755282693"/>
                     </a:ext>
                   </a:extLst>
                 </a:gridCol>
                 <a:gridCol w="475762">
                   <a:extLst>
                     <a:ext uri="{9D8B030D-6E8A-4147-A177-3AD203B41FA5}">
-                      <a16:colId xmlns:a16="http://schemas.microsoft.com/office/drawing/2014/main" xmlns="" val="276504630"/>
+                      <a16:colId xmlns="" xmlns:a16="http://schemas.microsoft.com/office/drawing/2014/main" val="276504630"/>
                     </a:ext>
                   </a:extLst>
                 </a:gridCol>
                 <a:gridCol w="2806699">
                   <a:extLst>
                     <a:ext uri="{9D8B030D-6E8A-4147-A177-3AD203B41FA5}">
-                      <a16:colId xmlns:a16="http://schemas.microsoft.com/office/drawing/2014/main" xmlns="" val="1644896112"/>
+                      <a16:colId xmlns="" xmlns:a16="http://schemas.microsoft.com/office/drawing/2014/main" val="1644896112"/>
                     </a:ext>
                   </a:extLst>
                 </a:gridCol>
@@ -21422,7 +21370,7 @@
                 </a:tc>
                 <a:extLst>
                   <a:ext uri="{0D108BD9-81ED-4DB2-BD59-A6C34878D82A}">
-                    <a16:rowId xmlns:a16="http://schemas.microsoft.com/office/drawing/2014/main" xmlns="" val="2659151920"/>
+                    <a16:rowId xmlns="" xmlns:a16="http://schemas.microsoft.com/office/drawing/2014/main" val="2659151920"/>
                   </a:ext>
                 </a:extLst>
               </a:tr>
@@ -21518,7 +21466,23 @@
                             <a:schemeClr val="tx1"/>
                           </a:solidFill>
                         </a:rPr>
-                        <a:t> 등록할 수 있다</a:t>
+                        <a:t> 등록</a:t>
+                      </a:r>
+                      <a:r>
+                        <a:rPr lang="en-US" altLang="ko-KR" sz="1200" dirty="0" smtClean="0">
+                          <a:solidFill>
+                            <a:schemeClr val="tx1"/>
+                          </a:solidFill>
+                        </a:rPr>
+                        <a:t>&amp;</a:t>
+                      </a:r>
+                      <a:r>
+                        <a:rPr lang="ko-KR" altLang="en-US" sz="1200" dirty="0" smtClean="0">
+                          <a:solidFill>
+                            <a:schemeClr val="tx1"/>
+                          </a:solidFill>
+                        </a:rPr>
+                        <a:t>수정할 수 있다</a:t>
                       </a:r>
                       <a:endParaRPr lang="en-US" altLang="ko-KR" sz="1200" dirty="0" smtClean="0">
                         <a:solidFill>
@@ -21622,7 +21586,7 @@
                 </a:tc>
                 <a:extLst>
                   <a:ext uri="{0D108BD9-81ED-4DB2-BD59-A6C34878D82A}">
-                    <a16:rowId xmlns:a16="http://schemas.microsoft.com/office/drawing/2014/main" xmlns="" val="2965605005"/>
+                    <a16:rowId xmlns="" xmlns:a16="http://schemas.microsoft.com/office/drawing/2014/main" val="2965605005"/>
                   </a:ext>
                 </a:extLst>
               </a:tr>
@@ -21838,7 +21802,7 @@
                 </a:tc>
                 <a:extLst>
                   <a:ext uri="{0D108BD9-81ED-4DB2-BD59-A6C34878D82A}">
-                    <a16:rowId xmlns:a16="http://schemas.microsoft.com/office/drawing/2014/main" xmlns="" val="1423130289"/>
+                    <a16:rowId xmlns="" xmlns:a16="http://schemas.microsoft.com/office/drawing/2014/main" val="1423130289"/>
                   </a:ext>
                 </a:extLst>
               </a:tr>
@@ -22006,7 +21970,7 @@
                 </a:tc>
                 <a:extLst>
                   <a:ext uri="{0D108BD9-81ED-4DB2-BD59-A6C34878D82A}">
-                    <a16:rowId xmlns:a16="http://schemas.microsoft.com/office/drawing/2014/main" xmlns="" val="2266055896"/>
+                    <a16:rowId xmlns="" xmlns:a16="http://schemas.microsoft.com/office/drawing/2014/main" val="2266055896"/>
                   </a:ext>
                 </a:extLst>
               </a:tr>
@@ -22190,7 +22154,7 @@
                 </a:tc>
                 <a:extLst>
                   <a:ext uri="{0D108BD9-81ED-4DB2-BD59-A6C34878D82A}">
-                    <a16:rowId xmlns:a16="http://schemas.microsoft.com/office/drawing/2014/main" xmlns="" val="3843794568"/>
+                    <a16:rowId xmlns="" xmlns:a16="http://schemas.microsoft.com/office/drawing/2014/main" val="3843794568"/>
                   </a:ext>
                 </a:extLst>
               </a:tr>
@@ -22374,7 +22338,7 @@
                 </a:tc>
                 <a:extLst>
                   <a:ext uri="{0D108BD9-81ED-4DB2-BD59-A6C34878D82A}">
-                    <a16:rowId xmlns:a16="http://schemas.microsoft.com/office/drawing/2014/main" xmlns="" val="2414411094"/>
+                    <a16:rowId xmlns="" xmlns:a16="http://schemas.microsoft.com/office/drawing/2014/main" val="2414411094"/>
                   </a:ext>
                 </a:extLst>
               </a:tr>
@@ -22558,7 +22522,7 @@
                 </a:tc>
                 <a:extLst>
                   <a:ext uri="{0D108BD9-81ED-4DB2-BD59-A6C34878D82A}">
-                    <a16:rowId xmlns:a16="http://schemas.microsoft.com/office/drawing/2014/main" xmlns="" val="2875470382"/>
+                    <a16:rowId xmlns="" xmlns:a16="http://schemas.microsoft.com/office/drawing/2014/main" val="2875470382"/>
                   </a:ext>
                 </a:extLst>
               </a:tr>
@@ -22742,7 +22706,7 @@
                 </a:tc>
                 <a:extLst>
                   <a:ext uri="{0D108BD9-81ED-4DB2-BD59-A6C34878D82A}">
-                    <a16:rowId xmlns:a16="http://schemas.microsoft.com/office/drawing/2014/main" xmlns="" val="1898222468"/>
+                    <a16:rowId xmlns="" xmlns:a16="http://schemas.microsoft.com/office/drawing/2014/main" val="1898222468"/>
                   </a:ext>
                 </a:extLst>
               </a:tr>
@@ -22926,7 +22890,7 @@
                 </a:tc>
                 <a:extLst>
                   <a:ext uri="{0D108BD9-81ED-4DB2-BD59-A6C34878D82A}">
-                    <a16:rowId xmlns:a16="http://schemas.microsoft.com/office/drawing/2014/main" xmlns="" val="2850959680"/>
+                    <a16:rowId xmlns="" xmlns:a16="http://schemas.microsoft.com/office/drawing/2014/main" val="2850959680"/>
                   </a:ext>
                 </a:extLst>
               </a:tr>
@@ -23099,7 +23063,7 @@
                 </a:tc>
                 <a:extLst>
                   <a:ext uri="{0D108BD9-81ED-4DB2-BD59-A6C34878D82A}">
-                    <a16:rowId xmlns:a16="http://schemas.microsoft.com/office/drawing/2014/main" xmlns="" val="1533416230"/>
+                    <a16:rowId xmlns="" xmlns:a16="http://schemas.microsoft.com/office/drawing/2014/main" val="1533416230"/>
                   </a:ext>
                 </a:extLst>
               </a:tr>
@@ -23268,7 +23232,7 @@
                 </a:tc>
                 <a:extLst>
                   <a:ext uri="{0D108BD9-81ED-4DB2-BD59-A6C34878D82A}">
-                    <a16:rowId xmlns:a16="http://schemas.microsoft.com/office/drawing/2014/main" xmlns="" val="1776258069"/>
+                    <a16:rowId xmlns="" xmlns:a16="http://schemas.microsoft.com/office/drawing/2014/main" val="1776258069"/>
                   </a:ext>
                 </a:extLst>
               </a:tr>
@@ -23437,7 +23401,7 @@
                 </a:tc>
                 <a:extLst>
                   <a:ext uri="{0D108BD9-81ED-4DB2-BD59-A6C34878D82A}">
-                    <a16:rowId xmlns:a16="http://schemas.microsoft.com/office/drawing/2014/main" xmlns="" val="2054699763"/>
+                    <a16:rowId xmlns="" xmlns:a16="http://schemas.microsoft.com/office/drawing/2014/main" val="2054699763"/>
                   </a:ext>
                 </a:extLst>
               </a:tr>
@@ -23606,7 +23570,7 @@
                 </a:tc>
                 <a:extLst>
                   <a:ext uri="{0D108BD9-81ED-4DB2-BD59-A6C34878D82A}">
-                    <a16:rowId xmlns:a16="http://schemas.microsoft.com/office/drawing/2014/main" xmlns="" val="792755357"/>
+                    <a16:rowId xmlns="" xmlns:a16="http://schemas.microsoft.com/office/drawing/2014/main" val="792755357"/>
                   </a:ext>
                 </a:extLst>
               </a:tr>
@@ -23750,7 +23714,7 @@
     </p:spTree>
     <p:extLst>
       <p:ext uri="{BB962C8B-B14F-4D97-AF65-F5344CB8AC3E}">
-        <p14:creationId xmlns:p14="http://schemas.microsoft.com/office/powerpoint/2010/main" xmlns="" val="1747788887"/>
+        <p14:creationId xmlns="" xmlns:p14="http://schemas.microsoft.com/office/powerpoint/2010/main" val="1747788887"/>
       </p:ext>
     </p:extLst>
   </p:cSld>
@@ -23786,7 +23750,7 @@
           <p:nvPr>
             <p:extLst>
               <p:ext uri="{D42A27DB-BD31-4B8C-83A1-F6EECF244321}">
-                <p14:modId xmlns:p14="http://schemas.microsoft.com/office/powerpoint/2010/main" xmlns="" val="788526585"/>
+                <p14:modId xmlns="" xmlns:p14="http://schemas.microsoft.com/office/powerpoint/2010/main" val="788526585"/>
               </p:ext>
             </p:extLst>
           </p:nvPr>
@@ -23805,14 +23769,14 @@
                 <a:gridCol w="1277451">
                   <a:extLst>
                     <a:ext uri="{9D8B030D-6E8A-4147-A177-3AD203B41FA5}">
-                      <a16:colId xmlns:a16="http://schemas.microsoft.com/office/drawing/2014/main" xmlns="" val="3755282693"/>
+                      <a16:colId xmlns="" xmlns:a16="http://schemas.microsoft.com/office/drawing/2014/main" val="3755282693"/>
                     </a:ext>
                   </a:extLst>
                 </a:gridCol>
                 <a:gridCol w="2414016">
                   <a:extLst>
                     <a:ext uri="{9D8B030D-6E8A-4147-A177-3AD203B41FA5}">
-                      <a16:colId xmlns:a16="http://schemas.microsoft.com/office/drawing/2014/main" xmlns="" val="276504630"/>
+                      <a16:colId xmlns="" xmlns:a16="http://schemas.microsoft.com/office/drawing/2014/main" val="276504630"/>
                     </a:ext>
                   </a:extLst>
                 </a:gridCol>
@@ -23947,7 +23911,7 @@
                 </a:tc>
                 <a:extLst>
                   <a:ext uri="{0D108BD9-81ED-4DB2-BD59-A6C34878D82A}">
-                    <a16:rowId xmlns:a16="http://schemas.microsoft.com/office/drawing/2014/main" xmlns="" val="2659151920"/>
+                    <a16:rowId xmlns="" xmlns:a16="http://schemas.microsoft.com/office/drawing/2014/main" val="2659151920"/>
                   </a:ext>
                 </a:extLst>
               </a:tr>
@@ -24065,7 +24029,7 @@
                 </a:tc>
                 <a:extLst>
                   <a:ext uri="{0D108BD9-81ED-4DB2-BD59-A6C34878D82A}">
-                    <a16:rowId xmlns:a16="http://schemas.microsoft.com/office/drawing/2014/main" xmlns="" val="2965605005"/>
+                    <a16:rowId xmlns="" xmlns:a16="http://schemas.microsoft.com/office/drawing/2014/main" val="2965605005"/>
                   </a:ext>
                 </a:extLst>
               </a:tr>
@@ -24183,7 +24147,7 @@
                 </a:tc>
                 <a:extLst>
                   <a:ext uri="{0D108BD9-81ED-4DB2-BD59-A6C34878D82A}">
-                    <a16:rowId xmlns:a16="http://schemas.microsoft.com/office/drawing/2014/main" xmlns="" val="1423130289"/>
+                    <a16:rowId xmlns="" xmlns:a16="http://schemas.microsoft.com/office/drawing/2014/main" val="1423130289"/>
                   </a:ext>
                 </a:extLst>
               </a:tr>
@@ -24301,7 +24265,7 @@
                 </a:tc>
                 <a:extLst>
                   <a:ext uri="{0D108BD9-81ED-4DB2-BD59-A6C34878D82A}">
-                    <a16:rowId xmlns:a16="http://schemas.microsoft.com/office/drawing/2014/main" xmlns="" val="2266055896"/>
+                    <a16:rowId xmlns="" xmlns:a16="http://schemas.microsoft.com/office/drawing/2014/main" val="2266055896"/>
                   </a:ext>
                 </a:extLst>
               </a:tr>
@@ -24318,7 +24282,7 @@
           <p:nvPr>
             <p:extLst>
               <p:ext uri="{D42A27DB-BD31-4B8C-83A1-F6EECF244321}">
-                <p14:modId xmlns:p14="http://schemas.microsoft.com/office/powerpoint/2010/main" xmlns="" val="1047247137"/>
+                <p14:modId xmlns="" xmlns:p14="http://schemas.microsoft.com/office/powerpoint/2010/main" val="1047247137"/>
               </p:ext>
             </p:extLst>
           </p:nvPr>
@@ -24337,21 +24301,21 @@
                 <a:gridCol w="409006">
                   <a:extLst>
                     <a:ext uri="{9D8B030D-6E8A-4147-A177-3AD203B41FA5}">
-                      <a16:colId xmlns:a16="http://schemas.microsoft.com/office/drawing/2014/main" xmlns="" val="3755282693"/>
+                      <a16:colId xmlns="" xmlns:a16="http://schemas.microsoft.com/office/drawing/2014/main" val="3755282693"/>
                     </a:ext>
                   </a:extLst>
                 </a:gridCol>
                 <a:gridCol w="475762">
                   <a:extLst>
                     <a:ext uri="{9D8B030D-6E8A-4147-A177-3AD203B41FA5}">
-                      <a16:colId xmlns:a16="http://schemas.microsoft.com/office/drawing/2014/main" xmlns="" val="276504630"/>
+                      <a16:colId xmlns="" xmlns:a16="http://schemas.microsoft.com/office/drawing/2014/main" val="276504630"/>
                     </a:ext>
                   </a:extLst>
                 </a:gridCol>
                 <a:gridCol w="2806699">
                   <a:extLst>
                     <a:ext uri="{9D8B030D-6E8A-4147-A177-3AD203B41FA5}">
-                      <a16:colId xmlns:a16="http://schemas.microsoft.com/office/drawing/2014/main" xmlns="" val="1644896112"/>
+                      <a16:colId xmlns="" xmlns:a16="http://schemas.microsoft.com/office/drawing/2014/main" val="1644896112"/>
                     </a:ext>
                   </a:extLst>
                 </a:gridCol>
@@ -24521,7 +24485,7 @@
                 </a:tc>
                 <a:extLst>
                   <a:ext uri="{0D108BD9-81ED-4DB2-BD59-A6C34878D82A}">
-                    <a16:rowId xmlns:a16="http://schemas.microsoft.com/office/drawing/2014/main" xmlns="" val="2659151920"/>
+                    <a16:rowId xmlns="" xmlns:a16="http://schemas.microsoft.com/office/drawing/2014/main" val="2659151920"/>
                   </a:ext>
                 </a:extLst>
               </a:tr>
@@ -24689,7 +24653,7 @@
                 </a:tc>
                 <a:extLst>
                   <a:ext uri="{0D108BD9-81ED-4DB2-BD59-A6C34878D82A}">
-                    <a16:rowId xmlns:a16="http://schemas.microsoft.com/office/drawing/2014/main" xmlns="" val="2965605005"/>
+                    <a16:rowId xmlns="" xmlns:a16="http://schemas.microsoft.com/office/drawing/2014/main" val="2965605005"/>
                   </a:ext>
                 </a:extLst>
               </a:tr>
@@ -24857,7 +24821,7 @@
                 </a:tc>
                 <a:extLst>
                   <a:ext uri="{0D108BD9-81ED-4DB2-BD59-A6C34878D82A}">
-                    <a16:rowId xmlns:a16="http://schemas.microsoft.com/office/drawing/2014/main" xmlns="" val="1423130289"/>
+                    <a16:rowId xmlns="" xmlns:a16="http://schemas.microsoft.com/office/drawing/2014/main" val="1423130289"/>
                   </a:ext>
                 </a:extLst>
               </a:tr>
@@ -25025,7 +24989,7 @@
                 </a:tc>
                 <a:extLst>
                   <a:ext uri="{0D108BD9-81ED-4DB2-BD59-A6C34878D82A}">
-                    <a16:rowId xmlns:a16="http://schemas.microsoft.com/office/drawing/2014/main" xmlns="" val="2266055896"/>
+                    <a16:rowId xmlns="" xmlns:a16="http://schemas.microsoft.com/office/drawing/2014/main" val="2266055896"/>
                   </a:ext>
                 </a:extLst>
               </a:tr>
@@ -25193,7 +25157,7 @@
                 </a:tc>
                 <a:extLst>
                   <a:ext uri="{0D108BD9-81ED-4DB2-BD59-A6C34878D82A}">
-                    <a16:rowId xmlns:a16="http://schemas.microsoft.com/office/drawing/2014/main" xmlns="" val="3843794568"/>
+                    <a16:rowId xmlns="" xmlns:a16="http://schemas.microsoft.com/office/drawing/2014/main" val="3843794568"/>
                   </a:ext>
                 </a:extLst>
               </a:tr>
@@ -25361,7 +25325,7 @@
                 </a:tc>
                 <a:extLst>
                   <a:ext uri="{0D108BD9-81ED-4DB2-BD59-A6C34878D82A}">
-                    <a16:rowId xmlns:a16="http://schemas.microsoft.com/office/drawing/2014/main" xmlns="" val="2414411094"/>
+                    <a16:rowId xmlns="" xmlns:a16="http://schemas.microsoft.com/office/drawing/2014/main" val="2414411094"/>
                   </a:ext>
                 </a:extLst>
               </a:tr>
@@ -25529,7 +25493,7 @@
                 </a:tc>
                 <a:extLst>
                   <a:ext uri="{0D108BD9-81ED-4DB2-BD59-A6C34878D82A}">
-                    <a16:rowId xmlns:a16="http://schemas.microsoft.com/office/drawing/2014/main" xmlns="" val="2875470382"/>
+                    <a16:rowId xmlns="" xmlns:a16="http://schemas.microsoft.com/office/drawing/2014/main" val="2875470382"/>
                   </a:ext>
                 </a:extLst>
               </a:tr>
@@ -25697,7 +25661,7 @@
                 </a:tc>
                 <a:extLst>
                   <a:ext uri="{0D108BD9-81ED-4DB2-BD59-A6C34878D82A}">
-                    <a16:rowId xmlns:a16="http://schemas.microsoft.com/office/drawing/2014/main" xmlns="" val="1898222468"/>
+                    <a16:rowId xmlns="" xmlns:a16="http://schemas.microsoft.com/office/drawing/2014/main" val="1898222468"/>
                   </a:ext>
                 </a:extLst>
               </a:tr>
@@ -25865,7 +25829,7 @@
                 </a:tc>
                 <a:extLst>
                   <a:ext uri="{0D108BD9-81ED-4DB2-BD59-A6C34878D82A}">
-                    <a16:rowId xmlns:a16="http://schemas.microsoft.com/office/drawing/2014/main" xmlns="" val="2850959680"/>
+                    <a16:rowId xmlns="" xmlns:a16="http://schemas.microsoft.com/office/drawing/2014/main" val="2850959680"/>
                   </a:ext>
                 </a:extLst>
               </a:tr>
@@ -26038,7 +26002,7 @@
                 </a:tc>
                 <a:extLst>
                   <a:ext uri="{0D108BD9-81ED-4DB2-BD59-A6C34878D82A}">
-                    <a16:rowId xmlns:a16="http://schemas.microsoft.com/office/drawing/2014/main" xmlns="" val="1533416230"/>
+                    <a16:rowId xmlns="" xmlns:a16="http://schemas.microsoft.com/office/drawing/2014/main" val="1533416230"/>
                   </a:ext>
                 </a:extLst>
               </a:tr>
@@ -26207,7 +26171,7 @@
                 </a:tc>
                 <a:extLst>
                   <a:ext uri="{0D108BD9-81ED-4DB2-BD59-A6C34878D82A}">
-                    <a16:rowId xmlns:a16="http://schemas.microsoft.com/office/drawing/2014/main" xmlns="" val="1776258069"/>
+                    <a16:rowId xmlns="" xmlns:a16="http://schemas.microsoft.com/office/drawing/2014/main" val="1776258069"/>
                   </a:ext>
                 </a:extLst>
               </a:tr>
@@ -26376,7 +26340,7 @@
                 </a:tc>
                 <a:extLst>
                   <a:ext uri="{0D108BD9-81ED-4DB2-BD59-A6C34878D82A}">
-                    <a16:rowId xmlns:a16="http://schemas.microsoft.com/office/drawing/2014/main" xmlns="" val="2054699763"/>
+                    <a16:rowId xmlns="" xmlns:a16="http://schemas.microsoft.com/office/drawing/2014/main" val="2054699763"/>
                   </a:ext>
                 </a:extLst>
               </a:tr>
@@ -26545,7 +26509,7 @@
                 </a:tc>
                 <a:extLst>
                   <a:ext uri="{0D108BD9-81ED-4DB2-BD59-A6C34878D82A}">
-                    <a16:rowId xmlns:a16="http://schemas.microsoft.com/office/drawing/2014/main" xmlns="" val="792755357"/>
+                    <a16:rowId xmlns="" xmlns:a16="http://schemas.microsoft.com/office/drawing/2014/main" val="792755357"/>
                   </a:ext>
                 </a:extLst>
               </a:tr>
@@ -26855,7 +26819,7 @@
     </p:spTree>
     <p:extLst>
       <p:ext uri="{BB962C8B-B14F-4D97-AF65-F5344CB8AC3E}">
-        <p14:creationId xmlns:p14="http://schemas.microsoft.com/office/powerpoint/2010/main" xmlns="" val="1747788887"/>
+        <p14:creationId xmlns="" xmlns:p14="http://schemas.microsoft.com/office/powerpoint/2010/main" val="1747788887"/>
       </p:ext>
     </p:extLst>
   </p:cSld>
@@ -27120,7 +27084,7 @@
   <a:extraClrSchemeLst/>
   <a:extLst>
     <a:ext uri="{05A4C25C-085E-4340-85A3-A5531E510DB2}">
-      <thm15:themeFamily xmlns:thm15="http://schemas.microsoft.com/office/thememl/2012/main" xmlns="" name="Office Theme" id="{62F939B6-93AF-4DB8-9C6B-D6C7DFDC589F}" vid="{4A3C46E8-61CC-4603-A589-7422A47A8E4A}"/>
+      <thm15:themeFamily xmlns="" xmlns:thm15="http://schemas.microsoft.com/office/thememl/2012/main" name="Office Theme" id="{62F939B6-93AF-4DB8-9C6B-D6C7DFDC589F}" vid="{4A3C46E8-61CC-4603-A589-7422A47A8E4A}"/>
     </a:ext>
   </a:extLst>
 </a:theme>

--- a/추가자료/스토리보드/아이티어_스토리보드_김태강.pptx
+++ b/추가자료/스토리보드/아이티어_스토리보드_김태강.pptx
@@ -114,7 +114,7 @@
   </p:defaultTextStyle>
   <p:extLst>
     <p:ext uri="{EFAFB233-063F-42B5-8137-9DF3F51BA10A}">
-      <p15:sldGuideLst xmlns="" xmlns:p15="http://schemas.microsoft.com/office/powerpoint/2012/main">
+      <p15:sldGuideLst xmlns:p15="http://schemas.microsoft.com/office/powerpoint/2012/main" xmlns="">
         <p15:guide id="1" orient="horz" pos="2160">
           <p15:clr>
             <a:srgbClr val="A4A3A4"/>
@@ -261,7 +261,7 @@
             <a:fld id="{A365DAA9-14CF-4DC6-9D05-014345C5FC56}" type="datetimeFigureOut">
               <a:rPr lang="ko-KR" altLang="en-US" smtClean="0"/>
               <a:pPr/>
-              <a:t>2020-06-22</a:t>
+              <a:t>2020-06-21</a:t>
             </a:fld>
             <a:endParaRPr lang="ko-KR" altLang="en-US"/>
           </a:p>
@@ -313,7 +313,7 @@
     </p:spTree>
     <p:extLst>
       <p:ext uri="{BB962C8B-B14F-4D97-AF65-F5344CB8AC3E}">
-        <p14:creationId xmlns="" xmlns:p14="http://schemas.microsoft.com/office/powerpoint/2010/main" val="3137131438"/>
+        <p14:creationId xmlns:p14="http://schemas.microsoft.com/office/powerpoint/2010/main" xmlns="" val="3137131438"/>
       </p:ext>
     </p:extLst>
   </p:cSld>
@@ -431,7 +431,7 @@
             <a:fld id="{A365DAA9-14CF-4DC6-9D05-014345C5FC56}" type="datetimeFigureOut">
               <a:rPr lang="ko-KR" altLang="en-US" smtClean="0"/>
               <a:pPr/>
-              <a:t>2020-06-22</a:t>
+              <a:t>2020-06-21</a:t>
             </a:fld>
             <a:endParaRPr lang="ko-KR" altLang="en-US"/>
           </a:p>
@@ -483,7 +483,7 @@
     </p:spTree>
     <p:extLst>
       <p:ext uri="{BB962C8B-B14F-4D97-AF65-F5344CB8AC3E}">
-        <p14:creationId xmlns="" xmlns:p14="http://schemas.microsoft.com/office/powerpoint/2010/main" val="2009613086"/>
+        <p14:creationId xmlns:p14="http://schemas.microsoft.com/office/powerpoint/2010/main" xmlns="" val="2009613086"/>
       </p:ext>
     </p:extLst>
   </p:cSld>
@@ -611,7 +611,7 @@
             <a:fld id="{A365DAA9-14CF-4DC6-9D05-014345C5FC56}" type="datetimeFigureOut">
               <a:rPr lang="ko-KR" altLang="en-US" smtClean="0"/>
               <a:pPr/>
-              <a:t>2020-06-22</a:t>
+              <a:t>2020-06-21</a:t>
             </a:fld>
             <a:endParaRPr lang="ko-KR" altLang="en-US"/>
           </a:p>
@@ -663,7 +663,7 @@
     </p:spTree>
     <p:extLst>
       <p:ext uri="{BB962C8B-B14F-4D97-AF65-F5344CB8AC3E}">
-        <p14:creationId xmlns="" xmlns:p14="http://schemas.microsoft.com/office/powerpoint/2010/main" val="2597636882"/>
+        <p14:creationId xmlns:p14="http://schemas.microsoft.com/office/powerpoint/2010/main" xmlns="" val="2597636882"/>
       </p:ext>
     </p:extLst>
   </p:cSld>
@@ -781,7 +781,7 @@
             <a:fld id="{A365DAA9-14CF-4DC6-9D05-014345C5FC56}" type="datetimeFigureOut">
               <a:rPr lang="ko-KR" altLang="en-US" smtClean="0"/>
               <a:pPr/>
-              <a:t>2020-06-22</a:t>
+              <a:t>2020-06-21</a:t>
             </a:fld>
             <a:endParaRPr lang="ko-KR" altLang="en-US"/>
           </a:p>
@@ -833,7 +833,7 @@
     </p:spTree>
     <p:extLst>
       <p:ext uri="{BB962C8B-B14F-4D97-AF65-F5344CB8AC3E}">
-        <p14:creationId xmlns="" xmlns:p14="http://schemas.microsoft.com/office/powerpoint/2010/main" val="2723585880"/>
+        <p14:creationId xmlns:p14="http://schemas.microsoft.com/office/powerpoint/2010/main" xmlns="" val="2723585880"/>
       </p:ext>
     </p:extLst>
   </p:cSld>
@@ -1028,7 +1028,7 @@
             <a:fld id="{A365DAA9-14CF-4DC6-9D05-014345C5FC56}" type="datetimeFigureOut">
               <a:rPr lang="ko-KR" altLang="en-US" smtClean="0"/>
               <a:pPr/>
-              <a:t>2020-06-22</a:t>
+              <a:t>2020-06-21</a:t>
             </a:fld>
             <a:endParaRPr lang="ko-KR" altLang="en-US"/>
           </a:p>
@@ -1080,7 +1080,7 @@
     </p:spTree>
     <p:extLst>
       <p:ext uri="{BB962C8B-B14F-4D97-AF65-F5344CB8AC3E}">
-        <p14:creationId xmlns="" xmlns:p14="http://schemas.microsoft.com/office/powerpoint/2010/main" val="3951154163"/>
+        <p14:creationId xmlns:p14="http://schemas.microsoft.com/office/powerpoint/2010/main" xmlns="" val="3951154163"/>
       </p:ext>
     </p:extLst>
   </p:cSld>
@@ -1259,7 +1259,7 @@
             <a:fld id="{A365DAA9-14CF-4DC6-9D05-014345C5FC56}" type="datetimeFigureOut">
               <a:rPr lang="ko-KR" altLang="en-US" smtClean="0"/>
               <a:pPr/>
-              <a:t>2020-06-22</a:t>
+              <a:t>2020-06-21</a:t>
             </a:fld>
             <a:endParaRPr lang="ko-KR" altLang="en-US"/>
           </a:p>
@@ -1311,7 +1311,7 @@
     </p:spTree>
     <p:extLst>
       <p:ext uri="{BB962C8B-B14F-4D97-AF65-F5344CB8AC3E}">
-        <p14:creationId xmlns="" xmlns:p14="http://schemas.microsoft.com/office/powerpoint/2010/main" val="1010690246"/>
+        <p14:creationId xmlns:p14="http://schemas.microsoft.com/office/powerpoint/2010/main" xmlns="" val="1010690246"/>
       </p:ext>
     </p:extLst>
   </p:cSld>
@@ -1625,7 +1625,7 @@
             <a:fld id="{A365DAA9-14CF-4DC6-9D05-014345C5FC56}" type="datetimeFigureOut">
               <a:rPr lang="ko-KR" altLang="en-US" smtClean="0"/>
               <a:pPr/>
-              <a:t>2020-06-22</a:t>
+              <a:t>2020-06-21</a:t>
             </a:fld>
             <a:endParaRPr lang="ko-KR" altLang="en-US"/>
           </a:p>
@@ -1677,7 +1677,7 @@
     </p:spTree>
     <p:extLst>
       <p:ext uri="{BB962C8B-B14F-4D97-AF65-F5344CB8AC3E}">
-        <p14:creationId xmlns="" xmlns:p14="http://schemas.microsoft.com/office/powerpoint/2010/main" val="1992279787"/>
+        <p14:creationId xmlns:p14="http://schemas.microsoft.com/office/powerpoint/2010/main" xmlns="" val="1992279787"/>
       </p:ext>
     </p:extLst>
   </p:cSld>
@@ -1744,7 +1744,7 @@
             <a:fld id="{A365DAA9-14CF-4DC6-9D05-014345C5FC56}" type="datetimeFigureOut">
               <a:rPr lang="ko-KR" altLang="en-US" smtClean="0"/>
               <a:pPr/>
-              <a:t>2020-06-22</a:t>
+              <a:t>2020-06-21</a:t>
             </a:fld>
             <a:endParaRPr lang="ko-KR" altLang="en-US"/>
           </a:p>
@@ -1796,7 +1796,7 @@
     </p:spTree>
     <p:extLst>
       <p:ext uri="{BB962C8B-B14F-4D97-AF65-F5344CB8AC3E}">
-        <p14:creationId xmlns="" xmlns:p14="http://schemas.microsoft.com/office/powerpoint/2010/main" val="2734983826"/>
+        <p14:creationId xmlns:p14="http://schemas.microsoft.com/office/powerpoint/2010/main" xmlns="" val="2734983826"/>
       </p:ext>
     </p:extLst>
   </p:cSld>
@@ -1841,7 +1841,7 @@
             <a:fld id="{A365DAA9-14CF-4DC6-9D05-014345C5FC56}" type="datetimeFigureOut">
               <a:rPr lang="ko-KR" altLang="en-US" smtClean="0"/>
               <a:pPr/>
-              <a:t>2020-06-22</a:t>
+              <a:t>2020-06-21</a:t>
             </a:fld>
             <a:endParaRPr lang="ko-KR" altLang="en-US"/>
           </a:p>
@@ -1893,7 +1893,7 @@
     </p:spTree>
     <p:extLst>
       <p:ext uri="{BB962C8B-B14F-4D97-AF65-F5344CB8AC3E}">
-        <p14:creationId xmlns="" xmlns:p14="http://schemas.microsoft.com/office/powerpoint/2010/main" val="3568537413"/>
+        <p14:creationId xmlns:p14="http://schemas.microsoft.com/office/powerpoint/2010/main" xmlns="" val="3568537413"/>
       </p:ext>
     </p:extLst>
   </p:cSld>
@@ -2118,7 +2118,7 @@
             <a:fld id="{A365DAA9-14CF-4DC6-9D05-014345C5FC56}" type="datetimeFigureOut">
               <a:rPr lang="ko-KR" altLang="en-US" smtClean="0"/>
               <a:pPr/>
-              <a:t>2020-06-22</a:t>
+              <a:t>2020-06-21</a:t>
             </a:fld>
             <a:endParaRPr lang="ko-KR" altLang="en-US"/>
           </a:p>
@@ -2170,7 +2170,7 @@
     </p:spTree>
     <p:extLst>
       <p:ext uri="{BB962C8B-B14F-4D97-AF65-F5344CB8AC3E}">
-        <p14:creationId xmlns="" xmlns:p14="http://schemas.microsoft.com/office/powerpoint/2010/main" val="3495782869"/>
+        <p14:creationId xmlns:p14="http://schemas.microsoft.com/office/powerpoint/2010/main" xmlns="" val="3495782869"/>
       </p:ext>
     </p:extLst>
   </p:cSld>
@@ -2372,7 +2372,7 @@
             <a:fld id="{A365DAA9-14CF-4DC6-9D05-014345C5FC56}" type="datetimeFigureOut">
               <a:rPr lang="ko-KR" altLang="en-US" smtClean="0"/>
               <a:pPr/>
-              <a:t>2020-06-22</a:t>
+              <a:t>2020-06-21</a:t>
             </a:fld>
             <a:endParaRPr lang="ko-KR" altLang="en-US"/>
           </a:p>
@@ -2424,7 +2424,7 @@
     </p:spTree>
     <p:extLst>
       <p:ext uri="{BB962C8B-B14F-4D97-AF65-F5344CB8AC3E}">
-        <p14:creationId xmlns="" xmlns:p14="http://schemas.microsoft.com/office/powerpoint/2010/main" val="3048878555"/>
+        <p14:creationId xmlns:p14="http://schemas.microsoft.com/office/powerpoint/2010/main" xmlns="" val="3048878555"/>
       </p:ext>
     </p:extLst>
   </p:cSld>
@@ -2585,7 +2585,7 @@
             <a:fld id="{A365DAA9-14CF-4DC6-9D05-014345C5FC56}" type="datetimeFigureOut">
               <a:rPr lang="ko-KR" altLang="en-US" smtClean="0"/>
               <a:pPr/>
-              <a:t>2020-06-22</a:t>
+              <a:t>2020-06-21</a:t>
             </a:fld>
             <a:endParaRPr lang="ko-KR" altLang="en-US"/>
           </a:p>
@@ -2673,7 +2673,7 @@
     </p:spTree>
     <p:extLst>
       <p:ext uri="{BB962C8B-B14F-4D97-AF65-F5344CB8AC3E}">
-        <p14:creationId xmlns="" xmlns:p14="http://schemas.microsoft.com/office/powerpoint/2010/main" val="3949528538"/>
+        <p14:creationId xmlns:p14="http://schemas.microsoft.com/office/powerpoint/2010/main" xmlns="" val="3949528538"/>
       </p:ext>
     </p:extLst>
   </p:cSld>
@@ -2996,7 +2996,7 @@
           <p:cNvPr id="4" name="TextBox 3">
             <a:extLst>
               <a:ext uri="{FF2B5EF4-FFF2-40B4-BE49-F238E27FC236}">
-                <a16:creationId xmlns="" xmlns:a16="http://schemas.microsoft.com/office/drawing/2014/main" id="{48ED4E7C-4355-40F7-8F11-F7CA206777A9}"/>
+                <a16:creationId xmlns:a16="http://schemas.microsoft.com/office/drawing/2014/main" xmlns="" id="{48ED4E7C-4355-40F7-8F11-F7CA206777A9}"/>
               </a:ext>
             </a:extLst>
           </p:cNvPr>
@@ -3051,7 +3051,7 @@
           <p:cNvPr id="5" name="TextBox 4">
             <a:extLst>
               <a:ext uri="{FF2B5EF4-FFF2-40B4-BE49-F238E27FC236}">
-                <a16:creationId xmlns="" xmlns:a16="http://schemas.microsoft.com/office/drawing/2014/main" id="{9374B7AA-189F-4285-A09F-5FEFDB0385E8}"/>
+                <a16:creationId xmlns:a16="http://schemas.microsoft.com/office/drawing/2014/main" xmlns="" id="{9374B7AA-189F-4285-A09F-5FEFDB0385E8}"/>
               </a:ext>
             </a:extLst>
           </p:cNvPr>
@@ -3093,7 +3093,7 @@
           <p:cNvPr id="6" name="TextBox 5">
             <a:extLst>
               <a:ext uri="{FF2B5EF4-FFF2-40B4-BE49-F238E27FC236}">
-                <a16:creationId xmlns="" xmlns:a16="http://schemas.microsoft.com/office/drawing/2014/main" id="{0160EFF4-D0E4-4B57-9ABE-9B59EC33FB95}"/>
+                <a16:creationId xmlns:a16="http://schemas.microsoft.com/office/drawing/2014/main" xmlns="" id="{0160EFF4-D0E4-4B57-9ABE-9B59EC33FB95}"/>
               </a:ext>
             </a:extLst>
           </p:cNvPr>
@@ -3273,7 +3273,7 @@
     </p:spTree>
     <p:extLst>
       <p:ext uri="{BB962C8B-B14F-4D97-AF65-F5344CB8AC3E}">
-        <p14:creationId xmlns="" xmlns:p14="http://schemas.microsoft.com/office/powerpoint/2010/main" val="2221904889"/>
+        <p14:creationId xmlns:p14="http://schemas.microsoft.com/office/powerpoint/2010/main" xmlns="" val="2221904889"/>
       </p:ext>
     </p:extLst>
   </p:cSld>
@@ -3305,7 +3305,7 @@
           <p:cNvPr id="2" name="TextBox 1">
             <a:extLst>
               <a:ext uri="{FF2B5EF4-FFF2-40B4-BE49-F238E27FC236}">
-                <a16:creationId xmlns="" xmlns:a16="http://schemas.microsoft.com/office/drawing/2014/main" id="{D064B8B6-D904-458D-AD49-1F72E97F5E9D}"/>
+                <a16:creationId xmlns:a16="http://schemas.microsoft.com/office/drawing/2014/main" xmlns="" id="{D064B8B6-D904-458D-AD49-1F72E97F5E9D}"/>
               </a:ext>
             </a:extLst>
           </p:cNvPr>
@@ -3347,7 +3347,7 @@
           <p:cNvPr id="3" name="직사각형 2">
             <a:extLst>
               <a:ext uri="{FF2B5EF4-FFF2-40B4-BE49-F238E27FC236}">
-                <a16:creationId xmlns="" xmlns:a16="http://schemas.microsoft.com/office/drawing/2014/main" id="{99FAF754-B4BC-432A-837F-432597B71729}"/>
+                <a16:creationId xmlns:a16="http://schemas.microsoft.com/office/drawing/2014/main" xmlns="" id="{99FAF754-B4BC-432A-837F-432597B71729}"/>
               </a:ext>
             </a:extLst>
           </p:cNvPr>
@@ -3418,7 +3418,7 @@
           <p:cNvPr id="8" name="직사각형 7">
             <a:extLst>
               <a:ext uri="{FF2B5EF4-FFF2-40B4-BE49-F238E27FC236}">
-                <a16:creationId xmlns="" xmlns:a16="http://schemas.microsoft.com/office/drawing/2014/main" id="{2D4FD220-A575-490D-91AD-62C8CF51B637}"/>
+                <a16:creationId xmlns:a16="http://schemas.microsoft.com/office/drawing/2014/main" xmlns="" id="{2D4FD220-A575-490D-91AD-62C8CF51B637}"/>
               </a:ext>
             </a:extLst>
           </p:cNvPr>
@@ -3489,7 +3489,7 @@
           <p:cNvPr id="9" name="직사각형 8">
             <a:extLst>
               <a:ext uri="{FF2B5EF4-FFF2-40B4-BE49-F238E27FC236}">
-                <a16:creationId xmlns="" xmlns:a16="http://schemas.microsoft.com/office/drawing/2014/main" id="{3DB692EA-E9FD-421F-B296-48DC0D5A8784}"/>
+                <a16:creationId xmlns:a16="http://schemas.microsoft.com/office/drawing/2014/main" xmlns="" id="{3DB692EA-E9FD-421F-B296-48DC0D5A8784}"/>
               </a:ext>
             </a:extLst>
           </p:cNvPr>
@@ -3567,7 +3567,7 @@
           <p:cNvPr id="10" name="직사각형 9">
             <a:extLst>
               <a:ext uri="{FF2B5EF4-FFF2-40B4-BE49-F238E27FC236}">
-                <a16:creationId xmlns="" xmlns:a16="http://schemas.microsoft.com/office/drawing/2014/main" id="{5265ABC7-3053-44F9-8C45-6A1A33067425}"/>
+                <a16:creationId xmlns:a16="http://schemas.microsoft.com/office/drawing/2014/main" xmlns="" id="{5265ABC7-3053-44F9-8C45-6A1A33067425}"/>
               </a:ext>
             </a:extLst>
           </p:cNvPr>
@@ -3658,7 +3658,7 @@
           <p:cNvPr id="12" name="직사각형 11">
             <a:extLst>
               <a:ext uri="{FF2B5EF4-FFF2-40B4-BE49-F238E27FC236}">
-                <a16:creationId xmlns="" xmlns:a16="http://schemas.microsoft.com/office/drawing/2014/main" id="{6C642EC5-5747-4A71-8AD7-84D98850FDDD}"/>
+                <a16:creationId xmlns:a16="http://schemas.microsoft.com/office/drawing/2014/main" xmlns="" id="{6C642EC5-5747-4A71-8AD7-84D98850FDDD}"/>
               </a:ext>
             </a:extLst>
           </p:cNvPr>
@@ -3726,7 +3726,7 @@
           <p:cNvPr id="13" name="직사각형 12">
             <a:extLst>
               <a:ext uri="{FF2B5EF4-FFF2-40B4-BE49-F238E27FC236}">
-                <a16:creationId xmlns="" xmlns:a16="http://schemas.microsoft.com/office/drawing/2014/main" id="{6701C698-CB94-4DCE-BE98-B40FD4126801}"/>
+                <a16:creationId xmlns:a16="http://schemas.microsoft.com/office/drawing/2014/main" xmlns="" id="{6701C698-CB94-4DCE-BE98-B40FD4126801}"/>
               </a:ext>
             </a:extLst>
           </p:cNvPr>
@@ -3797,7 +3797,7 @@
           <p:cNvPr id="14" name="직사각형 13">
             <a:extLst>
               <a:ext uri="{FF2B5EF4-FFF2-40B4-BE49-F238E27FC236}">
-                <a16:creationId xmlns="" xmlns:a16="http://schemas.microsoft.com/office/drawing/2014/main" id="{289FC84F-A1A9-4352-9986-B557DD857895}"/>
+                <a16:creationId xmlns:a16="http://schemas.microsoft.com/office/drawing/2014/main" xmlns="" id="{289FC84F-A1A9-4352-9986-B557DD857895}"/>
               </a:ext>
             </a:extLst>
           </p:cNvPr>
@@ -3869,7 +3869,7 @@
           <p:cNvPr id="21" name="직선 화살표 연결선 20">
             <a:extLst>
               <a:ext uri="{FF2B5EF4-FFF2-40B4-BE49-F238E27FC236}">
-                <a16:creationId xmlns="" xmlns:a16="http://schemas.microsoft.com/office/drawing/2014/main" id="{718589C5-D047-466E-89E6-290857963614}"/>
+                <a16:creationId xmlns:a16="http://schemas.microsoft.com/office/drawing/2014/main" xmlns="" id="{718589C5-D047-466E-89E6-290857963614}"/>
               </a:ext>
             </a:extLst>
           </p:cNvPr>
@@ -3915,7 +3915,7 @@
           <p:cNvPr id="25" name="직선 화살표 연결선 24">
             <a:extLst>
               <a:ext uri="{FF2B5EF4-FFF2-40B4-BE49-F238E27FC236}">
-                <a16:creationId xmlns="" xmlns:a16="http://schemas.microsoft.com/office/drawing/2014/main" id="{81173D20-A477-4372-8215-B161833BD3A6}"/>
+                <a16:creationId xmlns:a16="http://schemas.microsoft.com/office/drawing/2014/main" xmlns="" id="{81173D20-A477-4372-8215-B161833BD3A6}"/>
               </a:ext>
             </a:extLst>
           </p:cNvPr>
@@ -3962,7 +3962,7 @@
           <p:cNvPr id="28" name="직선 화살표 연결선 27">
             <a:extLst>
               <a:ext uri="{FF2B5EF4-FFF2-40B4-BE49-F238E27FC236}">
-                <a16:creationId xmlns="" xmlns:a16="http://schemas.microsoft.com/office/drawing/2014/main" id="{2FC1DCDB-B04F-4581-AB1A-3A3A823B9BE9}"/>
+                <a16:creationId xmlns:a16="http://schemas.microsoft.com/office/drawing/2014/main" xmlns="" id="{2FC1DCDB-B04F-4581-AB1A-3A3A823B9BE9}"/>
               </a:ext>
             </a:extLst>
           </p:cNvPr>
@@ -4009,7 +4009,7 @@
           <p:cNvPr id="31" name="직선 화살표 연결선 30">
             <a:extLst>
               <a:ext uri="{FF2B5EF4-FFF2-40B4-BE49-F238E27FC236}">
-                <a16:creationId xmlns="" xmlns:a16="http://schemas.microsoft.com/office/drawing/2014/main" id="{F7DBD45C-A386-4C4D-A94F-C56D145F09CB}"/>
+                <a16:creationId xmlns:a16="http://schemas.microsoft.com/office/drawing/2014/main" xmlns="" id="{F7DBD45C-A386-4C4D-A94F-C56D145F09CB}"/>
               </a:ext>
             </a:extLst>
           </p:cNvPr>
@@ -4056,7 +4056,7 @@
           <p:cNvPr id="37" name="직선 화살표 연결선 36">
             <a:extLst>
               <a:ext uri="{FF2B5EF4-FFF2-40B4-BE49-F238E27FC236}">
-                <a16:creationId xmlns="" xmlns:a16="http://schemas.microsoft.com/office/drawing/2014/main" id="{CB8D4502-2604-4D11-B6D8-424AE1D9F65D}"/>
+                <a16:creationId xmlns:a16="http://schemas.microsoft.com/office/drawing/2014/main" xmlns="" id="{CB8D4502-2604-4D11-B6D8-424AE1D9F65D}"/>
               </a:ext>
             </a:extLst>
           </p:cNvPr>
@@ -4103,7 +4103,7 @@
           <p:cNvPr id="39" name="직선 화살표 연결선 38">
             <a:extLst>
               <a:ext uri="{FF2B5EF4-FFF2-40B4-BE49-F238E27FC236}">
-                <a16:creationId xmlns="" xmlns:a16="http://schemas.microsoft.com/office/drawing/2014/main" id="{D20CE891-F094-43B7-99EC-FF92DE08F2E7}"/>
+                <a16:creationId xmlns:a16="http://schemas.microsoft.com/office/drawing/2014/main" xmlns="" id="{D20CE891-F094-43B7-99EC-FF92DE08F2E7}"/>
               </a:ext>
             </a:extLst>
           </p:cNvPr>
@@ -4150,7 +4150,7 @@
           <p:cNvPr id="56" name="직사각형 55">
             <a:extLst>
               <a:ext uri="{FF2B5EF4-FFF2-40B4-BE49-F238E27FC236}">
-                <a16:creationId xmlns="" xmlns:a16="http://schemas.microsoft.com/office/drawing/2014/main" id="{F89E671B-8BE7-4143-8225-2C0E515530DA}"/>
+                <a16:creationId xmlns:a16="http://schemas.microsoft.com/office/drawing/2014/main" xmlns="" id="{F89E671B-8BE7-4143-8225-2C0E515530DA}"/>
               </a:ext>
             </a:extLst>
           </p:cNvPr>
@@ -4222,7 +4222,7 @@
           <p:cNvPr id="57" name="직사각형 56">
             <a:extLst>
               <a:ext uri="{FF2B5EF4-FFF2-40B4-BE49-F238E27FC236}">
-                <a16:creationId xmlns="" xmlns:a16="http://schemas.microsoft.com/office/drawing/2014/main" id="{32A7F4AD-C634-4B0C-868A-EC703577CE09}"/>
+                <a16:creationId xmlns:a16="http://schemas.microsoft.com/office/drawing/2014/main" xmlns="" id="{32A7F4AD-C634-4B0C-868A-EC703577CE09}"/>
               </a:ext>
             </a:extLst>
           </p:cNvPr>
@@ -4294,7 +4294,7 @@
           <p:cNvPr id="58" name="직사각형 57">
             <a:extLst>
               <a:ext uri="{FF2B5EF4-FFF2-40B4-BE49-F238E27FC236}">
-                <a16:creationId xmlns="" xmlns:a16="http://schemas.microsoft.com/office/drawing/2014/main" id="{5F36A5FE-E217-449C-B093-21117195B99E}"/>
+                <a16:creationId xmlns:a16="http://schemas.microsoft.com/office/drawing/2014/main" xmlns="" id="{5F36A5FE-E217-449C-B093-21117195B99E}"/>
               </a:ext>
             </a:extLst>
           </p:cNvPr>
@@ -4373,7 +4373,7 @@
           <p:cNvPr id="59" name="직사각형 58">
             <a:extLst>
               <a:ext uri="{FF2B5EF4-FFF2-40B4-BE49-F238E27FC236}">
-                <a16:creationId xmlns="" xmlns:a16="http://schemas.microsoft.com/office/drawing/2014/main" id="{9E62AD77-2F65-430D-94B9-107AE6889B46}"/>
+                <a16:creationId xmlns:a16="http://schemas.microsoft.com/office/drawing/2014/main" xmlns="" id="{9E62AD77-2F65-430D-94B9-107AE6889B46}"/>
               </a:ext>
             </a:extLst>
           </p:cNvPr>
@@ -4462,7 +4462,7 @@
           <p:cNvPr id="60" name="직선 화살표 연결선 59">
             <a:extLst>
               <a:ext uri="{FF2B5EF4-FFF2-40B4-BE49-F238E27FC236}">
-                <a16:creationId xmlns="" xmlns:a16="http://schemas.microsoft.com/office/drawing/2014/main" id="{D80358EB-9E1E-4662-AF62-918453A10D18}"/>
+                <a16:creationId xmlns:a16="http://schemas.microsoft.com/office/drawing/2014/main" xmlns="" id="{D80358EB-9E1E-4662-AF62-918453A10D18}"/>
               </a:ext>
             </a:extLst>
           </p:cNvPr>
@@ -4509,7 +4509,7 @@
           <p:cNvPr id="63" name="직선 화살표 연결선 62">
             <a:extLst>
               <a:ext uri="{FF2B5EF4-FFF2-40B4-BE49-F238E27FC236}">
-                <a16:creationId xmlns="" xmlns:a16="http://schemas.microsoft.com/office/drawing/2014/main" id="{FBDE1DCB-DD30-4158-BC2B-331F9564C0EC}"/>
+                <a16:creationId xmlns:a16="http://schemas.microsoft.com/office/drawing/2014/main" xmlns="" id="{FBDE1DCB-DD30-4158-BC2B-331F9564C0EC}"/>
               </a:ext>
             </a:extLst>
           </p:cNvPr>
@@ -4556,7 +4556,7 @@
           <p:cNvPr id="66" name="직선 화살표 연결선 65">
             <a:extLst>
               <a:ext uri="{FF2B5EF4-FFF2-40B4-BE49-F238E27FC236}">
-                <a16:creationId xmlns="" xmlns:a16="http://schemas.microsoft.com/office/drawing/2014/main" id="{6F197978-41CC-4DDA-8D32-C272057E625A}"/>
+                <a16:creationId xmlns:a16="http://schemas.microsoft.com/office/drawing/2014/main" xmlns="" id="{6F197978-41CC-4DDA-8D32-C272057E625A}"/>
               </a:ext>
             </a:extLst>
           </p:cNvPr>
@@ -4603,7 +4603,7 @@
           <p:cNvPr id="69" name="직선 화살표 연결선 68">
             <a:extLst>
               <a:ext uri="{FF2B5EF4-FFF2-40B4-BE49-F238E27FC236}">
-                <a16:creationId xmlns="" xmlns:a16="http://schemas.microsoft.com/office/drawing/2014/main" id="{5633B058-DA9D-438C-B918-956351C1EC05}"/>
+                <a16:creationId xmlns:a16="http://schemas.microsoft.com/office/drawing/2014/main" xmlns="" id="{5633B058-DA9D-438C-B918-956351C1EC05}"/>
               </a:ext>
             </a:extLst>
           </p:cNvPr>
@@ -4650,7 +4650,7 @@
           <p:cNvPr id="72" name="직사각형 71">
             <a:extLst>
               <a:ext uri="{FF2B5EF4-FFF2-40B4-BE49-F238E27FC236}">
-                <a16:creationId xmlns="" xmlns:a16="http://schemas.microsoft.com/office/drawing/2014/main" id="{5054029D-5527-4E35-8C0B-00191575C9C2}"/>
+                <a16:creationId xmlns:a16="http://schemas.microsoft.com/office/drawing/2014/main" xmlns="" id="{5054029D-5527-4E35-8C0B-00191575C9C2}"/>
               </a:ext>
             </a:extLst>
           </p:cNvPr>
@@ -4722,7 +4722,7 @@
           <p:cNvPr id="73" name="직사각형 72">
             <a:extLst>
               <a:ext uri="{FF2B5EF4-FFF2-40B4-BE49-F238E27FC236}">
-                <a16:creationId xmlns="" xmlns:a16="http://schemas.microsoft.com/office/drawing/2014/main" id="{36BA1A80-115F-495F-92F6-122526F3160D}"/>
+                <a16:creationId xmlns:a16="http://schemas.microsoft.com/office/drawing/2014/main" xmlns="" id="{36BA1A80-115F-495F-92F6-122526F3160D}"/>
               </a:ext>
             </a:extLst>
           </p:cNvPr>
@@ -4794,7 +4794,7 @@
           <p:cNvPr id="74" name="직선 화살표 연결선 73">
             <a:extLst>
               <a:ext uri="{FF2B5EF4-FFF2-40B4-BE49-F238E27FC236}">
-                <a16:creationId xmlns="" xmlns:a16="http://schemas.microsoft.com/office/drawing/2014/main" id="{C9D71470-6397-4462-9CD7-3342A408F653}"/>
+                <a16:creationId xmlns:a16="http://schemas.microsoft.com/office/drawing/2014/main" xmlns="" id="{C9D71470-6397-4462-9CD7-3342A408F653}"/>
               </a:ext>
             </a:extLst>
           </p:cNvPr>
@@ -4841,7 +4841,7 @@
           <p:cNvPr id="77" name="직선 화살표 연결선 76">
             <a:extLst>
               <a:ext uri="{FF2B5EF4-FFF2-40B4-BE49-F238E27FC236}">
-                <a16:creationId xmlns="" xmlns:a16="http://schemas.microsoft.com/office/drawing/2014/main" id="{1AB1D632-40F9-4BE5-926A-9BAF602EFD27}"/>
+                <a16:creationId xmlns:a16="http://schemas.microsoft.com/office/drawing/2014/main" xmlns="" id="{1AB1D632-40F9-4BE5-926A-9BAF602EFD27}"/>
               </a:ext>
             </a:extLst>
           </p:cNvPr>
@@ -4886,7 +4886,7 @@
     </p:spTree>
     <p:extLst>
       <p:ext uri="{BB962C8B-B14F-4D97-AF65-F5344CB8AC3E}">
-        <p14:creationId xmlns="" xmlns:p14="http://schemas.microsoft.com/office/powerpoint/2010/main" val="2062751274"/>
+        <p14:creationId xmlns:p14="http://schemas.microsoft.com/office/powerpoint/2010/main" xmlns="" val="2062751274"/>
       </p:ext>
     </p:extLst>
   </p:cSld>
@@ -4922,7 +4922,7 @@
           <p:nvPr>
             <p:extLst>
               <p:ext uri="{D42A27DB-BD31-4B8C-83A1-F6EECF244321}">
-                <p14:modId xmlns="" xmlns:p14="http://schemas.microsoft.com/office/powerpoint/2010/main" val="800116294"/>
+                <p14:modId xmlns:p14="http://schemas.microsoft.com/office/powerpoint/2010/main" xmlns="" val="800116294"/>
               </p:ext>
             </p:extLst>
           </p:nvPr>
@@ -4941,14 +4941,14 @@
                 <a:gridCol w="1277451">
                   <a:extLst>
                     <a:ext uri="{9D8B030D-6E8A-4147-A177-3AD203B41FA5}">
-                      <a16:colId xmlns="" xmlns:a16="http://schemas.microsoft.com/office/drawing/2014/main" val="3755282693"/>
+                      <a16:colId xmlns:a16="http://schemas.microsoft.com/office/drawing/2014/main" xmlns="" val="3755282693"/>
                     </a:ext>
                   </a:extLst>
                 </a:gridCol>
                 <a:gridCol w="2414016">
                   <a:extLst>
                     <a:ext uri="{9D8B030D-6E8A-4147-A177-3AD203B41FA5}">
-                      <a16:colId xmlns="" xmlns:a16="http://schemas.microsoft.com/office/drawing/2014/main" val="276504630"/>
+                      <a16:colId xmlns:a16="http://schemas.microsoft.com/office/drawing/2014/main" xmlns="" val="276504630"/>
                     </a:ext>
                   </a:extLst>
                 </a:gridCol>
@@ -5083,7 +5083,7 @@
                 </a:tc>
                 <a:extLst>
                   <a:ext uri="{0D108BD9-81ED-4DB2-BD59-A6C34878D82A}">
-                    <a16:rowId xmlns="" xmlns:a16="http://schemas.microsoft.com/office/drawing/2014/main" val="2659151920"/>
+                    <a16:rowId xmlns:a16="http://schemas.microsoft.com/office/drawing/2014/main" xmlns="" val="2659151920"/>
                   </a:ext>
                 </a:extLst>
               </a:tr>
@@ -5209,7 +5209,7 @@
                 </a:tc>
                 <a:extLst>
                   <a:ext uri="{0D108BD9-81ED-4DB2-BD59-A6C34878D82A}">
-                    <a16:rowId xmlns="" xmlns:a16="http://schemas.microsoft.com/office/drawing/2014/main" val="2965605005"/>
+                    <a16:rowId xmlns:a16="http://schemas.microsoft.com/office/drawing/2014/main" xmlns="" val="2965605005"/>
                   </a:ext>
                 </a:extLst>
               </a:tr>
@@ -5335,7 +5335,7 @@
                 </a:tc>
                 <a:extLst>
                   <a:ext uri="{0D108BD9-81ED-4DB2-BD59-A6C34878D82A}">
-                    <a16:rowId xmlns="" xmlns:a16="http://schemas.microsoft.com/office/drawing/2014/main" val="1423130289"/>
+                    <a16:rowId xmlns:a16="http://schemas.microsoft.com/office/drawing/2014/main" xmlns="" val="1423130289"/>
                   </a:ext>
                 </a:extLst>
               </a:tr>
@@ -5461,7 +5461,7 @@
                 </a:tc>
                 <a:extLst>
                   <a:ext uri="{0D108BD9-81ED-4DB2-BD59-A6C34878D82A}">
-                    <a16:rowId xmlns="" xmlns:a16="http://schemas.microsoft.com/office/drawing/2014/main" val="2266055896"/>
+                    <a16:rowId xmlns:a16="http://schemas.microsoft.com/office/drawing/2014/main" xmlns="" val="2266055896"/>
                   </a:ext>
                 </a:extLst>
               </a:tr>
@@ -5478,7 +5478,7 @@
           <p:nvPr>
             <p:extLst>
               <p:ext uri="{D42A27DB-BD31-4B8C-83A1-F6EECF244321}">
-                <p14:modId xmlns="" xmlns:p14="http://schemas.microsoft.com/office/powerpoint/2010/main" val="1289806452"/>
+                <p14:modId xmlns:p14="http://schemas.microsoft.com/office/powerpoint/2010/main" xmlns="" val="1289806452"/>
               </p:ext>
             </p:extLst>
           </p:nvPr>
@@ -5497,14 +5497,14 @@
                 <a:gridCol w="409006">
                   <a:extLst>
                     <a:ext uri="{9D8B030D-6E8A-4147-A177-3AD203B41FA5}">
-                      <a16:colId xmlns="" xmlns:a16="http://schemas.microsoft.com/office/drawing/2014/main" val="3755282693"/>
+                      <a16:colId xmlns:a16="http://schemas.microsoft.com/office/drawing/2014/main" xmlns="" val="3755282693"/>
                     </a:ext>
                   </a:extLst>
                 </a:gridCol>
                 <a:gridCol w="3282461">
                   <a:extLst>
                     <a:ext uri="{9D8B030D-6E8A-4147-A177-3AD203B41FA5}">
-                      <a16:colId xmlns="" xmlns:a16="http://schemas.microsoft.com/office/drawing/2014/main" val="276504630"/>
+                      <a16:colId xmlns:a16="http://schemas.microsoft.com/office/drawing/2014/main" xmlns="" val="276504630"/>
                     </a:ext>
                   </a:extLst>
                 </a:gridCol>
@@ -5619,7 +5619,7 @@
                 </a:tc>
                 <a:extLst>
                   <a:ext uri="{0D108BD9-81ED-4DB2-BD59-A6C34878D82A}">
-                    <a16:rowId xmlns="" xmlns:a16="http://schemas.microsoft.com/office/drawing/2014/main" val="2659151920"/>
+                    <a16:rowId xmlns:a16="http://schemas.microsoft.com/office/drawing/2014/main" xmlns="" val="2659151920"/>
                   </a:ext>
                 </a:extLst>
               </a:tr>
@@ -5774,7 +5774,7 @@
                 </a:tc>
                 <a:extLst>
                   <a:ext uri="{0D108BD9-81ED-4DB2-BD59-A6C34878D82A}">
-                    <a16:rowId xmlns="" xmlns:a16="http://schemas.microsoft.com/office/drawing/2014/main" val="2965605005"/>
+                    <a16:rowId xmlns:a16="http://schemas.microsoft.com/office/drawing/2014/main" xmlns="" val="2965605005"/>
                   </a:ext>
                 </a:extLst>
               </a:tr>
@@ -5929,7 +5929,7 @@
                 </a:tc>
                 <a:extLst>
                   <a:ext uri="{0D108BD9-81ED-4DB2-BD59-A6C34878D82A}">
-                    <a16:rowId xmlns="" xmlns:a16="http://schemas.microsoft.com/office/drawing/2014/main" val="1423130289"/>
+                    <a16:rowId xmlns:a16="http://schemas.microsoft.com/office/drawing/2014/main" xmlns="" val="1423130289"/>
                   </a:ext>
                 </a:extLst>
               </a:tr>
@@ -6084,7 +6084,7 @@
                 </a:tc>
                 <a:extLst>
                   <a:ext uri="{0D108BD9-81ED-4DB2-BD59-A6C34878D82A}">
-                    <a16:rowId xmlns="" xmlns:a16="http://schemas.microsoft.com/office/drawing/2014/main" val="2266055896"/>
+                    <a16:rowId xmlns:a16="http://schemas.microsoft.com/office/drawing/2014/main" xmlns="" val="2266055896"/>
                   </a:ext>
                 </a:extLst>
               </a:tr>
@@ -6255,7 +6255,7 @@
                 </a:tc>
                 <a:extLst>
                   <a:ext uri="{0D108BD9-81ED-4DB2-BD59-A6C34878D82A}">
-                    <a16:rowId xmlns="" xmlns:a16="http://schemas.microsoft.com/office/drawing/2014/main" val="3843794568"/>
+                    <a16:rowId xmlns:a16="http://schemas.microsoft.com/office/drawing/2014/main" xmlns="" val="3843794568"/>
                   </a:ext>
                 </a:extLst>
               </a:tr>
@@ -6418,7 +6418,7 @@
                 </a:tc>
                 <a:extLst>
                   <a:ext uri="{0D108BD9-81ED-4DB2-BD59-A6C34878D82A}">
-                    <a16:rowId xmlns="" xmlns:a16="http://schemas.microsoft.com/office/drawing/2014/main" val="2414411094"/>
+                    <a16:rowId xmlns:a16="http://schemas.microsoft.com/office/drawing/2014/main" xmlns="" val="2414411094"/>
                   </a:ext>
                 </a:extLst>
               </a:tr>
@@ -6573,7 +6573,7 @@
                 </a:tc>
                 <a:extLst>
                   <a:ext uri="{0D108BD9-81ED-4DB2-BD59-A6C34878D82A}">
-                    <a16:rowId xmlns="" xmlns:a16="http://schemas.microsoft.com/office/drawing/2014/main" val="2875470382"/>
+                    <a16:rowId xmlns:a16="http://schemas.microsoft.com/office/drawing/2014/main" xmlns="" val="2875470382"/>
                   </a:ext>
                 </a:extLst>
               </a:tr>
@@ -6744,7 +6744,7 @@
                 </a:tc>
                 <a:extLst>
                   <a:ext uri="{0D108BD9-81ED-4DB2-BD59-A6C34878D82A}">
-                    <a16:rowId xmlns="" xmlns:a16="http://schemas.microsoft.com/office/drawing/2014/main" val="1898222468"/>
+                    <a16:rowId xmlns:a16="http://schemas.microsoft.com/office/drawing/2014/main" xmlns="" val="1898222468"/>
                   </a:ext>
                 </a:extLst>
               </a:tr>
@@ -6907,7 +6907,7 @@
                 </a:tc>
                 <a:extLst>
                   <a:ext uri="{0D108BD9-81ED-4DB2-BD59-A6C34878D82A}">
-                    <a16:rowId xmlns="" xmlns:a16="http://schemas.microsoft.com/office/drawing/2014/main" val="2850959680"/>
+                    <a16:rowId xmlns:a16="http://schemas.microsoft.com/office/drawing/2014/main" xmlns="" val="2850959680"/>
                   </a:ext>
                 </a:extLst>
               </a:tr>
@@ -7070,7 +7070,7 @@
                 </a:tc>
                 <a:extLst>
                   <a:ext uri="{0D108BD9-81ED-4DB2-BD59-A6C34878D82A}">
-                    <a16:rowId xmlns="" xmlns:a16="http://schemas.microsoft.com/office/drawing/2014/main" val="1928537006"/>
+                    <a16:rowId xmlns:a16="http://schemas.microsoft.com/office/drawing/2014/main" xmlns="" val="1928537006"/>
                   </a:ext>
                 </a:extLst>
               </a:tr>
@@ -7225,7 +7225,7 @@
                 </a:tc>
                 <a:extLst>
                   <a:ext uri="{0D108BD9-81ED-4DB2-BD59-A6C34878D82A}">
-                    <a16:rowId xmlns="" xmlns:a16="http://schemas.microsoft.com/office/drawing/2014/main" val="869553709"/>
+                    <a16:rowId xmlns:a16="http://schemas.microsoft.com/office/drawing/2014/main" xmlns="" val="869553709"/>
                   </a:ext>
                 </a:extLst>
               </a:tr>
@@ -7340,7 +7340,7 @@
                 </a:tc>
                 <a:extLst>
                   <a:ext uri="{0D108BD9-81ED-4DB2-BD59-A6C34878D82A}">
-                    <a16:rowId xmlns="" xmlns:a16="http://schemas.microsoft.com/office/drawing/2014/main" val="613171441"/>
+                    <a16:rowId xmlns:a16="http://schemas.microsoft.com/office/drawing/2014/main" xmlns="" val="613171441"/>
                   </a:ext>
                 </a:extLst>
               </a:tr>
@@ -7455,7 +7455,7 @@
                 </a:tc>
                 <a:extLst>
                   <a:ext uri="{0D108BD9-81ED-4DB2-BD59-A6C34878D82A}">
-                    <a16:rowId xmlns="" xmlns:a16="http://schemas.microsoft.com/office/drawing/2014/main" val="1084277171"/>
+                    <a16:rowId xmlns:a16="http://schemas.microsoft.com/office/drawing/2014/main" xmlns="" val="1084277171"/>
                   </a:ext>
                 </a:extLst>
               </a:tr>
@@ -7617,7 +7617,7 @@
     </p:spTree>
     <p:extLst>
       <p:ext uri="{BB962C8B-B14F-4D97-AF65-F5344CB8AC3E}">
-        <p14:creationId xmlns="" xmlns:p14="http://schemas.microsoft.com/office/powerpoint/2010/main" val="519251022"/>
+        <p14:creationId xmlns:p14="http://schemas.microsoft.com/office/powerpoint/2010/main" xmlns="" val="519251022"/>
       </p:ext>
     </p:extLst>
   </p:cSld>
@@ -7653,7 +7653,7 @@
           <p:nvPr>
             <p:extLst>
               <p:ext uri="{D42A27DB-BD31-4B8C-83A1-F6EECF244321}">
-                <p14:modId xmlns="" xmlns:p14="http://schemas.microsoft.com/office/powerpoint/2010/main" val="1986721440"/>
+                <p14:modId xmlns:p14="http://schemas.microsoft.com/office/powerpoint/2010/main" xmlns="" val="1986721440"/>
               </p:ext>
             </p:extLst>
           </p:nvPr>
@@ -7672,14 +7672,14 @@
                 <a:gridCol w="1277451">
                   <a:extLst>
                     <a:ext uri="{9D8B030D-6E8A-4147-A177-3AD203B41FA5}">
-                      <a16:colId xmlns="" xmlns:a16="http://schemas.microsoft.com/office/drawing/2014/main" val="3755282693"/>
+                      <a16:colId xmlns:a16="http://schemas.microsoft.com/office/drawing/2014/main" xmlns="" val="3755282693"/>
                     </a:ext>
                   </a:extLst>
                 </a:gridCol>
                 <a:gridCol w="2414016">
                   <a:extLst>
                     <a:ext uri="{9D8B030D-6E8A-4147-A177-3AD203B41FA5}">
-                      <a16:colId xmlns="" xmlns:a16="http://schemas.microsoft.com/office/drawing/2014/main" val="276504630"/>
+                      <a16:colId xmlns:a16="http://schemas.microsoft.com/office/drawing/2014/main" xmlns="" val="276504630"/>
                     </a:ext>
                   </a:extLst>
                 </a:gridCol>
@@ -7814,7 +7814,7 @@
                 </a:tc>
                 <a:extLst>
                   <a:ext uri="{0D108BD9-81ED-4DB2-BD59-A6C34878D82A}">
-                    <a16:rowId xmlns="" xmlns:a16="http://schemas.microsoft.com/office/drawing/2014/main" val="2659151920"/>
+                    <a16:rowId xmlns:a16="http://schemas.microsoft.com/office/drawing/2014/main" xmlns="" val="2659151920"/>
                   </a:ext>
                 </a:extLst>
               </a:tr>
@@ -7940,7 +7940,7 @@
                 </a:tc>
                 <a:extLst>
                   <a:ext uri="{0D108BD9-81ED-4DB2-BD59-A6C34878D82A}">
-                    <a16:rowId xmlns="" xmlns:a16="http://schemas.microsoft.com/office/drawing/2014/main" val="2965605005"/>
+                    <a16:rowId xmlns:a16="http://schemas.microsoft.com/office/drawing/2014/main" xmlns="" val="2965605005"/>
                   </a:ext>
                 </a:extLst>
               </a:tr>
@@ -8066,7 +8066,7 @@
                 </a:tc>
                 <a:extLst>
                   <a:ext uri="{0D108BD9-81ED-4DB2-BD59-A6C34878D82A}">
-                    <a16:rowId xmlns="" xmlns:a16="http://schemas.microsoft.com/office/drawing/2014/main" val="1423130289"/>
+                    <a16:rowId xmlns:a16="http://schemas.microsoft.com/office/drawing/2014/main" xmlns="" val="1423130289"/>
                   </a:ext>
                 </a:extLst>
               </a:tr>
@@ -8187,7 +8187,7 @@
                 </a:tc>
                 <a:extLst>
                   <a:ext uri="{0D108BD9-81ED-4DB2-BD59-A6C34878D82A}">
-                    <a16:rowId xmlns="" xmlns:a16="http://schemas.microsoft.com/office/drawing/2014/main" val="2266055896"/>
+                    <a16:rowId xmlns:a16="http://schemas.microsoft.com/office/drawing/2014/main" xmlns="" val="2266055896"/>
                   </a:ext>
                 </a:extLst>
               </a:tr>
@@ -8204,7 +8204,7 @@
           <p:nvPr>
             <p:extLst>
               <p:ext uri="{D42A27DB-BD31-4B8C-83A1-F6EECF244321}">
-                <p14:modId xmlns="" xmlns:p14="http://schemas.microsoft.com/office/powerpoint/2010/main" val="3546774472"/>
+                <p14:modId xmlns:p14="http://schemas.microsoft.com/office/powerpoint/2010/main" xmlns="" val="3546774472"/>
               </p:ext>
             </p:extLst>
           </p:nvPr>
@@ -8223,21 +8223,21 @@
                 <a:gridCol w="409006">
                   <a:extLst>
                     <a:ext uri="{9D8B030D-6E8A-4147-A177-3AD203B41FA5}">
-                      <a16:colId xmlns="" xmlns:a16="http://schemas.microsoft.com/office/drawing/2014/main" val="3755282693"/>
+                      <a16:colId xmlns:a16="http://schemas.microsoft.com/office/drawing/2014/main" xmlns="" val="3755282693"/>
                     </a:ext>
                   </a:extLst>
                 </a:gridCol>
                 <a:gridCol w="475762">
                   <a:extLst>
                     <a:ext uri="{9D8B030D-6E8A-4147-A177-3AD203B41FA5}">
-                      <a16:colId xmlns="" xmlns:a16="http://schemas.microsoft.com/office/drawing/2014/main" val="276504630"/>
+                      <a16:colId xmlns:a16="http://schemas.microsoft.com/office/drawing/2014/main" xmlns="" val="276504630"/>
                     </a:ext>
                   </a:extLst>
                 </a:gridCol>
                 <a:gridCol w="2806699">
                   <a:extLst>
                     <a:ext uri="{9D8B030D-6E8A-4147-A177-3AD203B41FA5}">
-                      <a16:colId xmlns="" xmlns:a16="http://schemas.microsoft.com/office/drawing/2014/main" val="1644896112"/>
+                      <a16:colId xmlns:a16="http://schemas.microsoft.com/office/drawing/2014/main" xmlns="" val="1644896112"/>
                     </a:ext>
                   </a:extLst>
                 </a:gridCol>
@@ -8407,7 +8407,7 @@
                 </a:tc>
                 <a:extLst>
                   <a:ext uri="{0D108BD9-81ED-4DB2-BD59-A6C34878D82A}">
-                    <a16:rowId xmlns="" xmlns:a16="http://schemas.microsoft.com/office/drawing/2014/main" val="2659151920"/>
+                    <a16:rowId xmlns:a16="http://schemas.microsoft.com/office/drawing/2014/main" xmlns="" val="2659151920"/>
                   </a:ext>
                 </a:extLst>
               </a:tr>
@@ -8594,7 +8594,7 @@
                 </a:tc>
                 <a:extLst>
                   <a:ext uri="{0D108BD9-81ED-4DB2-BD59-A6C34878D82A}">
-                    <a16:rowId xmlns="" xmlns:a16="http://schemas.microsoft.com/office/drawing/2014/main" val="2965605005"/>
+                    <a16:rowId xmlns:a16="http://schemas.microsoft.com/office/drawing/2014/main" xmlns="" val="2965605005"/>
                   </a:ext>
                 </a:extLst>
               </a:tr>
@@ -8794,7 +8794,7 @@
                 </a:tc>
                 <a:extLst>
                   <a:ext uri="{0D108BD9-81ED-4DB2-BD59-A6C34878D82A}">
-                    <a16:rowId xmlns="" xmlns:a16="http://schemas.microsoft.com/office/drawing/2014/main" val="1423130289"/>
+                    <a16:rowId xmlns:a16="http://schemas.microsoft.com/office/drawing/2014/main" xmlns="" val="1423130289"/>
                   </a:ext>
                 </a:extLst>
               </a:tr>
@@ -9010,7 +9010,7 @@
                 </a:tc>
                 <a:extLst>
                   <a:ext uri="{0D108BD9-81ED-4DB2-BD59-A6C34878D82A}">
-                    <a16:rowId xmlns="" xmlns:a16="http://schemas.microsoft.com/office/drawing/2014/main" val="2266055896"/>
+                    <a16:rowId xmlns:a16="http://schemas.microsoft.com/office/drawing/2014/main" xmlns="" val="2266055896"/>
                   </a:ext>
                 </a:extLst>
               </a:tr>
@@ -9210,7 +9210,7 @@
                 </a:tc>
                 <a:extLst>
                   <a:ext uri="{0D108BD9-81ED-4DB2-BD59-A6C34878D82A}">
-                    <a16:rowId xmlns="" xmlns:a16="http://schemas.microsoft.com/office/drawing/2014/main" val="3843794568"/>
+                    <a16:rowId xmlns:a16="http://schemas.microsoft.com/office/drawing/2014/main" xmlns="" val="3843794568"/>
                   </a:ext>
                 </a:extLst>
               </a:tr>
@@ -9418,7 +9418,7 @@
                 </a:tc>
                 <a:extLst>
                   <a:ext uri="{0D108BD9-81ED-4DB2-BD59-A6C34878D82A}">
-                    <a16:rowId xmlns="" xmlns:a16="http://schemas.microsoft.com/office/drawing/2014/main" val="2414411094"/>
+                    <a16:rowId xmlns:a16="http://schemas.microsoft.com/office/drawing/2014/main" xmlns="" val="2414411094"/>
                   </a:ext>
                 </a:extLst>
               </a:tr>
@@ -9626,7 +9626,7 @@
                 </a:tc>
                 <a:extLst>
                   <a:ext uri="{0D108BD9-81ED-4DB2-BD59-A6C34878D82A}">
-                    <a16:rowId xmlns="" xmlns:a16="http://schemas.microsoft.com/office/drawing/2014/main" val="2875470382"/>
+                    <a16:rowId xmlns:a16="http://schemas.microsoft.com/office/drawing/2014/main" xmlns="" val="2875470382"/>
                   </a:ext>
                 </a:extLst>
               </a:tr>
@@ -9842,7 +9842,7 @@
                 </a:tc>
                 <a:extLst>
                   <a:ext uri="{0D108BD9-81ED-4DB2-BD59-A6C34878D82A}">
-                    <a16:rowId xmlns="" xmlns:a16="http://schemas.microsoft.com/office/drawing/2014/main" val="1898222468"/>
+                    <a16:rowId xmlns:a16="http://schemas.microsoft.com/office/drawing/2014/main" xmlns="" val="1898222468"/>
                   </a:ext>
                 </a:extLst>
               </a:tr>
@@ -10010,7 +10010,7 @@
                 </a:tc>
                 <a:extLst>
                   <a:ext uri="{0D108BD9-81ED-4DB2-BD59-A6C34878D82A}">
-                    <a16:rowId xmlns="" xmlns:a16="http://schemas.microsoft.com/office/drawing/2014/main" val="2850959680"/>
+                    <a16:rowId xmlns:a16="http://schemas.microsoft.com/office/drawing/2014/main" xmlns="" val="2850959680"/>
                   </a:ext>
                 </a:extLst>
               </a:tr>
@@ -10183,7 +10183,7 @@
                 </a:tc>
                 <a:extLst>
                   <a:ext uri="{0D108BD9-81ED-4DB2-BD59-A6C34878D82A}">
-                    <a16:rowId xmlns="" xmlns:a16="http://schemas.microsoft.com/office/drawing/2014/main" val="1533416230"/>
+                    <a16:rowId xmlns:a16="http://schemas.microsoft.com/office/drawing/2014/main" xmlns="" val="1533416230"/>
                   </a:ext>
                 </a:extLst>
               </a:tr>
@@ -10352,7 +10352,7 @@
                 </a:tc>
                 <a:extLst>
                   <a:ext uri="{0D108BD9-81ED-4DB2-BD59-A6C34878D82A}">
-                    <a16:rowId xmlns="" xmlns:a16="http://schemas.microsoft.com/office/drawing/2014/main" val="1776258069"/>
+                    <a16:rowId xmlns:a16="http://schemas.microsoft.com/office/drawing/2014/main" xmlns="" val="1776258069"/>
                   </a:ext>
                 </a:extLst>
               </a:tr>
@@ -10521,7 +10521,7 @@
                 </a:tc>
                 <a:extLst>
                   <a:ext uri="{0D108BD9-81ED-4DB2-BD59-A6C34878D82A}">
-                    <a16:rowId xmlns="" xmlns:a16="http://schemas.microsoft.com/office/drawing/2014/main" val="2054699763"/>
+                    <a16:rowId xmlns:a16="http://schemas.microsoft.com/office/drawing/2014/main" xmlns="" val="2054699763"/>
                   </a:ext>
                 </a:extLst>
               </a:tr>
@@ -10690,7 +10690,7 @@
                 </a:tc>
                 <a:extLst>
                   <a:ext uri="{0D108BD9-81ED-4DB2-BD59-A6C34878D82A}">
-                    <a16:rowId xmlns="" xmlns:a16="http://schemas.microsoft.com/office/drawing/2014/main" val="792755357"/>
+                    <a16:rowId xmlns:a16="http://schemas.microsoft.com/office/drawing/2014/main" xmlns="" val="792755357"/>
                   </a:ext>
                 </a:extLst>
               </a:tr>
@@ -10786,7 +10786,7 @@
     </p:spTree>
     <p:extLst>
       <p:ext uri="{BB962C8B-B14F-4D97-AF65-F5344CB8AC3E}">
-        <p14:creationId xmlns="" xmlns:p14="http://schemas.microsoft.com/office/powerpoint/2010/main" val="2682718429"/>
+        <p14:creationId xmlns:p14="http://schemas.microsoft.com/office/powerpoint/2010/main" xmlns="" val="2682718429"/>
       </p:ext>
     </p:extLst>
   </p:cSld>
@@ -10822,7 +10822,7 @@
           <p:nvPr>
             <p:extLst>
               <p:ext uri="{D42A27DB-BD31-4B8C-83A1-F6EECF244321}">
-                <p14:modId xmlns="" xmlns:p14="http://schemas.microsoft.com/office/powerpoint/2010/main" val="788526585"/>
+                <p14:modId xmlns:p14="http://schemas.microsoft.com/office/powerpoint/2010/main" xmlns="" val="788526585"/>
               </p:ext>
             </p:extLst>
           </p:nvPr>
@@ -10841,14 +10841,14 @@
                 <a:gridCol w="1277451">
                   <a:extLst>
                     <a:ext uri="{9D8B030D-6E8A-4147-A177-3AD203B41FA5}">
-                      <a16:colId xmlns="" xmlns:a16="http://schemas.microsoft.com/office/drawing/2014/main" val="3755282693"/>
+                      <a16:colId xmlns:a16="http://schemas.microsoft.com/office/drawing/2014/main" xmlns="" val="3755282693"/>
                     </a:ext>
                   </a:extLst>
                 </a:gridCol>
                 <a:gridCol w="2414016">
                   <a:extLst>
                     <a:ext uri="{9D8B030D-6E8A-4147-A177-3AD203B41FA5}">
-                      <a16:colId xmlns="" xmlns:a16="http://schemas.microsoft.com/office/drawing/2014/main" val="276504630"/>
+                      <a16:colId xmlns:a16="http://schemas.microsoft.com/office/drawing/2014/main" xmlns="" val="276504630"/>
                     </a:ext>
                   </a:extLst>
                 </a:gridCol>
@@ -10983,7 +10983,7 @@
                 </a:tc>
                 <a:extLst>
                   <a:ext uri="{0D108BD9-81ED-4DB2-BD59-A6C34878D82A}">
-                    <a16:rowId xmlns="" xmlns:a16="http://schemas.microsoft.com/office/drawing/2014/main" val="2659151920"/>
+                    <a16:rowId xmlns:a16="http://schemas.microsoft.com/office/drawing/2014/main" xmlns="" val="2659151920"/>
                   </a:ext>
                 </a:extLst>
               </a:tr>
@@ -11109,7 +11109,7 @@
                 </a:tc>
                 <a:extLst>
                   <a:ext uri="{0D108BD9-81ED-4DB2-BD59-A6C34878D82A}">
-                    <a16:rowId xmlns="" xmlns:a16="http://schemas.microsoft.com/office/drawing/2014/main" val="2965605005"/>
+                    <a16:rowId xmlns:a16="http://schemas.microsoft.com/office/drawing/2014/main" xmlns="" val="2965605005"/>
                   </a:ext>
                 </a:extLst>
               </a:tr>
@@ -11235,7 +11235,7 @@
                 </a:tc>
                 <a:extLst>
                   <a:ext uri="{0D108BD9-81ED-4DB2-BD59-A6C34878D82A}">
-                    <a16:rowId xmlns="" xmlns:a16="http://schemas.microsoft.com/office/drawing/2014/main" val="1423130289"/>
+                    <a16:rowId xmlns:a16="http://schemas.microsoft.com/office/drawing/2014/main" xmlns="" val="1423130289"/>
                   </a:ext>
                 </a:extLst>
               </a:tr>
@@ -11361,7 +11361,7 @@
                 </a:tc>
                 <a:extLst>
                   <a:ext uri="{0D108BD9-81ED-4DB2-BD59-A6C34878D82A}">
-                    <a16:rowId xmlns="" xmlns:a16="http://schemas.microsoft.com/office/drawing/2014/main" val="2266055896"/>
+                    <a16:rowId xmlns:a16="http://schemas.microsoft.com/office/drawing/2014/main" xmlns="" val="2266055896"/>
                   </a:ext>
                 </a:extLst>
               </a:tr>
@@ -11378,7 +11378,7 @@
           <p:nvPr>
             <p:extLst>
               <p:ext uri="{D42A27DB-BD31-4B8C-83A1-F6EECF244321}">
-                <p14:modId xmlns="" xmlns:p14="http://schemas.microsoft.com/office/powerpoint/2010/main" val="1047247137"/>
+                <p14:modId xmlns:p14="http://schemas.microsoft.com/office/powerpoint/2010/main" xmlns="" val="1047247137"/>
               </p:ext>
             </p:extLst>
           </p:nvPr>
@@ -11397,21 +11397,21 @@
                 <a:gridCol w="409006">
                   <a:extLst>
                     <a:ext uri="{9D8B030D-6E8A-4147-A177-3AD203B41FA5}">
-                      <a16:colId xmlns="" xmlns:a16="http://schemas.microsoft.com/office/drawing/2014/main" val="3755282693"/>
+                      <a16:colId xmlns:a16="http://schemas.microsoft.com/office/drawing/2014/main" xmlns="" val="3755282693"/>
                     </a:ext>
                   </a:extLst>
                 </a:gridCol>
                 <a:gridCol w="475762">
                   <a:extLst>
                     <a:ext uri="{9D8B030D-6E8A-4147-A177-3AD203B41FA5}">
-                      <a16:colId xmlns="" xmlns:a16="http://schemas.microsoft.com/office/drawing/2014/main" val="276504630"/>
+                      <a16:colId xmlns:a16="http://schemas.microsoft.com/office/drawing/2014/main" xmlns="" val="276504630"/>
                     </a:ext>
                   </a:extLst>
                 </a:gridCol>
                 <a:gridCol w="2806699">
                   <a:extLst>
                     <a:ext uri="{9D8B030D-6E8A-4147-A177-3AD203B41FA5}">
-                      <a16:colId xmlns="" xmlns:a16="http://schemas.microsoft.com/office/drawing/2014/main" val="1644896112"/>
+                      <a16:colId xmlns:a16="http://schemas.microsoft.com/office/drawing/2014/main" xmlns="" val="1644896112"/>
                     </a:ext>
                   </a:extLst>
                 </a:gridCol>
@@ -11581,7 +11581,7 @@
                 </a:tc>
                 <a:extLst>
                   <a:ext uri="{0D108BD9-81ED-4DB2-BD59-A6C34878D82A}">
-                    <a16:rowId xmlns="" xmlns:a16="http://schemas.microsoft.com/office/drawing/2014/main" val="2659151920"/>
+                    <a16:rowId xmlns:a16="http://schemas.microsoft.com/office/drawing/2014/main" xmlns="" val="2659151920"/>
                   </a:ext>
                 </a:extLst>
               </a:tr>
@@ -11773,7 +11773,7 @@
                 </a:tc>
                 <a:extLst>
                   <a:ext uri="{0D108BD9-81ED-4DB2-BD59-A6C34878D82A}">
-                    <a16:rowId xmlns="" xmlns:a16="http://schemas.microsoft.com/office/drawing/2014/main" val="2965605005"/>
+                    <a16:rowId xmlns:a16="http://schemas.microsoft.com/office/drawing/2014/main" xmlns="" val="2965605005"/>
                   </a:ext>
                 </a:extLst>
               </a:tr>
@@ -11957,7 +11957,7 @@
                 </a:tc>
                 <a:extLst>
                   <a:ext uri="{0D108BD9-81ED-4DB2-BD59-A6C34878D82A}">
-                    <a16:rowId xmlns="" xmlns:a16="http://schemas.microsoft.com/office/drawing/2014/main" val="1423130289"/>
+                    <a16:rowId xmlns:a16="http://schemas.microsoft.com/office/drawing/2014/main" xmlns="" val="1423130289"/>
                   </a:ext>
                 </a:extLst>
               </a:tr>
@@ -12109,22 +12109,6 @@
                             <a:schemeClr val="tx1"/>
                           </a:solidFill>
                         </a:rPr>
-                        <a:t>전화번호</a:t>
-                      </a:r>
-                      <a:r>
-                        <a:rPr lang="en-US" altLang="ko-KR" sz="1200" baseline="0" dirty="0" smtClean="0">
-                          <a:solidFill>
-                            <a:schemeClr val="tx1"/>
-                          </a:solidFill>
-                        </a:rPr>
-                        <a:t>, </a:t>
-                      </a:r>
-                      <a:r>
-                        <a:rPr lang="ko-KR" altLang="en-US" sz="1200" baseline="0" dirty="0" smtClean="0">
-                          <a:solidFill>
-                            <a:schemeClr val="tx1"/>
-                          </a:solidFill>
-                        </a:rPr>
                         <a:t>생년월일</a:t>
                       </a:r>
                       <a:r>
@@ -12245,7 +12229,7 @@
                 </a:tc>
                 <a:extLst>
                   <a:ext uri="{0D108BD9-81ED-4DB2-BD59-A6C34878D82A}">
-                    <a16:rowId xmlns="" xmlns:a16="http://schemas.microsoft.com/office/drawing/2014/main" val="2266055896"/>
+                    <a16:rowId xmlns:a16="http://schemas.microsoft.com/office/drawing/2014/main" xmlns="" val="2266055896"/>
                   </a:ext>
                 </a:extLst>
               </a:tr>
@@ -12464,7 +12448,7 @@
                 </a:tc>
                 <a:extLst>
                   <a:ext uri="{0D108BD9-81ED-4DB2-BD59-A6C34878D82A}">
-                    <a16:rowId xmlns="" xmlns:a16="http://schemas.microsoft.com/office/drawing/2014/main" val="3843794568"/>
+                    <a16:rowId xmlns:a16="http://schemas.microsoft.com/office/drawing/2014/main" xmlns="" val="3843794568"/>
                   </a:ext>
                 </a:extLst>
               </a:tr>
@@ -12683,7 +12667,7 @@
                 </a:tc>
                 <a:extLst>
                   <a:ext uri="{0D108BD9-81ED-4DB2-BD59-A6C34878D82A}">
-                    <a16:rowId xmlns="" xmlns:a16="http://schemas.microsoft.com/office/drawing/2014/main" val="2414411094"/>
+                    <a16:rowId xmlns:a16="http://schemas.microsoft.com/office/drawing/2014/main" xmlns="" val="2414411094"/>
                   </a:ext>
                 </a:extLst>
               </a:tr>
@@ -12867,7 +12851,7 @@
                 </a:tc>
                 <a:extLst>
                   <a:ext uri="{0D108BD9-81ED-4DB2-BD59-A6C34878D82A}">
-                    <a16:rowId xmlns="" xmlns:a16="http://schemas.microsoft.com/office/drawing/2014/main" val="2875470382"/>
+                    <a16:rowId xmlns:a16="http://schemas.microsoft.com/office/drawing/2014/main" xmlns="" val="2875470382"/>
                   </a:ext>
                 </a:extLst>
               </a:tr>
@@ -13051,7 +13035,7 @@
                 </a:tc>
                 <a:extLst>
                   <a:ext uri="{0D108BD9-81ED-4DB2-BD59-A6C34878D82A}">
-                    <a16:rowId xmlns="" xmlns:a16="http://schemas.microsoft.com/office/drawing/2014/main" val="1898222468"/>
+                    <a16:rowId xmlns:a16="http://schemas.microsoft.com/office/drawing/2014/main" xmlns="" val="1898222468"/>
                   </a:ext>
                 </a:extLst>
               </a:tr>
@@ -13235,7 +13219,7 @@
                 </a:tc>
                 <a:extLst>
                   <a:ext uri="{0D108BD9-81ED-4DB2-BD59-A6C34878D82A}">
-                    <a16:rowId xmlns="" xmlns:a16="http://schemas.microsoft.com/office/drawing/2014/main" val="2850959680"/>
+                    <a16:rowId xmlns:a16="http://schemas.microsoft.com/office/drawing/2014/main" xmlns="" val="2850959680"/>
                   </a:ext>
                 </a:extLst>
               </a:tr>
@@ -13408,7 +13392,7 @@
                 </a:tc>
                 <a:extLst>
                   <a:ext uri="{0D108BD9-81ED-4DB2-BD59-A6C34878D82A}">
-                    <a16:rowId xmlns="" xmlns:a16="http://schemas.microsoft.com/office/drawing/2014/main" val="1533416230"/>
+                    <a16:rowId xmlns:a16="http://schemas.microsoft.com/office/drawing/2014/main" xmlns="" val="1533416230"/>
                   </a:ext>
                 </a:extLst>
               </a:tr>
@@ -13577,7 +13561,7 @@
                 </a:tc>
                 <a:extLst>
                   <a:ext uri="{0D108BD9-81ED-4DB2-BD59-A6C34878D82A}">
-                    <a16:rowId xmlns="" xmlns:a16="http://schemas.microsoft.com/office/drawing/2014/main" val="1776258069"/>
+                    <a16:rowId xmlns:a16="http://schemas.microsoft.com/office/drawing/2014/main" xmlns="" val="1776258069"/>
                   </a:ext>
                 </a:extLst>
               </a:tr>
@@ -13746,7 +13730,7 @@
                 </a:tc>
                 <a:extLst>
                   <a:ext uri="{0D108BD9-81ED-4DB2-BD59-A6C34878D82A}">
-                    <a16:rowId xmlns="" xmlns:a16="http://schemas.microsoft.com/office/drawing/2014/main" val="2054699763"/>
+                    <a16:rowId xmlns:a16="http://schemas.microsoft.com/office/drawing/2014/main" xmlns="" val="2054699763"/>
                   </a:ext>
                 </a:extLst>
               </a:tr>
@@ -13915,7 +13899,7 @@
                 </a:tc>
                 <a:extLst>
                   <a:ext uri="{0D108BD9-81ED-4DB2-BD59-A6C34878D82A}">
-                    <a16:rowId xmlns="" xmlns:a16="http://schemas.microsoft.com/office/drawing/2014/main" val="792755357"/>
+                    <a16:rowId xmlns:a16="http://schemas.microsoft.com/office/drawing/2014/main" xmlns="" val="792755357"/>
                   </a:ext>
                 </a:extLst>
               </a:tr>
@@ -13925,42 +13909,105 @@
       </p:graphicFrame>
       <p:grpSp>
         <p:nvGrpSpPr>
-          <p:cNvPr id="9" name="그룹 8"/>
+          <p:cNvPr id="18" name="그룹 17"/>
           <p:cNvGrpSpPr/>
           <p:nvPr/>
         </p:nvGrpSpPr>
         <p:grpSpPr>
           <a:xfrm>
-            <a:off x="0" y="381000"/>
-            <a:ext cx="8496300" cy="6096000"/>
-            <a:chOff x="0" y="381000"/>
-            <a:chExt cx="8496300" cy="6096000"/>
+            <a:off x="0" y="367748"/>
+            <a:ext cx="8428382" cy="6096000"/>
+            <a:chOff x="0" y="367748"/>
+            <a:chExt cx="8428382" cy="6096000"/>
           </a:xfrm>
         </p:grpSpPr>
-        <p:pic>
-          <p:nvPicPr>
-            <p:cNvPr id="8" name="그림 7" descr="[아이티어] 회원가입.png"/>
-            <p:cNvPicPr>
-              <a:picLocks noChangeAspect="1"/>
-            </p:cNvPicPr>
+        <p:grpSp>
+          <p:nvGrpSpPr>
+            <p:cNvPr id="16" name="그룹 15"/>
+            <p:cNvGrpSpPr/>
             <p:nvPr/>
-          </p:nvPicPr>
-          <p:blipFill>
-            <a:blip r:embed="rId2"/>
-            <a:stretch>
-              <a:fillRect/>
-            </a:stretch>
-          </p:blipFill>
-          <p:spPr>
+          </p:nvGrpSpPr>
+          <p:grpSpPr>
             <a:xfrm>
-              <a:off x="0" y="381000"/>
-              <a:ext cx="8496300" cy="6096000"/>
+              <a:off x="0" y="367748"/>
+              <a:ext cx="8428382" cy="6096000"/>
+              <a:chOff x="0" y="367748"/>
+              <a:chExt cx="8428382" cy="6096000"/>
             </a:xfrm>
-            <a:prstGeom prst="rect">
-              <a:avLst/>
-            </a:prstGeom>
-          </p:spPr>
-        </p:pic>
+          </p:grpSpPr>
+          <p:pic>
+            <p:nvPicPr>
+              <p:cNvPr id="9" name="그림 8" descr="[아이티어] 회원가입.png"/>
+              <p:cNvPicPr>
+                <a:picLocks noChangeAspect="1"/>
+              </p:cNvPicPr>
+              <p:nvPr/>
+            </p:nvPicPr>
+            <p:blipFill>
+              <a:blip r:embed="rId2"/>
+              <a:stretch>
+                <a:fillRect/>
+              </a:stretch>
+            </p:blipFill>
+            <p:spPr>
+              <a:xfrm>
+                <a:off x="0" y="367748"/>
+                <a:ext cx="8428382" cy="6096000"/>
+              </a:xfrm>
+              <a:prstGeom prst="rect">
+                <a:avLst/>
+              </a:prstGeom>
+            </p:spPr>
+          </p:pic>
+          <p:sp>
+            <p:nvSpPr>
+              <p:cNvPr id="15" name="타원 14"/>
+              <p:cNvSpPr/>
+              <p:nvPr/>
+            </p:nvSpPr>
+            <p:spPr>
+              <a:xfrm>
+                <a:off x="4399721" y="4558750"/>
+                <a:ext cx="92764" cy="159026"/>
+              </a:xfrm>
+              <a:prstGeom prst="ellipse">
+                <a:avLst/>
+              </a:prstGeom>
+              <a:solidFill>
+                <a:schemeClr val="bg1"/>
+              </a:solidFill>
+              <a:ln>
+                <a:solidFill>
+                  <a:schemeClr val="bg1"/>
+                </a:solidFill>
+              </a:ln>
+            </p:spPr>
+            <p:style>
+              <a:lnRef idx="2">
+                <a:schemeClr val="accent1">
+                  <a:shade val="50000"/>
+                </a:schemeClr>
+              </a:lnRef>
+              <a:fillRef idx="1">
+                <a:schemeClr val="accent1"/>
+              </a:fillRef>
+              <a:effectRef idx="0">
+                <a:schemeClr val="accent1"/>
+              </a:effectRef>
+              <a:fontRef idx="minor">
+                <a:schemeClr val="lt1"/>
+              </a:fontRef>
+            </p:style>
+            <p:txBody>
+              <a:bodyPr rtlCol="0" anchor="ctr"/>
+              <a:lstStyle/>
+              <a:p>
+                <a:pPr algn="ctr"/>
+                <a:endParaRPr lang="ko-KR" altLang="en-US"/>
+              </a:p>
+            </p:txBody>
+          </p:sp>
+        </p:grpSp>
         <p:sp>
           <p:nvSpPr>
             <p:cNvPr id="11" name="타원 10"/>
@@ -13969,7 +14016,7 @@
           </p:nvSpPr>
           <p:spPr>
             <a:xfrm>
-              <a:off x="2728845" y="754270"/>
+              <a:off x="2703445" y="1033670"/>
               <a:ext cx="238538" cy="251794"/>
             </a:xfrm>
             <a:prstGeom prst="ellipse">
@@ -14106,7 +14153,7 @@
     </p:spTree>
     <p:extLst>
       <p:ext uri="{BB962C8B-B14F-4D97-AF65-F5344CB8AC3E}">
-        <p14:creationId xmlns="" xmlns:p14="http://schemas.microsoft.com/office/powerpoint/2010/main" val="1747788887"/>
+        <p14:creationId xmlns:p14="http://schemas.microsoft.com/office/powerpoint/2010/main" xmlns="" val="1747788887"/>
       </p:ext>
     </p:extLst>
   </p:cSld>
@@ -14142,7 +14189,7 @@
           <p:nvPr>
             <p:extLst>
               <p:ext uri="{D42A27DB-BD31-4B8C-83A1-F6EECF244321}">
-                <p14:modId xmlns="" xmlns:p14="http://schemas.microsoft.com/office/powerpoint/2010/main" val="788526585"/>
+                <p14:modId xmlns:p14="http://schemas.microsoft.com/office/powerpoint/2010/main" xmlns="" val="788526585"/>
               </p:ext>
             </p:extLst>
           </p:nvPr>
@@ -14161,14 +14208,14 @@
                 <a:gridCol w="1277451">
                   <a:extLst>
                     <a:ext uri="{9D8B030D-6E8A-4147-A177-3AD203B41FA5}">
-                      <a16:colId xmlns="" xmlns:a16="http://schemas.microsoft.com/office/drawing/2014/main" val="3755282693"/>
+                      <a16:colId xmlns:a16="http://schemas.microsoft.com/office/drawing/2014/main" xmlns="" val="3755282693"/>
                     </a:ext>
                   </a:extLst>
                 </a:gridCol>
                 <a:gridCol w="2414016">
                   <a:extLst>
                     <a:ext uri="{9D8B030D-6E8A-4147-A177-3AD203B41FA5}">
-                      <a16:colId xmlns="" xmlns:a16="http://schemas.microsoft.com/office/drawing/2014/main" val="276504630"/>
+                      <a16:colId xmlns:a16="http://schemas.microsoft.com/office/drawing/2014/main" xmlns="" val="276504630"/>
                     </a:ext>
                   </a:extLst>
                 </a:gridCol>
@@ -14303,7 +14350,7 @@
                 </a:tc>
                 <a:extLst>
                   <a:ext uri="{0D108BD9-81ED-4DB2-BD59-A6C34878D82A}">
-                    <a16:rowId xmlns="" xmlns:a16="http://schemas.microsoft.com/office/drawing/2014/main" val="2659151920"/>
+                    <a16:rowId xmlns:a16="http://schemas.microsoft.com/office/drawing/2014/main" xmlns="" val="2659151920"/>
                   </a:ext>
                 </a:extLst>
               </a:tr>
@@ -14429,7 +14476,7 @@
                 </a:tc>
                 <a:extLst>
                   <a:ext uri="{0D108BD9-81ED-4DB2-BD59-A6C34878D82A}">
-                    <a16:rowId xmlns="" xmlns:a16="http://schemas.microsoft.com/office/drawing/2014/main" val="2965605005"/>
+                    <a16:rowId xmlns:a16="http://schemas.microsoft.com/office/drawing/2014/main" xmlns="" val="2965605005"/>
                   </a:ext>
                 </a:extLst>
               </a:tr>
@@ -14571,7 +14618,7 @@
                 </a:tc>
                 <a:extLst>
                   <a:ext uri="{0D108BD9-81ED-4DB2-BD59-A6C34878D82A}">
-                    <a16:rowId xmlns="" xmlns:a16="http://schemas.microsoft.com/office/drawing/2014/main" val="1423130289"/>
+                    <a16:rowId xmlns:a16="http://schemas.microsoft.com/office/drawing/2014/main" xmlns="" val="1423130289"/>
                   </a:ext>
                 </a:extLst>
               </a:tr>
@@ -14697,7 +14744,7 @@
                 </a:tc>
                 <a:extLst>
                   <a:ext uri="{0D108BD9-81ED-4DB2-BD59-A6C34878D82A}">
-                    <a16:rowId xmlns="" xmlns:a16="http://schemas.microsoft.com/office/drawing/2014/main" val="2266055896"/>
+                    <a16:rowId xmlns:a16="http://schemas.microsoft.com/office/drawing/2014/main" xmlns="" val="2266055896"/>
                   </a:ext>
                 </a:extLst>
               </a:tr>
@@ -14714,7 +14761,7 @@
           <p:nvPr>
             <p:extLst>
               <p:ext uri="{D42A27DB-BD31-4B8C-83A1-F6EECF244321}">
-                <p14:modId xmlns="" xmlns:p14="http://schemas.microsoft.com/office/powerpoint/2010/main" val="1047247137"/>
+                <p14:modId xmlns:p14="http://schemas.microsoft.com/office/powerpoint/2010/main" xmlns="" val="1047247137"/>
               </p:ext>
             </p:extLst>
           </p:nvPr>
@@ -14733,21 +14780,21 @@
                 <a:gridCol w="409006">
                   <a:extLst>
                     <a:ext uri="{9D8B030D-6E8A-4147-A177-3AD203B41FA5}">
-                      <a16:colId xmlns="" xmlns:a16="http://schemas.microsoft.com/office/drawing/2014/main" val="3755282693"/>
+                      <a16:colId xmlns:a16="http://schemas.microsoft.com/office/drawing/2014/main" xmlns="" val="3755282693"/>
                     </a:ext>
                   </a:extLst>
                 </a:gridCol>
                 <a:gridCol w="475762">
                   <a:extLst>
                     <a:ext uri="{9D8B030D-6E8A-4147-A177-3AD203B41FA5}">
-                      <a16:colId xmlns="" xmlns:a16="http://schemas.microsoft.com/office/drawing/2014/main" val="276504630"/>
+                      <a16:colId xmlns:a16="http://schemas.microsoft.com/office/drawing/2014/main" xmlns="" val="276504630"/>
                     </a:ext>
                   </a:extLst>
                 </a:gridCol>
                 <a:gridCol w="2806699">
                   <a:extLst>
                     <a:ext uri="{9D8B030D-6E8A-4147-A177-3AD203B41FA5}">
-                      <a16:colId xmlns="" xmlns:a16="http://schemas.microsoft.com/office/drawing/2014/main" val="1644896112"/>
+                      <a16:colId xmlns:a16="http://schemas.microsoft.com/office/drawing/2014/main" xmlns="" val="1644896112"/>
                     </a:ext>
                   </a:extLst>
                 </a:gridCol>
@@ -14917,7 +14964,7 @@
                 </a:tc>
                 <a:extLst>
                   <a:ext uri="{0D108BD9-81ED-4DB2-BD59-A6C34878D82A}">
-                    <a16:rowId xmlns="" xmlns:a16="http://schemas.microsoft.com/office/drawing/2014/main" val="2659151920"/>
+                    <a16:rowId xmlns:a16="http://schemas.microsoft.com/office/drawing/2014/main" xmlns="" val="2659151920"/>
                   </a:ext>
                 </a:extLst>
               </a:tr>
@@ -15101,7 +15148,7 @@
                 </a:tc>
                 <a:extLst>
                   <a:ext uri="{0D108BD9-81ED-4DB2-BD59-A6C34878D82A}">
-                    <a16:rowId xmlns="" xmlns:a16="http://schemas.microsoft.com/office/drawing/2014/main" val="2965605005"/>
+                    <a16:rowId xmlns:a16="http://schemas.microsoft.com/office/drawing/2014/main" xmlns="" val="2965605005"/>
                   </a:ext>
                 </a:extLst>
               </a:tr>
@@ -15325,7 +15372,7 @@
                 </a:tc>
                 <a:extLst>
                   <a:ext uri="{0D108BD9-81ED-4DB2-BD59-A6C34878D82A}">
-                    <a16:rowId xmlns="" xmlns:a16="http://schemas.microsoft.com/office/drawing/2014/main" val="1423130289"/>
+                    <a16:rowId xmlns:a16="http://schemas.microsoft.com/office/drawing/2014/main" xmlns="" val="1423130289"/>
                   </a:ext>
                 </a:extLst>
               </a:tr>
@@ -15533,7 +15580,7 @@
                 </a:tc>
                 <a:extLst>
                   <a:ext uri="{0D108BD9-81ED-4DB2-BD59-A6C34878D82A}">
-                    <a16:rowId xmlns="" xmlns:a16="http://schemas.microsoft.com/office/drawing/2014/main" val="2266055896"/>
+                    <a16:rowId xmlns:a16="http://schemas.microsoft.com/office/drawing/2014/main" xmlns="" val="2266055896"/>
                   </a:ext>
                 </a:extLst>
               </a:tr>
@@ -15749,7 +15796,7 @@
                 </a:tc>
                 <a:extLst>
                   <a:ext uri="{0D108BD9-81ED-4DB2-BD59-A6C34878D82A}">
-                    <a16:rowId xmlns="" xmlns:a16="http://schemas.microsoft.com/office/drawing/2014/main" val="3843794568"/>
+                    <a16:rowId xmlns:a16="http://schemas.microsoft.com/office/drawing/2014/main" xmlns="" val="3843794568"/>
                   </a:ext>
                 </a:extLst>
               </a:tr>
@@ -15917,7 +15964,7 @@
                 </a:tc>
                 <a:extLst>
                   <a:ext uri="{0D108BD9-81ED-4DB2-BD59-A6C34878D82A}">
-                    <a16:rowId xmlns="" xmlns:a16="http://schemas.microsoft.com/office/drawing/2014/main" val="2414411094"/>
+                    <a16:rowId xmlns:a16="http://schemas.microsoft.com/office/drawing/2014/main" xmlns="" val="2414411094"/>
                   </a:ext>
                 </a:extLst>
               </a:tr>
@@ -16085,7 +16132,7 @@
                 </a:tc>
                 <a:extLst>
                   <a:ext uri="{0D108BD9-81ED-4DB2-BD59-A6C34878D82A}">
-                    <a16:rowId xmlns="" xmlns:a16="http://schemas.microsoft.com/office/drawing/2014/main" val="2875470382"/>
+                    <a16:rowId xmlns:a16="http://schemas.microsoft.com/office/drawing/2014/main" xmlns="" val="2875470382"/>
                   </a:ext>
                 </a:extLst>
               </a:tr>
@@ -16253,7 +16300,7 @@
                 </a:tc>
                 <a:extLst>
                   <a:ext uri="{0D108BD9-81ED-4DB2-BD59-A6C34878D82A}">
-                    <a16:rowId xmlns="" xmlns:a16="http://schemas.microsoft.com/office/drawing/2014/main" val="1898222468"/>
+                    <a16:rowId xmlns:a16="http://schemas.microsoft.com/office/drawing/2014/main" xmlns="" val="1898222468"/>
                   </a:ext>
                 </a:extLst>
               </a:tr>
@@ -16421,7 +16468,7 @@
                 </a:tc>
                 <a:extLst>
                   <a:ext uri="{0D108BD9-81ED-4DB2-BD59-A6C34878D82A}">
-                    <a16:rowId xmlns="" xmlns:a16="http://schemas.microsoft.com/office/drawing/2014/main" val="2850959680"/>
+                    <a16:rowId xmlns:a16="http://schemas.microsoft.com/office/drawing/2014/main" xmlns="" val="2850959680"/>
                   </a:ext>
                 </a:extLst>
               </a:tr>
@@ -16594,7 +16641,7 @@
                 </a:tc>
                 <a:extLst>
                   <a:ext uri="{0D108BD9-81ED-4DB2-BD59-A6C34878D82A}">
-                    <a16:rowId xmlns="" xmlns:a16="http://schemas.microsoft.com/office/drawing/2014/main" val="1533416230"/>
+                    <a16:rowId xmlns:a16="http://schemas.microsoft.com/office/drawing/2014/main" xmlns="" val="1533416230"/>
                   </a:ext>
                 </a:extLst>
               </a:tr>
@@ -16763,7 +16810,7 @@
                 </a:tc>
                 <a:extLst>
                   <a:ext uri="{0D108BD9-81ED-4DB2-BD59-A6C34878D82A}">
-                    <a16:rowId xmlns="" xmlns:a16="http://schemas.microsoft.com/office/drawing/2014/main" val="1776258069"/>
+                    <a16:rowId xmlns:a16="http://schemas.microsoft.com/office/drawing/2014/main" xmlns="" val="1776258069"/>
                   </a:ext>
                 </a:extLst>
               </a:tr>
@@ -16932,7 +16979,7 @@
                 </a:tc>
                 <a:extLst>
                   <a:ext uri="{0D108BD9-81ED-4DB2-BD59-A6C34878D82A}">
-                    <a16:rowId xmlns="" xmlns:a16="http://schemas.microsoft.com/office/drawing/2014/main" val="2054699763"/>
+                    <a16:rowId xmlns:a16="http://schemas.microsoft.com/office/drawing/2014/main" xmlns="" val="2054699763"/>
                   </a:ext>
                 </a:extLst>
               </a:tr>
@@ -17101,7 +17148,7 @@
                 </a:tc>
                 <a:extLst>
                   <a:ext uri="{0D108BD9-81ED-4DB2-BD59-A6C34878D82A}">
-                    <a16:rowId xmlns="" xmlns:a16="http://schemas.microsoft.com/office/drawing/2014/main" val="792755357"/>
+                    <a16:rowId xmlns:a16="http://schemas.microsoft.com/office/drawing/2014/main" xmlns="" val="792755357"/>
                   </a:ext>
                 </a:extLst>
               </a:tr>
@@ -17339,7 +17386,7 @@
     </p:spTree>
     <p:extLst>
       <p:ext uri="{BB962C8B-B14F-4D97-AF65-F5344CB8AC3E}">
-        <p14:creationId xmlns="" xmlns:p14="http://schemas.microsoft.com/office/powerpoint/2010/main" val="1747788887"/>
+        <p14:creationId xmlns:p14="http://schemas.microsoft.com/office/powerpoint/2010/main" xmlns="" val="1747788887"/>
       </p:ext>
     </p:extLst>
   </p:cSld>
@@ -17375,7 +17422,7 @@
           <p:nvPr>
             <p:extLst>
               <p:ext uri="{D42A27DB-BD31-4B8C-83A1-F6EECF244321}">
-                <p14:modId xmlns="" xmlns:p14="http://schemas.microsoft.com/office/powerpoint/2010/main" val="788526585"/>
+                <p14:modId xmlns:p14="http://schemas.microsoft.com/office/powerpoint/2010/main" xmlns="" val="788526585"/>
               </p:ext>
             </p:extLst>
           </p:nvPr>
@@ -17394,14 +17441,14 @@
                 <a:gridCol w="1277451">
                   <a:extLst>
                     <a:ext uri="{9D8B030D-6E8A-4147-A177-3AD203B41FA5}">
-                      <a16:colId xmlns="" xmlns:a16="http://schemas.microsoft.com/office/drawing/2014/main" val="3755282693"/>
+                      <a16:colId xmlns:a16="http://schemas.microsoft.com/office/drawing/2014/main" xmlns="" val="3755282693"/>
                     </a:ext>
                   </a:extLst>
                 </a:gridCol>
                 <a:gridCol w="2414016">
                   <a:extLst>
                     <a:ext uri="{9D8B030D-6E8A-4147-A177-3AD203B41FA5}">
-                      <a16:colId xmlns="" xmlns:a16="http://schemas.microsoft.com/office/drawing/2014/main" val="276504630"/>
+                      <a16:colId xmlns:a16="http://schemas.microsoft.com/office/drawing/2014/main" xmlns="" val="276504630"/>
                     </a:ext>
                   </a:extLst>
                 </a:gridCol>
@@ -17536,7 +17583,7 @@
                 </a:tc>
                 <a:extLst>
                   <a:ext uri="{0D108BD9-81ED-4DB2-BD59-A6C34878D82A}">
-                    <a16:rowId xmlns="" xmlns:a16="http://schemas.microsoft.com/office/drawing/2014/main" val="2659151920"/>
+                    <a16:rowId xmlns:a16="http://schemas.microsoft.com/office/drawing/2014/main" xmlns="" val="2659151920"/>
                   </a:ext>
                 </a:extLst>
               </a:tr>
@@ -17662,7 +17709,7 @@
                 </a:tc>
                 <a:extLst>
                   <a:ext uri="{0D108BD9-81ED-4DB2-BD59-A6C34878D82A}">
-                    <a16:rowId xmlns="" xmlns:a16="http://schemas.microsoft.com/office/drawing/2014/main" val="2965605005"/>
+                    <a16:rowId xmlns:a16="http://schemas.microsoft.com/office/drawing/2014/main" xmlns="" val="2965605005"/>
                   </a:ext>
                 </a:extLst>
               </a:tr>
@@ -17788,7 +17835,7 @@
                 </a:tc>
                 <a:extLst>
                   <a:ext uri="{0D108BD9-81ED-4DB2-BD59-A6C34878D82A}">
-                    <a16:rowId xmlns="" xmlns:a16="http://schemas.microsoft.com/office/drawing/2014/main" val="1423130289"/>
+                    <a16:rowId xmlns:a16="http://schemas.microsoft.com/office/drawing/2014/main" xmlns="" val="1423130289"/>
                   </a:ext>
                 </a:extLst>
               </a:tr>
@@ -17914,7 +17961,7 @@
                 </a:tc>
                 <a:extLst>
                   <a:ext uri="{0D108BD9-81ED-4DB2-BD59-A6C34878D82A}">
-                    <a16:rowId xmlns="" xmlns:a16="http://schemas.microsoft.com/office/drawing/2014/main" val="2266055896"/>
+                    <a16:rowId xmlns:a16="http://schemas.microsoft.com/office/drawing/2014/main" xmlns="" val="2266055896"/>
                   </a:ext>
                 </a:extLst>
               </a:tr>
@@ -17931,7 +17978,7 @@
           <p:nvPr>
             <p:extLst>
               <p:ext uri="{D42A27DB-BD31-4B8C-83A1-F6EECF244321}">
-                <p14:modId xmlns="" xmlns:p14="http://schemas.microsoft.com/office/powerpoint/2010/main" val="1047247137"/>
+                <p14:modId xmlns:p14="http://schemas.microsoft.com/office/powerpoint/2010/main" xmlns="" val="1047247137"/>
               </p:ext>
             </p:extLst>
           </p:nvPr>
@@ -17950,21 +17997,21 @@
                 <a:gridCol w="409006">
                   <a:extLst>
                     <a:ext uri="{9D8B030D-6E8A-4147-A177-3AD203B41FA5}">
-                      <a16:colId xmlns="" xmlns:a16="http://schemas.microsoft.com/office/drawing/2014/main" val="3755282693"/>
+                      <a16:colId xmlns:a16="http://schemas.microsoft.com/office/drawing/2014/main" xmlns="" val="3755282693"/>
                     </a:ext>
                   </a:extLst>
                 </a:gridCol>
                 <a:gridCol w="475762">
                   <a:extLst>
                     <a:ext uri="{9D8B030D-6E8A-4147-A177-3AD203B41FA5}">
-                      <a16:colId xmlns="" xmlns:a16="http://schemas.microsoft.com/office/drawing/2014/main" val="276504630"/>
+                      <a16:colId xmlns:a16="http://schemas.microsoft.com/office/drawing/2014/main" xmlns="" val="276504630"/>
                     </a:ext>
                   </a:extLst>
                 </a:gridCol>
                 <a:gridCol w="2806699">
                   <a:extLst>
                     <a:ext uri="{9D8B030D-6E8A-4147-A177-3AD203B41FA5}">
-                      <a16:colId xmlns="" xmlns:a16="http://schemas.microsoft.com/office/drawing/2014/main" val="1644896112"/>
+                      <a16:colId xmlns:a16="http://schemas.microsoft.com/office/drawing/2014/main" xmlns="" val="1644896112"/>
                     </a:ext>
                   </a:extLst>
                 </a:gridCol>
@@ -18134,7 +18181,7 @@
                 </a:tc>
                 <a:extLst>
                   <a:ext uri="{0D108BD9-81ED-4DB2-BD59-A6C34878D82A}">
-                    <a16:rowId xmlns="" xmlns:a16="http://schemas.microsoft.com/office/drawing/2014/main" val="2659151920"/>
+                    <a16:rowId xmlns:a16="http://schemas.microsoft.com/office/drawing/2014/main" xmlns="" val="2659151920"/>
                   </a:ext>
                 </a:extLst>
               </a:tr>
@@ -18272,6 +18319,11 @@
                         </a:rPr>
                         <a:t>.</a:t>
                       </a:r>
+                      <a:endParaRPr lang="en-US" altLang="ko-KR" sz="1200" dirty="0" smtClean="0">
+                        <a:solidFill>
+                          <a:schemeClr val="tx1"/>
+                        </a:solidFill>
+                      </a:endParaRPr>
                     </a:p>
                   </a:txBody>
                   <a:tcPr>
@@ -18369,7 +18421,7 @@
                 </a:tc>
                 <a:extLst>
                   <a:ext uri="{0D108BD9-81ED-4DB2-BD59-A6C34878D82A}">
-                    <a16:rowId xmlns="" xmlns:a16="http://schemas.microsoft.com/office/drawing/2014/main" val="2965605005"/>
+                    <a16:rowId xmlns:a16="http://schemas.microsoft.com/office/drawing/2014/main" xmlns="" val="2965605005"/>
                   </a:ext>
                 </a:extLst>
               </a:tr>
@@ -18553,7 +18605,7 @@
                 </a:tc>
                 <a:extLst>
                   <a:ext uri="{0D108BD9-81ED-4DB2-BD59-A6C34878D82A}">
-                    <a16:rowId xmlns="" xmlns:a16="http://schemas.microsoft.com/office/drawing/2014/main" val="1423130289"/>
+                    <a16:rowId xmlns:a16="http://schemas.microsoft.com/office/drawing/2014/main" xmlns="" val="1423130289"/>
                   </a:ext>
                 </a:extLst>
               </a:tr>
@@ -18753,7 +18805,7 @@
                 </a:tc>
                 <a:extLst>
                   <a:ext uri="{0D108BD9-81ED-4DB2-BD59-A6C34878D82A}">
-                    <a16:rowId xmlns="" xmlns:a16="http://schemas.microsoft.com/office/drawing/2014/main" val="2266055896"/>
+                    <a16:rowId xmlns:a16="http://schemas.microsoft.com/office/drawing/2014/main" xmlns="" val="2266055896"/>
                   </a:ext>
                 </a:extLst>
               </a:tr>
@@ -18969,7 +19021,7 @@
                 </a:tc>
                 <a:extLst>
                   <a:ext uri="{0D108BD9-81ED-4DB2-BD59-A6C34878D82A}">
-                    <a16:rowId xmlns="" xmlns:a16="http://schemas.microsoft.com/office/drawing/2014/main" val="3843794568"/>
+                    <a16:rowId xmlns:a16="http://schemas.microsoft.com/office/drawing/2014/main" xmlns="" val="3843794568"/>
                   </a:ext>
                 </a:extLst>
               </a:tr>
@@ -19137,7 +19189,7 @@
                 </a:tc>
                 <a:extLst>
                   <a:ext uri="{0D108BD9-81ED-4DB2-BD59-A6C34878D82A}">
-                    <a16:rowId xmlns="" xmlns:a16="http://schemas.microsoft.com/office/drawing/2014/main" val="2414411094"/>
+                    <a16:rowId xmlns:a16="http://schemas.microsoft.com/office/drawing/2014/main" xmlns="" val="2414411094"/>
                   </a:ext>
                 </a:extLst>
               </a:tr>
@@ -19305,7 +19357,7 @@
                 </a:tc>
                 <a:extLst>
                   <a:ext uri="{0D108BD9-81ED-4DB2-BD59-A6C34878D82A}">
-                    <a16:rowId xmlns="" xmlns:a16="http://schemas.microsoft.com/office/drawing/2014/main" val="2875470382"/>
+                    <a16:rowId xmlns:a16="http://schemas.microsoft.com/office/drawing/2014/main" xmlns="" val="2875470382"/>
                   </a:ext>
                 </a:extLst>
               </a:tr>
@@ -19473,7 +19525,7 @@
                 </a:tc>
                 <a:extLst>
                   <a:ext uri="{0D108BD9-81ED-4DB2-BD59-A6C34878D82A}">
-                    <a16:rowId xmlns="" xmlns:a16="http://schemas.microsoft.com/office/drawing/2014/main" val="1898222468"/>
+                    <a16:rowId xmlns:a16="http://schemas.microsoft.com/office/drawing/2014/main" xmlns="" val="1898222468"/>
                   </a:ext>
                 </a:extLst>
               </a:tr>
@@ -19641,7 +19693,7 @@
                 </a:tc>
                 <a:extLst>
                   <a:ext uri="{0D108BD9-81ED-4DB2-BD59-A6C34878D82A}">
-                    <a16:rowId xmlns="" xmlns:a16="http://schemas.microsoft.com/office/drawing/2014/main" val="2850959680"/>
+                    <a16:rowId xmlns:a16="http://schemas.microsoft.com/office/drawing/2014/main" xmlns="" val="2850959680"/>
                   </a:ext>
                 </a:extLst>
               </a:tr>
@@ -19814,7 +19866,7 @@
                 </a:tc>
                 <a:extLst>
                   <a:ext uri="{0D108BD9-81ED-4DB2-BD59-A6C34878D82A}">
-                    <a16:rowId xmlns="" xmlns:a16="http://schemas.microsoft.com/office/drawing/2014/main" val="1533416230"/>
+                    <a16:rowId xmlns:a16="http://schemas.microsoft.com/office/drawing/2014/main" xmlns="" val="1533416230"/>
                   </a:ext>
                 </a:extLst>
               </a:tr>
@@ -19983,7 +20035,7 @@
                 </a:tc>
                 <a:extLst>
                   <a:ext uri="{0D108BD9-81ED-4DB2-BD59-A6C34878D82A}">
-                    <a16:rowId xmlns="" xmlns:a16="http://schemas.microsoft.com/office/drawing/2014/main" val="1776258069"/>
+                    <a16:rowId xmlns:a16="http://schemas.microsoft.com/office/drawing/2014/main" xmlns="" val="1776258069"/>
                   </a:ext>
                 </a:extLst>
               </a:tr>
@@ -20152,7 +20204,7 @@
                 </a:tc>
                 <a:extLst>
                   <a:ext uri="{0D108BD9-81ED-4DB2-BD59-A6C34878D82A}">
-                    <a16:rowId xmlns="" xmlns:a16="http://schemas.microsoft.com/office/drawing/2014/main" val="2054699763"/>
+                    <a16:rowId xmlns:a16="http://schemas.microsoft.com/office/drawing/2014/main" xmlns="" val="2054699763"/>
                   </a:ext>
                 </a:extLst>
               </a:tr>
@@ -20321,7 +20373,7 @@
                 </a:tc>
                 <a:extLst>
                   <a:ext uri="{0D108BD9-81ED-4DB2-BD59-A6C34878D82A}">
-                    <a16:rowId xmlns="" xmlns:a16="http://schemas.microsoft.com/office/drawing/2014/main" val="792755357"/>
+                    <a16:rowId xmlns:a16="http://schemas.microsoft.com/office/drawing/2014/main" xmlns="" val="792755357"/>
                   </a:ext>
                 </a:extLst>
               </a:tr>
@@ -20559,7 +20611,7 @@
     </p:spTree>
     <p:extLst>
       <p:ext uri="{BB962C8B-B14F-4D97-AF65-F5344CB8AC3E}">
-        <p14:creationId xmlns="" xmlns:p14="http://schemas.microsoft.com/office/powerpoint/2010/main" val="1747788887"/>
+        <p14:creationId xmlns:p14="http://schemas.microsoft.com/office/powerpoint/2010/main" xmlns="" val="1747788887"/>
       </p:ext>
     </p:extLst>
   </p:cSld>
@@ -20595,7 +20647,7 @@
           <p:nvPr>
             <p:extLst>
               <p:ext uri="{D42A27DB-BD31-4B8C-83A1-F6EECF244321}">
-                <p14:modId xmlns="" xmlns:p14="http://schemas.microsoft.com/office/powerpoint/2010/main" val="788526585"/>
+                <p14:modId xmlns:p14="http://schemas.microsoft.com/office/powerpoint/2010/main" xmlns="" val="788526585"/>
               </p:ext>
             </p:extLst>
           </p:nvPr>
@@ -20614,14 +20666,14 @@
                 <a:gridCol w="1277451">
                   <a:extLst>
                     <a:ext uri="{9D8B030D-6E8A-4147-A177-3AD203B41FA5}">
-                      <a16:colId xmlns="" xmlns:a16="http://schemas.microsoft.com/office/drawing/2014/main" val="3755282693"/>
+                      <a16:colId xmlns:a16="http://schemas.microsoft.com/office/drawing/2014/main" xmlns="" val="3755282693"/>
                     </a:ext>
                   </a:extLst>
                 </a:gridCol>
                 <a:gridCol w="2414016">
                   <a:extLst>
                     <a:ext uri="{9D8B030D-6E8A-4147-A177-3AD203B41FA5}">
-                      <a16:colId xmlns="" xmlns:a16="http://schemas.microsoft.com/office/drawing/2014/main" val="276504630"/>
+                      <a16:colId xmlns:a16="http://schemas.microsoft.com/office/drawing/2014/main" xmlns="" val="276504630"/>
                     </a:ext>
                   </a:extLst>
                 </a:gridCol>
@@ -20756,7 +20808,7 @@
                 </a:tc>
                 <a:extLst>
                   <a:ext uri="{0D108BD9-81ED-4DB2-BD59-A6C34878D82A}">
-                    <a16:rowId xmlns="" xmlns:a16="http://schemas.microsoft.com/office/drawing/2014/main" val="2659151920"/>
+                    <a16:rowId xmlns:a16="http://schemas.microsoft.com/office/drawing/2014/main" xmlns="" val="2659151920"/>
                   </a:ext>
                 </a:extLst>
               </a:tr>
@@ -20882,7 +20934,7 @@
                 </a:tc>
                 <a:extLst>
                   <a:ext uri="{0D108BD9-81ED-4DB2-BD59-A6C34878D82A}">
-                    <a16:rowId xmlns="" xmlns:a16="http://schemas.microsoft.com/office/drawing/2014/main" val="2965605005"/>
+                    <a16:rowId xmlns:a16="http://schemas.microsoft.com/office/drawing/2014/main" xmlns="" val="2965605005"/>
                   </a:ext>
                 </a:extLst>
               </a:tr>
@@ -21024,7 +21076,7 @@
                 </a:tc>
                 <a:extLst>
                   <a:ext uri="{0D108BD9-81ED-4DB2-BD59-A6C34878D82A}">
-                    <a16:rowId xmlns="" xmlns:a16="http://schemas.microsoft.com/office/drawing/2014/main" val="1423130289"/>
+                    <a16:rowId xmlns:a16="http://schemas.microsoft.com/office/drawing/2014/main" xmlns="" val="1423130289"/>
                   </a:ext>
                 </a:extLst>
               </a:tr>
@@ -21150,7 +21202,7 @@
                 </a:tc>
                 <a:extLst>
                   <a:ext uri="{0D108BD9-81ED-4DB2-BD59-A6C34878D82A}">
-                    <a16:rowId xmlns="" xmlns:a16="http://schemas.microsoft.com/office/drawing/2014/main" val="2266055896"/>
+                    <a16:rowId xmlns:a16="http://schemas.microsoft.com/office/drawing/2014/main" xmlns="" val="2266055896"/>
                   </a:ext>
                 </a:extLst>
               </a:tr>
@@ -21167,14 +21219,14 @@
           <p:nvPr>
             <p:extLst>
               <p:ext uri="{D42A27DB-BD31-4B8C-83A1-F6EECF244321}">
-                <p14:modId xmlns="" xmlns:p14="http://schemas.microsoft.com/office/powerpoint/2010/main" val="1047247137"/>
+                <p14:modId xmlns:p14="http://schemas.microsoft.com/office/powerpoint/2010/main" xmlns="" val="1047247137"/>
               </p:ext>
             </p:extLst>
           </p:nvPr>
         </p:nvGraphicFramePr>
         <p:xfrm>
           <a:off x="8500532" y="1300478"/>
-          <a:ext cx="3691467" cy="5613902"/>
+          <a:ext cx="3691467" cy="5557522"/>
         </p:xfrm>
         <a:graphic>
           <a:graphicData uri="http://schemas.openxmlformats.org/drawingml/2006/table">
@@ -21186,21 +21238,21 @@
                 <a:gridCol w="409006">
                   <a:extLst>
                     <a:ext uri="{9D8B030D-6E8A-4147-A177-3AD203B41FA5}">
-                      <a16:colId xmlns="" xmlns:a16="http://schemas.microsoft.com/office/drawing/2014/main" val="3755282693"/>
+                      <a16:colId xmlns:a16="http://schemas.microsoft.com/office/drawing/2014/main" xmlns="" val="3755282693"/>
                     </a:ext>
                   </a:extLst>
                 </a:gridCol>
                 <a:gridCol w="475762">
                   <a:extLst>
                     <a:ext uri="{9D8B030D-6E8A-4147-A177-3AD203B41FA5}">
-                      <a16:colId xmlns="" xmlns:a16="http://schemas.microsoft.com/office/drawing/2014/main" val="276504630"/>
+                      <a16:colId xmlns:a16="http://schemas.microsoft.com/office/drawing/2014/main" xmlns="" val="276504630"/>
                     </a:ext>
                   </a:extLst>
                 </a:gridCol>
                 <a:gridCol w="2806699">
                   <a:extLst>
                     <a:ext uri="{9D8B030D-6E8A-4147-A177-3AD203B41FA5}">
-                      <a16:colId xmlns="" xmlns:a16="http://schemas.microsoft.com/office/drawing/2014/main" val="1644896112"/>
+                      <a16:colId xmlns:a16="http://schemas.microsoft.com/office/drawing/2014/main" xmlns="" val="1644896112"/>
                     </a:ext>
                   </a:extLst>
                 </a:gridCol>
@@ -21370,7 +21422,7 @@
                 </a:tc>
                 <a:extLst>
                   <a:ext uri="{0D108BD9-81ED-4DB2-BD59-A6C34878D82A}">
-                    <a16:rowId xmlns="" xmlns:a16="http://schemas.microsoft.com/office/drawing/2014/main" val="2659151920"/>
+                    <a16:rowId xmlns:a16="http://schemas.microsoft.com/office/drawing/2014/main" xmlns="" val="2659151920"/>
                   </a:ext>
                 </a:extLst>
               </a:tr>
@@ -21466,23 +21518,7 @@
                             <a:schemeClr val="tx1"/>
                           </a:solidFill>
                         </a:rPr>
-                        <a:t> 등록</a:t>
-                      </a:r>
-                      <a:r>
-                        <a:rPr lang="en-US" altLang="ko-KR" sz="1200" dirty="0" smtClean="0">
-                          <a:solidFill>
-                            <a:schemeClr val="tx1"/>
-                          </a:solidFill>
-                        </a:rPr>
-                        <a:t>&amp;</a:t>
-                      </a:r>
-                      <a:r>
-                        <a:rPr lang="ko-KR" altLang="en-US" sz="1200" dirty="0" smtClean="0">
-                          <a:solidFill>
-                            <a:schemeClr val="tx1"/>
-                          </a:solidFill>
-                        </a:rPr>
-                        <a:t>수정할 수 있다</a:t>
+                        <a:t> 등록할 수 있다</a:t>
                       </a:r>
                       <a:endParaRPr lang="en-US" altLang="ko-KR" sz="1200" dirty="0" smtClean="0">
                         <a:solidFill>
@@ -21586,7 +21622,7 @@
                 </a:tc>
                 <a:extLst>
                   <a:ext uri="{0D108BD9-81ED-4DB2-BD59-A6C34878D82A}">
-                    <a16:rowId xmlns="" xmlns:a16="http://schemas.microsoft.com/office/drawing/2014/main" val="2965605005"/>
+                    <a16:rowId xmlns:a16="http://schemas.microsoft.com/office/drawing/2014/main" xmlns="" val="2965605005"/>
                   </a:ext>
                 </a:extLst>
               </a:tr>
@@ -21802,7 +21838,7 @@
                 </a:tc>
                 <a:extLst>
                   <a:ext uri="{0D108BD9-81ED-4DB2-BD59-A6C34878D82A}">
-                    <a16:rowId xmlns="" xmlns:a16="http://schemas.microsoft.com/office/drawing/2014/main" val="1423130289"/>
+                    <a16:rowId xmlns:a16="http://schemas.microsoft.com/office/drawing/2014/main" xmlns="" val="1423130289"/>
                   </a:ext>
                 </a:extLst>
               </a:tr>
@@ -21970,7 +22006,7 @@
                 </a:tc>
                 <a:extLst>
                   <a:ext uri="{0D108BD9-81ED-4DB2-BD59-A6C34878D82A}">
-                    <a16:rowId xmlns="" xmlns:a16="http://schemas.microsoft.com/office/drawing/2014/main" val="2266055896"/>
+                    <a16:rowId xmlns:a16="http://schemas.microsoft.com/office/drawing/2014/main" xmlns="" val="2266055896"/>
                   </a:ext>
                 </a:extLst>
               </a:tr>
@@ -22154,7 +22190,7 @@
                 </a:tc>
                 <a:extLst>
                   <a:ext uri="{0D108BD9-81ED-4DB2-BD59-A6C34878D82A}">
-                    <a16:rowId xmlns="" xmlns:a16="http://schemas.microsoft.com/office/drawing/2014/main" val="3843794568"/>
+                    <a16:rowId xmlns:a16="http://schemas.microsoft.com/office/drawing/2014/main" xmlns="" val="3843794568"/>
                   </a:ext>
                 </a:extLst>
               </a:tr>
@@ -22338,7 +22374,7 @@
                 </a:tc>
                 <a:extLst>
                   <a:ext uri="{0D108BD9-81ED-4DB2-BD59-A6C34878D82A}">
-                    <a16:rowId xmlns="" xmlns:a16="http://schemas.microsoft.com/office/drawing/2014/main" val="2414411094"/>
+                    <a16:rowId xmlns:a16="http://schemas.microsoft.com/office/drawing/2014/main" xmlns="" val="2414411094"/>
                   </a:ext>
                 </a:extLst>
               </a:tr>
@@ -22522,7 +22558,7 @@
                 </a:tc>
                 <a:extLst>
                   <a:ext uri="{0D108BD9-81ED-4DB2-BD59-A6C34878D82A}">
-                    <a16:rowId xmlns="" xmlns:a16="http://schemas.microsoft.com/office/drawing/2014/main" val="2875470382"/>
+                    <a16:rowId xmlns:a16="http://schemas.microsoft.com/office/drawing/2014/main" xmlns="" val="2875470382"/>
                   </a:ext>
                 </a:extLst>
               </a:tr>
@@ -22706,7 +22742,7 @@
                 </a:tc>
                 <a:extLst>
                   <a:ext uri="{0D108BD9-81ED-4DB2-BD59-A6C34878D82A}">
-                    <a16:rowId xmlns="" xmlns:a16="http://schemas.microsoft.com/office/drawing/2014/main" val="1898222468"/>
+                    <a16:rowId xmlns:a16="http://schemas.microsoft.com/office/drawing/2014/main" xmlns="" val="1898222468"/>
                   </a:ext>
                 </a:extLst>
               </a:tr>
@@ -22890,7 +22926,7 @@
                 </a:tc>
                 <a:extLst>
                   <a:ext uri="{0D108BD9-81ED-4DB2-BD59-A6C34878D82A}">
-                    <a16:rowId xmlns="" xmlns:a16="http://schemas.microsoft.com/office/drawing/2014/main" val="2850959680"/>
+                    <a16:rowId xmlns:a16="http://schemas.microsoft.com/office/drawing/2014/main" xmlns="" val="2850959680"/>
                   </a:ext>
                 </a:extLst>
               </a:tr>
@@ -23063,7 +23099,7 @@
                 </a:tc>
                 <a:extLst>
                   <a:ext uri="{0D108BD9-81ED-4DB2-BD59-A6C34878D82A}">
-                    <a16:rowId xmlns="" xmlns:a16="http://schemas.microsoft.com/office/drawing/2014/main" val="1533416230"/>
+                    <a16:rowId xmlns:a16="http://schemas.microsoft.com/office/drawing/2014/main" xmlns="" val="1533416230"/>
                   </a:ext>
                 </a:extLst>
               </a:tr>
@@ -23232,7 +23268,7 @@
                 </a:tc>
                 <a:extLst>
                   <a:ext uri="{0D108BD9-81ED-4DB2-BD59-A6C34878D82A}">
-                    <a16:rowId xmlns="" xmlns:a16="http://schemas.microsoft.com/office/drawing/2014/main" val="1776258069"/>
+                    <a16:rowId xmlns:a16="http://schemas.microsoft.com/office/drawing/2014/main" xmlns="" val="1776258069"/>
                   </a:ext>
                 </a:extLst>
               </a:tr>
@@ -23401,7 +23437,7 @@
                 </a:tc>
                 <a:extLst>
                   <a:ext uri="{0D108BD9-81ED-4DB2-BD59-A6C34878D82A}">
-                    <a16:rowId xmlns="" xmlns:a16="http://schemas.microsoft.com/office/drawing/2014/main" val="2054699763"/>
+                    <a16:rowId xmlns:a16="http://schemas.microsoft.com/office/drawing/2014/main" xmlns="" val="2054699763"/>
                   </a:ext>
                 </a:extLst>
               </a:tr>
@@ -23570,7 +23606,7 @@
                 </a:tc>
                 <a:extLst>
                   <a:ext uri="{0D108BD9-81ED-4DB2-BD59-A6C34878D82A}">
-                    <a16:rowId xmlns="" xmlns:a16="http://schemas.microsoft.com/office/drawing/2014/main" val="792755357"/>
+                    <a16:rowId xmlns:a16="http://schemas.microsoft.com/office/drawing/2014/main" xmlns="" val="792755357"/>
                   </a:ext>
                 </a:extLst>
               </a:tr>
@@ -23714,7 +23750,7 @@
     </p:spTree>
     <p:extLst>
       <p:ext uri="{BB962C8B-B14F-4D97-AF65-F5344CB8AC3E}">
-        <p14:creationId xmlns="" xmlns:p14="http://schemas.microsoft.com/office/powerpoint/2010/main" val="1747788887"/>
+        <p14:creationId xmlns:p14="http://schemas.microsoft.com/office/powerpoint/2010/main" xmlns="" val="1747788887"/>
       </p:ext>
     </p:extLst>
   </p:cSld>
@@ -23750,7 +23786,7 @@
           <p:nvPr>
             <p:extLst>
               <p:ext uri="{D42A27DB-BD31-4B8C-83A1-F6EECF244321}">
-                <p14:modId xmlns="" xmlns:p14="http://schemas.microsoft.com/office/powerpoint/2010/main" val="788526585"/>
+                <p14:modId xmlns:p14="http://schemas.microsoft.com/office/powerpoint/2010/main" xmlns="" val="788526585"/>
               </p:ext>
             </p:extLst>
           </p:nvPr>
@@ -23769,14 +23805,14 @@
                 <a:gridCol w="1277451">
                   <a:extLst>
                     <a:ext uri="{9D8B030D-6E8A-4147-A177-3AD203B41FA5}">
-                      <a16:colId xmlns="" xmlns:a16="http://schemas.microsoft.com/office/drawing/2014/main" val="3755282693"/>
+                      <a16:colId xmlns:a16="http://schemas.microsoft.com/office/drawing/2014/main" xmlns="" val="3755282693"/>
                     </a:ext>
                   </a:extLst>
                 </a:gridCol>
                 <a:gridCol w="2414016">
                   <a:extLst>
                     <a:ext uri="{9D8B030D-6E8A-4147-A177-3AD203B41FA5}">
-                      <a16:colId xmlns="" xmlns:a16="http://schemas.microsoft.com/office/drawing/2014/main" val="276504630"/>
+                      <a16:colId xmlns:a16="http://schemas.microsoft.com/office/drawing/2014/main" xmlns="" val="276504630"/>
                     </a:ext>
                   </a:extLst>
                 </a:gridCol>
@@ -23911,7 +23947,7 @@
                 </a:tc>
                 <a:extLst>
                   <a:ext uri="{0D108BD9-81ED-4DB2-BD59-A6C34878D82A}">
-                    <a16:rowId xmlns="" xmlns:a16="http://schemas.microsoft.com/office/drawing/2014/main" val="2659151920"/>
+                    <a16:rowId xmlns:a16="http://schemas.microsoft.com/office/drawing/2014/main" xmlns="" val="2659151920"/>
                   </a:ext>
                 </a:extLst>
               </a:tr>
@@ -24029,7 +24065,7 @@
                 </a:tc>
                 <a:extLst>
                   <a:ext uri="{0D108BD9-81ED-4DB2-BD59-A6C34878D82A}">
-                    <a16:rowId xmlns="" xmlns:a16="http://schemas.microsoft.com/office/drawing/2014/main" val="2965605005"/>
+                    <a16:rowId xmlns:a16="http://schemas.microsoft.com/office/drawing/2014/main" xmlns="" val="2965605005"/>
                   </a:ext>
                 </a:extLst>
               </a:tr>
@@ -24147,7 +24183,7 @@
                 </a:tc>
                 <a:extLst>
                   <a:ext uri="{0D108BD9-81ED-4DB2-BD59-A6C34878D82A}">
-                    <a16:rowId xmlns="" xmlns:a16="http://schemas.microsoft.com/office/drawing/2014/main" val="1423130289"/>
+                    <a16:rowId xmlns:a16="http://schemas.microsoft.com/office/drawing/2014/main" xmlns="" val="1423130289"/>
                   </a:ext>
                 </a:extLst>
               </a:tr>
@@ -24265,7 +24301,7 @@
                 </a:tc>
                 <a:extLst>
                   <a:ext uri="{0D108BD9-81ED-4DB2-BD59-A6C34878D82A}">
-                    <a16:rowId xmlns="" xmlns:a16="http://schemas.microsoft.com/office/drawing/2014/main" val="2266055896"/>
+                    <a16:rowId xmlns:a16="http://schemas.microsoft.com/office/drawing/2014/main" xmlns="" val="2266055896"/>
                   </a:ext>
                 </a:extLst>
               </a:tr>
@@ -24282,7 +24318,7 @@
           <p:nvPr>
             <p:extLst>
               <p:ext uri="{D42A27DB-BD31-4B8C-83A1-F6EECF244321}">
-                <p14:modId xmlns="" xmlns:p14="http://schemas.microsoft.com/office/powerpoint/2010/main" val="1047247137"/>
+                <p14:modId xmlns:p14="http://schemas.microsoft.com/office/powerpoint/2010/main" xmlns="" val="1047247137"/>
               </p:ext>
             </p:extLst>
           </p:nvPr>
@@ -24301,21 +24337,21 @@
                 <a:gridCol w="409006">
                   <a:extLst>
                     <a:ext uri="{9D8B030D-6E8A-4147-A177-3AD203B41FA5}">
-                      <a16:colId xmlns="" xmlns:a16="http://schemas.microsoft.com/office/drawing/2014/main" val="3755282693"/>
+                      <a16:colId xmlns:a16="http://schemas.microsoft.com/office/drawing/2014/main" xmlns="" val="3755282693"/>
                     </a:ext>
                   </a:extLst>
                 </a:gridCol>
                 <a:gridCol w="475762">
                   <a:extLst>
                     <a:ext uri="{9D8B030D-6E8A-4147-A177-3AD203B41FA5}">
-                      <a16:colId xmlns="" xmlns:a16="http://schemas.microsoft.com/office/drawing/2014/main" val="276504630"/>
+                      <a16:colId xmlns:a16="http://schemas.microsoft.com/office/drawing/2014/main" xmlns="" val="276504630"/>
                     </a:ext>
                   </a:extLst>
                 </a:gridCol>
                 <a:gridCol w="2806699">
                   <a:extLst>
                     <a:ext uri="{9D8B030D-6E8A-4147-A177-3AD203B41FA5}">
-                      <a16:colId xmlns="" xmlns:a16="http://schemas.microsoft.com/office/drawing/2014/main" val="1644896112"/>
+                      <a16:colId xmlns:a16="http://schemas.microsoft.com/office/drawing/2014/main" xmlns="" val="1644896112"/>
                     </a:ext>
                   </a:extLst>
                 </a:gridCol>
@@ -24485,7 +24521,7 @@
                 </a:tc>
                 <a:extLst>
                   <a:ext uri="{0D108BD9-81ED-4DB2-BD59-A6C34878D82A}">
-                    <a16:rowId xmlns="" xmlns:a16="http://schemas.microsoft.com/office/drawing/2014/main" val="2659151920"/>
+                    <a16:rowId xmlns:a16="http://schemas.microsoft.com/office/drawing/2014/main" xmlns="" val="2659151920"/>
                   </a:ext>
                 </a:extLst>
               </a:tr>
@@ -24653,7 +24689,7 @@
                 </a:tc>
                 <a:extLst>
                   <a:ext uri="{0D108BD9-81ED-4DB2-BD59-A6C34878D82A}">
-                    <a16:rowId xmlns="" xmlns:a16="http://schemas.microsoft.com/office/drawing/2014/main" val="2965605005"/>
+                    <a16:rowId xmlns:a16="http://schemas.microsoft.com/office/drawing/2014/main" xmlns="" val="2965605005"/>
                   </a:ext>
                 </a:extLst>
               </a:tr>
@@ -24821,7 +24857,7 @@
                 </a:tc>
                 <a:extLst>
                   <a:ext uri="{0D108BD9-81ED-4DB2-BD59-A6C34878D82A}">
-                    <a16:rowId xmlns="" xmlns:a16="http://schemas.microsoft.com/office/drawing/2014/main" val="1423130289"/>
+                    <a16:rowId xmlns:a16="http://schemas.microsoft.com/office/drawing/2014/main" xmlns="" val="1423130289"/>
                   </a:ext>
                 </a:extLst>
               </a:tr>
@@ -24989,7 +25025,7 @@
                 </a:tc>
                 <a:extLst>
                   <a:ext uri="{0D108BD9-81ED-4DB2-BD59-A6C34878D82A}">
-                    <a16:rowId xmlns="" xmlns:a16="http://schemas.microsoft.com/office/drawing/2014/main" val="2266055896"/>
+                    <a16:rowId xmlns:a16="http://schemas.microsoft.com/office/drawing/2014/main" xmlns="" val="2266055896"/>
                   </a:ext>
                 </a:extLst>
               </a:tr>
@@ -25157,7 +25193,7 @@
                 </a:tc>
                 <a:extLst>
                   <a:ext uri="{0D108BD9-81ED-4DB2-BD59-A6C34878D82A}">
-                    <a16:rowId xmlns="" xmlns:a16="http://schemas.microsoft.com/office/drawing/2014/main" val="3843794568"/>
+                    <a16:rowId xmlns:a16="http://schemas.microsoft.com/office/drawing/2014/main" xmlns="" val="3843794568"/>
                   </a:ext>
                 </a:extLst>
               </a:tr>
@@ -25325,7 +25361,7 @@
                 </a:tc>
                 <a:extLst>
                   <a:ext uri="{0D108BD9-81ED-4DB2-BD59-A6C34878D82A}">
-                    <a16:rowId xmlns="" xmlns:a16="http://schemas.microsoft.com/office/drawing/2014/main" val="2414411094"/>
+                    <a16:rowId xmlns:a16="http://schemas.microsoft.com/office/drawing/2014/main" xmlns="" val="2414411094"/>
                   </a:ext>
                 </a:extLst>
               </a:tr>
@@ -25493,7 +25529,7 @@
                 </a:tc>
                 <a:extLst>
                   <a:ext uri="{0D108BD9-81ED-4DB2-BD59-A6C34878D82A}">
-                    <a16:rowId xmlns="" xmlns:a16="http://schemas.microsoft.com/office/drawing/2014/main" val="2875470382"/>
+                    <a16:rowId xmlns:a16="http://schemas.microsoft.com/office/drawing/2014/main" xmlns="" val="2875470382"/>
                   </a:ext>
                 </a:extLst>
               </a:tr>
@@ -25661,7 +25697,7 @@
                 </a:tc>
                 <a:extLst>
                   <a:ext uri="{0D108BD9-81ED-4DB2-BD59-A6C34878D82A}">
-                    <a16:rowId xmlns="" xmlns:a16="http://schemas.microsoft.com/office/drawing/2014/main" val="1898222468"/>
+                    <a16:rowId xmlns:a16="http://schemas.microsoft.com/office/drawing/2014/main" xmlns="" val="1898222468"/>
                   </a:ext>
                 </a:extLst>
               </a:tr>
@@ -25829,7 +25865,7 @@
                 </a:tc>
                 <a:extLst>
                   <a:ext uri="{0D108BD9-81ED-4DB2-BD59-A6C34878D82A}">
-                    <a16:rowId xmlns="" xmlns:a16="http://schemas.microsoft.com/office/drawing/2014/main" val="2850959680"/>
+                    <a16:rowId xmlns:a16="http://schemas.microsoft.com/office/drawing/2014/main" xmlns="" val="2850959680"/>
                   </a:ext>
                 </a:extLst>
               </a:tr>
@@ -26002,7 +26038,7 @@
                 </a:tc>
                 <a:extLst>
                   <a:ext uri="{0D108BD9-81ED-4DB2-BD59-A6C34878D82A}">
-                    <a16:rowId xmlns="" xmlns:a16="http://schemas.microsoft.com/office/drawing/2014/main" val="1533416230"/>
+                    <a16:rowId xmlns:a16="http://schemas.microsoft.com/office/drawing/2014/main" xmlns="" val="1533416230"/>
                   </a:ext>
                 </a:extLst>
               </a:tr>
@@ -26171,7 +26207,7 @@
                 </a:tc>
                 <a:extLst>
                   <a:ext uri="{0D108BD9-81ED-4DB2-BD59-A6C34878D82A}">
-                    <a16:rowId xmlns="" xmlns:a16="http://schemas.microsoft.com/office/drawing/2014/main" val="1776258069"/>
+                    <a16:rowId xmlns:a16="http://schemas.microsoft.com/office/drawing/2014/main" xmlns="" val="1776258069"/>
                   </a:ext>
                 </a:extLst>
               </a:tr>
@@ -26340,7 +26376,7 @@
                 </a:tc>
                 <a:extLst>
                   <a:ext uri="{0D108BD9-81ED-4DB2-BD59-A6C34878D82A}">
-                    <a16:rowId xmlns="" xmlns:a16="http://schemas.microsoft.com/office/drawing/2014/main" val="2054699763"/>
+                    <a16:rowId xmlns:a16="http://schemas.microsoft.com/office/drawing/2014/main" xmlns="" val="2054699763"/>
                   </a:ext>
                 </a:extLst>
               </a:tr>
@@ -26509,7 +26545,7 @@
                 </a:tc>
                 <a:extLst>
                   <a:ext uri="{0D108BD9-81ED-4DB2-BD59-A6C34878D82A}">
-                    <a16:rowId xmlns="" xmlns:a16="http://schemas.microsoft.com/office/drawing/2014/main" val="792755357"/>
+                    <a16:rowId xmlns:a16="http://schemas.microsoft.com/office/drawing/2014/main" xmlns="" val="792755357"/>
                   </a:ext>
                 </a:extLst>
               </a:tr>
@@ -26819,7 +26855,7 @@
     </p:spTree>
     <p:extLst>
       <p:ext uri="{BB962C8B-B14F-4D97-AF65-F5344CB8AC3E}">
-        <p14:creationId xmlns="" xmlns:p14="http://schemas.microsoft.com/office/powerpoint/2010/main" val="1747788887"/>
+        <p14:creationId xmlns:p14="http://schemas.microsoft.com/office/powerpoint/2010/main" xmlns="" val="1747788887"/>
       </p:ext>
     </p:extLst>
   </p:cSld>
@@ -27084,7 +27120,7 @@
   <a:extraClrSchemeLst/>
   <a:extLst>
     <a:ext uri="{05A4C25C-085E-4340-85A3-A5531E510DB2}">
-      <thm15:themeFamily xmlns="" xmlns:thm15="http://schemas.microsoft.com/office/thememl/2012/main" name="Office Theme" id="{62F939B6-93AF-4DB8-9C6B-D6C7DFDC589F}" vid="{4A3C46E8-61CC-4603-A589-7422A47A8E4A}"/>
+      <thm15:themeFamily xmlns:thm15="http://schemas.microsoft.com/office/thememl/2012/main" xmlns="" name="Office Theme" id="{62F939B6-93AF-4DB8-9C6B-D6C7DFDC589F}" vid="{4A3C46E8-61CC-4603-A589-7422A47A8E4A}"/>
     </a:ext>
   </a:extLst>
 </a:theme>
